--- a/Presentasi/Movie Wishlist.pptx
+++ b/Presentasi/Movie Wishlist.pptx
@@ -286,7 +286,7 @@
           <a:p>
             <a:fld id="{9184DA70-C731-4C70-880D-CCD4705E623C}" type="datetime1">
               <a:rPr lang="en-US" smtClean="0"/>
-              <a:t>8/2/2021</a:t>
+              <a:t>8/7/2021</a:t>
             </a:fld>
             <a:endParaRPr lang="en-US" dirty="0"/>
           </a:p>
@@ -553,7 +553,7 @@
           <a:p>
             <a:fld id="{62D6E202-B606-4609-B914-27C9371A1F6D}" type="datetime1">
               <a:rPr lang="en-US" smtClean="0"/>
-              <a:t>8/2/2021</a:t>
+              <a:t>8/7/2021</a:t>
             </a:fld>
             <a:endParaRPr lang="en-US" dirty="0"/>
           </a:p>
@@ -785,7 +785,7 @@
           <a:p>
             <a:fld id="{62D6E202-B606-4609-B914-27C9371A1F6D}" type="datetime1">
               <a:rPr lang="en-US" smtClean="0"/>
-              <a:t>8/2/2021</a:t>
+              <a:t>8/7/2021</a:t>
             </a:fld>
             <a:endParaRPr lang="en-US" dirty="0"/>
           </a:p>
@@ -1096,7 +1096,7 @@
           <a:p>
             <a:fld id="{62D6E202-B606-4609-B914-27C9371A1F6D}" type="datetime1">
               <a:rPr lang="en-US" smtClean="0"/>
-              <a:t>8/2/2021</a:t>
+              <a:t>8/7/2021</a:t>
             </a:fld>
             <a:endParaRPr lang="en-US" dirty="0"/>
           </a:p>
@@ -1570,7 +1570,7 @@
           <a:p>
             <a:fld id="{62D6E202-B606-4609-B914-27C9371A1F6D}" type="datetime1">
               <a:rPr lang="en-US" smtClean="0"/>
-              <a:t>8/2/2021</a:t>
+              <a:t>8/7/2021</a:t>
             </a:fld>
             <a:endParaRPr lang="en-US" dirty="0"/>
           </a:p>
@@ -2118,7 +2118,7 @@
           <a:p>
             <a:fld id="{62D6E202-B606-4609-B914-27C9371A1F6D}" type="datetime1">
               <a:rPr lang="en-US" smtClean="0"/>
-              <a:t>8/2/2021</a:t>
+              <a:t>8/7/2021</a:t>
             </a:fld>
             <a:endParaRPr lang="en-US" dirty="0"/>
           </a:p>
@@ -2893,7 +2893,7 @@
           <a:p>
             <a:fld id="{62D6E202-B606-4609-B914-27C9371A1F6D}" type="datetime1">
               <a:rPr lang="en-US" smtClean="0"/>
-              <a:t>8/2/2021</a:t>
+              <a:t>8/7/2021</a:t>
             </a:fld>
             <a:endParaRPr lang="en-US" dirty="0"/>
           </a:p>
@@ -3069,7 +3069,7 @@
           <a:p>
             <a:fld id="{B612A279-0833-481D-8C56-F67FD0AC6C50}" type="datetime1">
               <a:rPr lang="en-US" smtClean="0"/>
-              <a:t>8/2/2021</a:t>
+              <a:t>8/7/2021</a:t>
             </a:fld>
             <a:endParaRPr lang="en-US" dirty="0"/>
           </a:p>
@@ -3292,7 +3292,7 @@
           <a:p>
             <a:fld id="{6587DA83-5663-4C9C-B9AA-0B40A3DAFF81}" type="datetime1">
               <a:rPr lang="en-US" smtClean="0"/>
-              <a:t>8/2/2021</a:t>
+              <a:t>8/7/2021</a:t>
             </a:fld>
             <a:endParaRPr lang="en-US" dirty="0"/>
           </a:p>
@@ -3472,7 +3472,7 @@
           <a:p>
             <a:fld id="{4BE1D723-8F53-4F53-90B0-1982A396982E}" type="datetime1">
               <a:rPr lang="en-US" smtClean="0"/>
-              <a:t>8/2/2021</a:t>
+              <a:t>8/7/2021</a:t>
             </a:fld>
             <a:endParaRPr lang="en-US" dirty="0"/>
           </a:p>
@@ -3761,7 +3761,7 @@
           <a:p>
             <a:fld id="{97669AF7-7BEB-44E4-9852-375E34362B5B}" type="datetime1">
               <a:rPr lang="en-US" smtClean="0"/>
-              <a:t>8/2/2021</a:t>
+              <a:t>8/7/2021</a:t>
             </a:fld>
             <a:endParaRPr lang="en-US" dirty="0"/>
           </a:p>
@@ -4003,7 +4003,7 @@
           <a:p>
             <a:fld id="{BAAAC38D-0552-4C82-B593-E6124DFADBE2}" type="datetime1">
               <a:rPr lang="en-US" smtClean="0"/>
-              <a:t>8/2/2021</a:t>
+              <a:t>8/7/2021</a:t>
             </a:fld>
             <a:endParaRPr lang="en-US" dirty="0"/>
           </a:p>
@@ -4382,7 +4382,7 @@
           <a:p>
             <a:fld id="{D9DF0F1C-5577-4ACB-BB62-DF8F3C494C7E}" type="datetime1">
               <a:rPr lang="en-US" smtClean="0"/>
-              <a:t>8/2/2021</a:t>
+              <a:t>8/7/2021</a:t>
             </a:fld>
             <a:endParaRPr lang="en-US" dirty="0"/>
           </a:p>
@@ -4500,7 +4500,7 @@
           <a:p>
             <a:fld id="{1775B394-D9F9-4F0C-B15D-605F45CB9E9F}" type="datetime1">
               <a:rPr lang="en-US" smtClean="0"/>
-              <a:t>8/2/2021</a:t>
+              <a:t>8/7/2021</a:t>
             </a:fld>
             <a:endParaRPr lang="en-US" dirty="0"/>
           </a:p>
@@ -4595,7 +4595,7 @@
           <a:p>
             <a:fld id="{39667345-2558-425A-8533-9BFDBCE15005}" type="datetime1">
               <a:rPr lang="en-US" smtClean="0"/>
-              <a:t>8/2/2021</a:t>
+              <a:t>8/7/2021</a:t>
             </a:fld>
             <a:endParaRPr lang="en-US" dirty="0"/>
           </a:p>
@@ -4844,7 +4844,7 @@
           <a:p>
             <a:fld id="{92BEA474-078D-4E9B-9B14-09A87B19DC46}" type="datetime1">
               <a:rPr lang="en-US" smtClean="0"/>
-              <a:t>8/2/2021</a:t>
+              <a:t>8/7/2021</a:t>
             </a:fld>
             <a:endParaRPr lang="en-US" dirty="0"/>
           </a:p>
@@ -5102,7 +5102,7 @@
           <a:p>
             <a:fld id="{4907D986-8816-4272-A432-0437A28A9828}" type="datetime1">
               <a:rPr lang="en-US" smtClean="0"/>
-              <a:t>8/2/2021</a:t>
+              <a:t>8/7/2021</a:t>
             </a:fld>
             <a:endParaRPr lang="en-US" dirty="0"/>
           </a:p>
@@ -5346,7 +5346,7 @@
           <a:p>
             <a:fld id="{62D6E202-B606-4609-B914-27C9371A1F6D}" type="datetime1">
               <a:rPr lang="en-US" smtClean="0"/>
-              <a:t>8/2/2021</a:t>
+              <a:t>8/7/2021</a:t>
             </a:fld>
             <a:endParaRPr lang="en-US" dirty="0"/>
           </a:p>
@@ -8034,7 +8034,7 @@
               </a:ext>
             </a:extLst>
           </a:blip>
-          <a:srcRect l="1628" r="1628"/>
+          <a:srcRect l="8112" r="8112"/>
           <a:stretch/>
         </p:blipFill>
         <p:spPr>

--- a/Presentasi/Movie Wishlist.pptx
+++ b/Presentasi/Movie Wishlist.pptx
@@ -9,7 +9,12 @@
     <p:sldId id="258" r:id="rId3"/>
     <p:sldId id="259" r:id="rId4"/>
     <p:sldId id="260" r:id="rId5"/>
-    <p:sldId id="261" r:id="rId6"/>
+    <p:sldId id="262" r:id="rId6"/>
+    <p:sldId id="263" r:id="rId7"/>
+    <p:sldId id="264" r:id="rId8"/>
+    <p:sldId id="265" r:id="rId9"/>
+    <p:sldId id="266" r:id="rId10"/>
+    <p:sldId id="261" r:id="rId11"/>
   </p:sldIdLst>
   <p:sldSz cx="12192000" cy="6858000"/>
   <p:notesSz cx="6858000" cy="9144000"/>
@@ -116,6 +121,1968 @@
 </p:presentation>
 </file>
 
+<file path=ppt/charts/chart1.xml><?xml version="1.0" encoding="utf-8"?>
+<c:chartSpace xmlns:c="http://schemas.openxmlformats.org/drawingml/2006/chart" xmlns:a="http://schemas.openxmlformats.org/drawingml/2006/main" xmlns:r="http://schemas.openxmlformats.org/officeDocument/2006/relationships" xmlns:c16r2="http://schemas.microsoft.com/office/drawing/2015/06/chart">
+  <c:date1904 val="0"/>
+  <c:lang val="en-US"/>
+  <c:roundedCorners val="0"/>
+  <mc:AlternateContent xmlns:mc="http://schemas.openxmlformats.org/markup-compatibility/2006">
+    <mc:Choice xmlns:c14="http://schemas.microsoft.com/office/drawing/2007/8/2/chart" Requires="c14">
+      <c14:style val="103"/>
+    </mc:Choice>
+    <mc:Fallback>
+      <c:style val="3"/>
+    </mc:Fallback>
+  </mc:AlternateContent>
+  <c:chart>
+    <c:title>
+      <c:overlay val="0"/>
+      <c:spPr>
+        <a:noFill/>
+        <a:ln>
+          <a:noFill/>
+        </a:ln>
+        <a:effectLst/>
+      </c:spPr>
+      <c:txPr>
+        <a:bodyPr rot="0" spcFirstLastPara="1" vertOverflow="ellipsis" vert="horz" wrap="square" anchor="ctr" anchorCtr="1"/>
+        <a:lstStyle/>
+        <a:p>
+          <a:pPr>
+            <a:defRPr sz="2128" b="1" i="0" u="none" strike="noStrike" kern="1200" spc="100" baseline="0">
+              <a:solidFill>
+                <a:schemeClr val="lt1">
+                  <a:lumMod val="95000"/>
+                </a:schemeClr>
+              </a:solidFill>
+              <a:effectLst>
+                <a:outerShdw blurRad="50800" dist="38100" dir="5400000" algn="t" rotWithShape="0">
+                  <a:prstClr val="black">
+                    <a:alpha val="40000"/>
+                  </a:prstClr>
+                </a:outerShdw>
+              </a:effectLst>
+              <a:latin typeface="+mn-lt"/>
+              <a:ea typeface="+mn-ea"/>
+              <a:cs typeface="+mn-cs"/>
+            </a:defRPr>
+          </a:pPr>
+          <a:endParaRPr lang="en-US"/>
+        </a:p>
+      </c:txPr>
+    </c:title>
+    <c:autoTitleDeleted val="0"/>
+    <c:view3D>
+      <c:rotX val="30"/>
+      <c:rotY val="0"/>
+      <c:depthPercent val="100"/>
+      <c:rAngAx val="0"/>
+    </c:view3D>
+    <c:floor>
+      <c:thickness val="0"/>
+      <c:spPr>
+        <a:noFill/>
+        <a:ln>
+          <a:noFill/>
+        </a:ln>
+        <a:effectLst/>
+        <a:sp3d/>
+      </c:spPr>
+    </c:floor>
+    <c:sideWall>
+      <c:thickness val="0"/>
+      <c:spPr>
+        <a:noFill/>
+        <a:ln>
+          <a:noFill/>
+        </a:ln>
+        <a:effectLst/>
+        <a:sp3d/>
+      </c:spPr>
+    </c:sideWall>
+    <c:backWall>
+      <c:thickness val="0"/>
+      <c:spPr>
+        <a:noFill/>
+        <a:ln>
+          <a:noFill/>
+        </a:ln>
+        <a:effectLst/>
+        <a:sp3d/>
+      </c:spPr>
+    </c:backWall>
+    <c:plotArea>
+      <c:layout/>
+      <c:pie3DChart>
+        <c:varyColors val="1"/>
+        <c:ser>
+          <c:idx val="0"/>
+          <c:order val="0"/>
+          <c:tx>
+            <c:strRef>
+              <c:f>Sheet1!$B$1</c:f>
+              <c:strCache>
+                <c:ptCount val="1"/>
+                <c:pt idx="0">
+                  <c:v>Progress</c:v>
+                </c:pt>
+              </c:strCache>
+            </c:strRef>
+          </c:tx>
+          <c:dPt>
+            <c:idx val="0"/>
+            <c:bubble3D val="0"/>
+            <c:spPr>
+              <a:gradFill rotWithShape="1">
+                <a:gsLst>
+                  <a:gs pos="0">
+                    <a:schemeClr val="accent1">
+                      <a:tint val="77000"/>
+                      <a:tint val="96000"/>
+                      <a:satMod val="100000"/>
+                      <a:lumMod val="104000"/>
+                    </a:schemeClr>
+                  </a:gs>
+                  <a:gs pos="78000">
+                    <a:schemeClr val="accent1">
+                      <a:tint val="77000"/>
+                      <a:shade val="100000"/>
+                      <a:satMod val="110000"/>
+                      <a:lumMod val="100000"/>
+                    </a:schemeClr>
+                  </a:gs>
+                </a:gsLst>
+                <a:lin ang="5400000" scaled="0"/>
+              </a:gradFill>
+              <a:ln>
+                <a:noFill/>
+              </a:ln>
+              <a:effectLst>
+                <a:outerShdw blurRad="57150" dist="19050" dir="5400000" algn="ctr" rotWithShape="0">
+                  <a:srgbClr val="000000">
+                    <a:alpha val="48000"/>
+                  </a:srgbClr>
+                </a:outerShdw>
+              </a:effectLst>
+              <a:scene3d>
+                <a:camera prst="orthographicFront">
+                  <a:rot lat="0" lon="0" rev="0"/>
+                </a:camera>
+                <a:lightRig rig="threePt" dir="t"/>
+              </a:scene3d>
+              <a:sp3d>
+                <a:bevelT w="50800" h="25400"/>
+              </a:sp3d>
+            </c:spPr>
+            <c:extLst>
+              <c:ext xmlns:c16="http://schemas.microsoft.com/office/drawing/2014/chart" uri="{C3380CC4-5D6E-409C-BE32-E72D297353CC}">
+                <c16:uniqueId val="{00000001-04EA-4FF7-AEBF-9A29EE944A99}"/>
+              </c:ext>
+            </c:extLst>
+          </c:dPt>
+          <c:dPt>
+            <c:idx val="1"/>
+            <c:bubble3D val="0"/>
+            <c:spPr>
+              <a:gradFill rotWithShape="1">
+                <a:gsLst>
+                  <a:gs pos="0">
+                    <a:schemeClr val="accent1">
+                      <a:shade val="76000"/>
+                      <a:tint val="96000"/>
+                      <a:satMod val="100000"/>
+                      <a:lumMod val="104000"/>
+                    </a:schemeClr>
+                  </a:gs>
+                  <a:gs pos="78000">
+                    <a:schemeClr val="accent1">
+                      <a:shade val="76000"/>
+                      <a:shade val="100000"/>
+                      <a:satMod val="110000"/>
+                      <a:lumMod val="100000"/>
+                    </a:schemeClr>
+                  </a:gs>
+                </a:gsLst>
+                <a:lin ang="5400000" scaled="0"/>
+              </a:gradFill>
+              <a:ln>
+                <a:noFill/>
+              </a:ln>
+              <a:effectLst>
+                <a:outerShdw blurRad="57150" dist="19050" dir="5400000" algn="ctr" rotWithShape="0">
+                  <a:srgbClr val="000000">
+                    <a:alpha val="48000"/>
+                  </a:srgbClr>
+                </a:outerShdw>
+              </a:effectLst>
+              <a:scene3d>
+                <a:camera prst="orthographicFront">
+                  <a:rot lat="0" lon="0" rev="0"/>
+                </a:camera>
+                <a:lightRig rig="threePt" dir="t"/>
+              </a:scene3d>
+              <a:sp3d>
+                <a:bevelT w="50800" h="25400"/>
+              </a:sp3d>
+            </c:spPr>
+            <c:extLst>
+              <c:ext xmlns:c16="http://schemas.microsoft.com/office/drawing/2014/chart" uri="{C3380CC4-5D6E-409C-BE32-E72D297353CC}">
+                <c16:uniqueId val="{00000003-04EA-4FF7-AEBF-9A29EE944A99}"/>
+              </c:ext>
+            </c:extLst>
+          </c:dPt>
+          <c:dLbls>
+            <c:dLbl>
+              <c:idx val="0"/>
+              <c:layout>
+                <c:manualLayout>
+                  <c:x val="-0.16524846241699276"/>
+                  <c:y val="3.8789309299843769E-2"/>
+                </c:manualLayout>
+              </c:layout>
+              <c:tx>
+                <c:rich>
+                  <a:bodyPr/>
+                  <a:lstStyle/>
+                  <a:p>
+                    <a:fld id="{FCE59485-E8D7-42CB-B22D-305D41F96C83}" type="PERCENTAGE">
+                      <a:rPr lang="en-US" smtClean="0"/>
+                      <a:pPr/>
+                      <a:t>[PERCENTAGE]</a:t>
+                    </a:fld>
+                    <a:endParaRPr lang="en-ID"/>
+                  </a:p>
+                </c:rich>
+              </c:tx>
+              <c:dLblPos val="bestFit"/>
+              <c:showLegendKey val="0"/>
+              <c:showVal val="0"/>
+              <c:showCatName val="1"/>
+              <c:showSerName val="0"/>
+              <c:showPercent val="0"/>
+              <c:showBubbleSize val="0"/>
+              <c:extLst>
+                <c:ext xmlns:c15="http://schemas.microsoft.com/office/drawing/2012/chart" uri="{CE6537A1-D6FC-4f65-9D91-7224C49458BB}">
+                  <c15:dlblFieldTable/>
+                  <c15:showDataLabelsRange val="0"/>
+                </c:ext>
+                <c:ext xmlns:c16="http://schemas.microsoft.com/office/drawing/2014/chart" uri="{C3380CC4-5D6E-409C-BE32-E72D297353CC}">
+                  <c16:uniqueId val="{00000001-04EA-4FF7-AEBF-9A29EE944A99}"/>
+                </c:ext>
+              </c:extLst>
+            </c:dLbl>
+            <c:dLbl>
+              <c:idx val="1"/>
+              <c:layout>
+                <c:manualLayout>
+                  <c:x val="0.22655031137813519"/>
+                  <c:y val="-0.12412578975950024"/>
+                </c:manualLayout>
+              </c:layout>
+              <c:tx>
+                <c:rich>
+                  <a:bodyPr/>
+                  <a:lstStyle/>
+                  <a:p>
+                    <a:fld id="{8F0029CC-D22C-431F-B906-33380A1F966A}" type="PERCENTAGE">
+                      <a:rPr lang="en-US" smtClean="0"/>
+                      <a:pPr/>
+                      <a:t>[PERCENTAGE]</a:t>
+                    </a:fld>
+                    <a:endParaRPr lang="en-ID"/>
+                  </a:p>
+                </c:rich>
+              </c:tx>
+              <c:dLblPos val="bestFit"/>
+              <c:showLegendKey val="0"/>
+              <c:showVal val="0"/>
+              <c:showCatName val="1"/>
+              <c:showSerName val="0"/>
+              <c:showPercent val="0"/>
+              <c:showBubbleSize val="0"/>
+              <c:extLst>
+                <c:ext xmlns:c15="http://schemas.microsoft.com/office/drawing/2012/chart" uri="{CE6537A1-D6FC-4f65-9D91-7224C49458BB}">
+                  <c15:dlblFieldTable/>
+                  <c15:showDataLabelsRange val="0"/>
+                </c:ext>
+                <c:ext xmlns:c16="http://schemas.microsoft.com/office/drawing/2014/chart" uri="{C3380CC4-5D6E-409C-BE32-E72D297353CC}">
+                  <c16:uniqueId val="{00000003-04EA-4FF7-AEBF-9A29EE944A99}"/>
+                </c:ext>
+              </c:extLst>
+            </c:dLbl>
+            <c:spPr>
+              <a:noFill/>
+              <a:ln>
+                <a:noFill/>
+              </a:ln>
+              <a:effectLst/>
+            </c:spPr>
+            <c:txPr>
+              <a:bodyPr rot="0" spcFirstLastPara="1" vertOverflow="ellipsis" vert="horz" wrap="square" lIns="38100" tIns="19050" rIns="38100" bIns="19050" anchor="ctr" anchorCtr="1">
+                <a:spAutoFit/>
+              </a:bodyPr>
+              <a:lstStyle/>
+              <a:p>
+                <a:pPr>
+                  <a:defRPr sz="1197" b="0" i="0" u="none" strike="noStrike" kern="1200" baseline="0">
+                    <a:solidFill>
+                      <a:schemeClr val="lt1">
+                        <a:lumMod val="85000"/>
+                      </a:schemeClr>
+                    </a:solidFill>
+                    <a:latin typeface="+mn-lt"/>
+                    <a:ea typeface="+mn-ea"/>
+                    <a:cs typeface="+mn-cs"/>
+                  </a:defRPr>
+                </a:pPr>
+                <a:endParaRPr lang="en-US"/>
+              </a:p>
+            </c:txPr>
+            <c:dLblPos val="outEnd"/>
+            <c:showLegendKey val="0"/>
+            <c:showVal val="0"/>
+            <c:showCatName val="1"/>
+            <c:showSerName val="0"/>
+            <c:showPercent val="0"/>
+            <c:showBubbleSize val="0"/>
+            <c:showLeaderLines val="1"/>
+            <c:leaderLines>
+              <c:spPr>
+                <a:ln w="9525">
+                  <a:solidFill>
+                    <a:schemeClr val="lt1">
+                      <a:lumMod val="95000"/>
+                      <a:alpha val="54000"/>
+                    </a:schemeClr>
+                  </a:solidFill>
+                </a:ln>
+                <a:effectLst/>
+              </c:spPr>
+            </c:leaderLines>
+            <c:extLst>
+              <c:ext xmlns:c15="http://schemas.microsoft.com/office/drawing/2012/chart" uri="{CE6537A1-D6FC-4f65-9D91-7224C49458BB}"/>
+            </c:extLst>
+          </c:dLbls>
+          <c:cat>
+            <c:strRef>
+              <c:f>Sheet1!$A$2:$A$3</c:f>
+              <c:strCache>
+                <c:ptCount val="2"/>
+                <c:pt idx="0">
+                  <c:v>Completed</c:v>
+                </c:pt>
+                <c:pt idx="1">
+                  <c:v>On Progress</c:v>
+                </c:pt>
+              </c:strCache>
+            </c:strRef>
+          </c:cat>
+          <c:val>
+            <c:numRef>
+              <c:f>Sheet1!$B$2:$B$3</c:f>
+              <c:numCache>
+                <c:formatCode>General</c:formatCode>
+                <c:ptCount val="2"/>
+                <c:pt idx="0">
+                  <c:v>35.294117647058826</c:v>
+                </c:pt>
+                <c:pt idx="1">
+                  <c:v>64.705882352941174</c:v>
+                </c:pt>
+              </c:numCache>
+            </c:numRef>
+          </c:val>
+          <c:extLst>
+            <c:ext xmlns:c16="http://schemas.microsoft.com/office/drawing/2014/chart" uri="{C3380CC4-5D6E-409C-BE32-E72D297353CC}">
+              <c16:uniqueId val="{00000004-04EA-4FF7-AEBF-9A29EE944A99}"/>
+            </c:ext>
+          </c:extLst>
+        </c:ser>
+        <c:dLbls>
+          <c:dLblPos val="outEnd"/>
+          <c:showLegendKey val="0"/>
+          <c:showVal val="0"/>
+          <c:showCatName val="1"/>
+          <c:showSerName val="0"/>
+          <c:showPercent val="0"/>
+          <c:showBubbleSize val="0"/>
+          <c:showLeaderLines val="1"/>
+        </c:dLbls>
+      </c:pie3DChart>
+      <c:spPr>
+        <a:noFill/>
+        <a:ln>
+          <a:noFill/>
+        </a:ln>
+        <a:effectLst/>
+      </c:spPr>
+    </c:plotArea>
+    <c:legend>
+      <c:legendPos val="b"/>
+      <c:overlay val="0"/>
+      <c:spPr>
+        <a:noFill/>
+        <a:ln>
+          <a:noFill/>
+        </a:ln>
+        <a:effectLst/>
+      </c:spPr>
+      <c:txPr>
+        <a:bodyPr rot="0" spcFirstLastPara="1" vertOverflow="ellipsis" vert="horz" wrap="square" anchor="ctr" anchorCtr="1"/>
+        <a:lstStyle/>
+        <a:p>
+          <a:pPr>
+            <a:defRPr sz="1197" b="0" i="0" u="none" strike="noStrike" kern="1200" baseline="0">
+              <a:solidFill>
+                <a:schemeClr val="lt1">
+                  <a:lumMod val="85000"/>
+                </a:schemeClr>
+              </a:solidFill>
+              <a:latin typeface="+mn-lt"/>
+              <a:ea typeface="+mn-ea"/>
+              <a:cs typeface="+mn-cs"/>
+            </a:defRPr>
+          </a:pPr>
+          <a:endParaRPr lang="en-US"/>
+        </a:p>
+      </c:txPr>
+    </c:legend>
+    <c:plotVisOnly val="1"/>
+    <c:dispBlanksAs val="gap"/>
+    <c:extLst>
+      <c:ext xmlns:c16r3="http://schemas.microsoft.com/office/drawing/2017/03/chart" uri="{56B9EC1D-385E-4148-901F-78D8002777C0}">
+        <c16r3:dataDisplayOptions16>
+          <c16r3:dispNaAsBlank val="1"/>
+        </c16r3:dataDisplayOptions16>
+      </c:ext>
+    </c:extLst>
+    <c:showDLblsOverMax val="0"/>
+  </c:chart>
+  <c:spPr>
+    <a:gradFill flip="none" rotWithShape="1">
+      <a:gsLst>
+        <a:gs pos="0">
+          <a:schemeClr val="dk1">
+            <a:lumMod val="65000"/>
+            <a:lumOff val="35000"/>
+          </a:schemeClr>
+        </a:gs>
+        <a:gs pos="100000">
+          <a:schemeClr val="dk1">
+            <a:lumMod val="85000"/>
+            <a:lumOff val="15000"/>
+          </a:schemeClr>
+        </a:gs>
+      </a:gsLst>
+      <a:path path="circle">
+        <a:fillToRect l="50000" t="50000" r="50000" b="50000"/>
+      </a:path>
+      <a:tileRect/>
+    </a:gradFill>
+    <a:ln>
+      <a:noFill/>
+    </a:ln>
+    <a:effectLst/>
+  </c:spPr>
+  <c:txPr>
+    <a:bodyPr/>
+    <a:lstStyle/>
+    <a:p>
+      <a:pPr>
+        <a:defRPr/>
+      </a:pPr>
+      <a:endParaRPr lang="en-US"/>
+    </a:p>
+  </c:txPr>
+  <c:externalData r:id="rId3">
+    <c:autoUpdate val="0"/>
+  </c:externalData>
+</c:chartSpace>
+</file>
+
+<file path=ppt/charts/chart2.xml><?xml version="1.0" encoding="utf-8"?>
+<c:chartSpace xmlns:c="http://schemas.openxmlformats.org/drawingml/2006/chart" xmlns:a="http://schemas.openxmlformats.org/drawingml/2006/main" xmlns:r="http://schemas.openxmlformats.org/officeDocument/2006/relationships" xmlns:c16r2="http://schemas.microsoft.com/office/drawing/2015/06/chart">
+  <c:date1904 val="0"/>
+  <c:lang val="en-US"/>
+  <c:roundedCorners val="0"/>
+  <mc:AlternateContent xmlns:mc="http://schemas.openxmlformats.org/markup-compatibility/2006">
+    <mc:Choice xmlns:c14="http://schemas.microsoft.com/office/drawing/2007/8/2/chart" Requires="c14">
+      <c14:style val="103"/>
+    </mc:Choice>
+    <mc:Fallback>
+      <c:style val="3"/>
+    </mc:Fallback>
+  </mc:AlternateContent>
+  <c:chart>
+    <c:title>
+      <c:overlay val="0"/>
+      <c:spPr>
+        <a:noFill/>
+        <a:ln>
+          <a:noFill/>
+        </a:ln>
+        <a:effectLst/>
+      </c:spPr>
+      <c:txPr>
+        <a:bodyPr rot="0" spcFirstLastPara="1" vertOverflow="ellipsis" vert="horz" wrap="square" anchor="ctr" anchorCtr="1"/>
+        <a:lstStyle/>
+        <a:p>
+          <a:pPr>
+            <a:defRPr sz="2128" b="1" i="0" u="none" strike="noStrike" kern="1200" spc="100" baseline="0">
+              <a:solidFill>
+                <a:schemeClr val="lt1">
+                  <a:lumMod val="95000"/>
+                </a:schemeClr>
+              </a:solidFill>
+              <a:effectLst>
+                <a:outerShdw blurRad="50800" dist="38100" dir="5400000" algn="t" rotWithShape="0">
+                  <a:prstClr val="black">
+                    <a:alpha val="40000"/>
+                  </a:prstClr>
+                </a:outerShdw>
+              </a:effectLst>
+              <a:latin typeface="+mn-lt"/>
+              <a:ea typeface="+mn-ea"/>
+              <a:cs typeface="+mn-cs"/>
+            </a:defRPr>
+          </a:pPr>
+          <a:endParaRPr lang="en-US"/>
+        </a:p>
+      </c:txPr>
+    </c:title>
+    <c:autoTitleDeleted val="0"/>
+    <c:view3D>
+      <c:rotX val="30"/>
+      <c:rotY val="0"/>
+      <c:depthPercent val="100"/>
+      <c:rAngAx val="0"/>
+    </c:view3D>
+    <c:floor>
+      <c:thickness val="0"/>
+      <c:spPr>
+        <a:noFill/>
+        <a:ln>
+          <a:noFill/>
+        </a:ln>
+        <a:effectLst/>
+        <a:sp3d/>
+      </c:spPr>
+    </c:floor>
+    <c:sideWall>
+      <c:thickness val="0"/>
+      <c:spPr>
+        <a:noFill/>
+        <a:ln>
+          <a:noFill/>
+        </a:ln>
+        <a:effectLst/>
+        <a:sp3d/>
+      </c:spPr>
+    </c:sideWall>
+    <c:backWall>
+      <c:thickness val="0"/>
+      <c:spPr>
+        <a:noFill/>
+        <a:ln>
+          <a:noFill/>
+        </a:ln>
+        <a:effectLst/>
+        <a:sp3d/>
+      </c:spPr>
+    </c:backWall>
+    <c:plotArea>
+      <c:layout/>
+      <c:pie3DChart>
+        <c:varyColors val="1"/>
+        <c:ser>
+          <c:idx val="0"/>
+          <c:order val="0"/>
+          <c:tx>
+            <c:strRef>
+              <c:f>Sheet1!$B$1</c:f>
+              <c:strCache>
+                <c:ptCount val="1"/>
+                <c:pt idx="0">
+                  <c:v>Progress</c:v>
+                </c:pt>
+              </c:strCache>
+            </c:strRef>
+          </c:tx>
+          <c:dPt>
+            <c:idx val="0"/>
+            <c:bubble3D val="0"/>
+            <c:spPr>
+              <a:gradFill rotWithShape="1">
+                <a:gsLst>
+                  <a:gs pos="0">
+                    <a:schemeClr val="accent1">
+                      <a:tint val="77000"/>
+                      <a:tint val="96000"/>
+                      <a:satMod val="100000"/>
+                      <a:lumMod val="104000"/>
+                    </a:schemeClr>
+                  </a:gs>
+                  <a:gs pos="78000">
+                    <a:schemeClr val="accent1">
+                      <a:tint val="77000"/>
+                      <a:shade val="100000"/>
+                      <a:satMod val="110000"/>
+                      <a:lumMod val="100000"/>
+                    </a:schemeClr>
+                  </a:gs>
+                </a:gsLst>
+                <a:lin ang="5400000" scaled="0"/>
+              </a:gradFill>
+              <a:ln>
+                <a:noFill/>
+              </a:ln>
+              <a:effectLst>
+                <a:outerShdw blurRad="57150" dist="19050" dir="5400000" algn="ctr" rotWithShape="0">
+                  <a:srgbClr val="000000">
+                    <a:alpha val="48000"/>
+                  </a:srgbClr>
+                </a:outerShdw>
+              </a:effectLst>
+              <a:scene3d>
+                <a:camera prst="orthographicFront">
+                  <a:rot lat="0" lon="0" rev="0"/>
+                </a:camera>
+                <a:lightRig rig="threePt" dir="t"/>
+              </a:scene3d>
+              <a:sp3d>
+                <a:bevelT w="50800" h="25400"/>
+              </a:sp3d>
+            </c:spPr>
+            <c:extLst>
+              <c:ext xmlns:c16="http://schemas.microsoft.com/office/drawing/2014/chart" uri="{C3380CC4-5D6E-409C-BE32-E72D297353CC}">
+                <c16:uniqueId val="{00000003-0001-4D0F-A62B-8E34325DFE91}"/>
+              </c:ext>
+            </c:extLst>
+          </c:dPt>
+          <c:dPt>
+            <c:idx val="1"/>
+            <c:bubble3D val="0"/>
+            <c:spPr>
+              <a:gradFill rotWithShape="1">
+                <a:gsLst>
+                  <a:gs pos="0">
+                    <a:schemeClr val="accent1">
+                      <a:shade val="76000"/>
+                      <a:tint val="96000"/>
+                      <a:satMod val="100000"/>
+                      <a:lumMod val="104000"/>
+                    </a:schemeClr>
+                  </a:gs>
+                  <a:gs pos="78000">
+                    <a:schemeClr val="accent1">
+                      <a:shade val="76000"/>
+                      <a:shade val="100000"/>
+                      <a:satMod val="110000"/>
+                      <a:lumMod val="100000"/>
+                    </a:schemeClr>
+                  </a:gs>
+                </a:gsLst>
+                <a:lin ang="5400000" scaled="0"/>
+              </a:gradFill>
+              <a:ln>
+                <a:noFill/>
+              </a:ln>
+              <a:effectLst>
+                <a:outerShdw blurRad="57150" dist="19050" dir="5400000" algn="ctr" rotWithShape="0">
+                  <a:srgbClr val="000000">
+                    <a:alpha val="48000"/>
+                  </a:srgbClr>
+                </a:outerShdw>
+              </a:effectLst>
+              <a:scene3d>
+                <a:camera prst="orthographicFront">
+                  <a:rot lat="0" lon="0" rev="0"/>
+                </a:camera>
+                <a:lightRig rig="threePt" dir="t"/>
+              </a:scene3d>
+              <a:sp3d>
+                <a:bevelT w="50800" h="25400"/>
+              </a:sp3d>
+            </c:spPr>
+            <c:extLst>
+              <c:ext xmlns:c16="http://schemas.microsoft.com/office/drawing/2014/chart" uri="{C3380CC4-5D6E-409C-BE32-E72D297353CC}">
+                <c16:uniqueId val="{00000002-0001-4D0F-A62B-8E34325DFE91}"/>
+              </c:ext>
+            </c:extLst>
+          </c:dPt>
+          <c:dLbls>
+            <c:dLbl>
+              <c:idx val="0"/>
+              <c:layout>
+                <c:manualLayout>
+                  <c:x val="-0.16524846241699276"/>
+                  <c:y val="3.8789309299843769E-2"/>
+                </c:manualLayout>
+              </c:layout>
+              <c:tx>
+                <c:rich>
+                  <a:bodyPr/>
+                  <a:lstStyle/>
+                  <a:p>
+                    <a:fld id="{FCE59485-E8D7-42CB-B22D-305D41F96C83}" type="PERCENTAGE">
+                      <a:rPr lang="en-US" smtClean="0"/>
+                      <a:pPr/>
+                      <a:t>[PERCENTAGE]</a:t>
+                    </a:fld>
+                    <a:endParaRPr lang="en-ID"/>
+                  </a:p>
+                </c:rich>
+              </c:tx>
+              <c:dLblPos val="bestFit"/>
+              <c:showLegendKey val="0"/>
+              <c:showVal val="0"/>
+              <c:showCatName val="1"/>
+              <c:showSerName val="0"/>
+              <c:showPercent val="0"/>
+              <c:showBubbleSize val="0"/>
+              <c:extLst>
+                <c:ext xmlns:c15="http://schemas.microsoft.com/office/drawing/2012/chart" uri="{CE6537A1-D6FC-4f65-9D91-7224C49458BB}">
+                  <c15:dlblFieldTable/>
+                  <c15:showDataLabelsRange val="0"/>
+                </c:ext>
+                <c:ext xmlns:c16="http://schemas.microsoft.com/office/drawing/2014/chart" uri="{C3380CC4-5D6E-409C-BE32-E72D297353CC}">
+                  <c16:uniqueId val="{00000003-0001-4D0F-A62B-8E34325DFE91}"/>
+                </c:ext>
+              </c:extLst>
+            </c:dLbl>
+            <c:dLbl>
+              <c:idx val="1"/>
+              <c:layout>
+                <c:manualLayout>
+                  <c:x val="0.22655031137813519"/>
+                  <c:y val="-0.12412578975950024"/>
+                </c:manualLayout>
+              </c:layout>
+              <c:tx>
+                <c:rich>
+                  <a:bodyPr/>
+                  <a:lstStyle/>
+                  <a:p>
+                    <a:fld id="{8F0029CC-D22C-431F-B906-33380A1F966A}" type="PERCENTAGE">
+                      <a:rPr lang="en-US" smtClean="0"/>
+                      <a:pPr/>
+                      <a:t>[PERCENTAGE]</a:t>
+                    </a:fld>
+                    <a:endParaRPr lang="en-ID"/>
+                  </a:p>
+                </c:rich>
+              </c:tx>
+              <c:dLblPos val="bestFit"/>
+              <c:showLegendKey val="0"/>
+              <c:showVal val="0"/>
+              <c:showCatName val="1"/>
+              <c:showSerName val="0"/>
+              <c:showPercent val="0"/>
+              <c:showBubbleSize val="0"/>
+              <c:extLst>
+                <c:ext xmlns:c15="http://schemas.microsoft.com/office/drawing/2012/chart" uri="{CE6537A1-D6FC-4f65-9D91-7224C49458BB}">
+                  <c15:dlblFieldTable/>
+                  <c15:showDataLabelsRange val="0"/>
+                </c:ext>
+                <c:ext xmlns:c16="http://schemas.microsoft.com/office/drawing/2014/chart" uri="{C3380CC4-5D6E-409C-BE32-E72D297353CC}">
+                  <c16:uniqueId val="{00000002-0001-4D0F-A62B-8E34325DFE91}"/>
+                </c:ext>
+              </c:extLst>
+            </c:dLbl>
+            <c:spPr>
+              <a:noFill/>
+              <a:ln>
+                <a:noFill/>
+              </a:ln>
+              <a:effectLst/>
+            </c:spPr>
+            <c:txPr>
+              <a:bodyPr rot="0" spcFirstLastPara="1" vertOverflow="ellipsis" vert="horz" wrap="square" lIns="38100" tIns="19050" rIns="38100" bIns="19050" anchor="ctr" anchorCtr="1">
+                <a:spAutoFit/>
+              </a:bodyPr>
+              <a:lstStyle/>
+              <a:p>
+                <a:pPr>
+                  <a:defRPr sz="1197" b="0" i="0" u="none" strike="noStrike" kern="1200" baseline="0">
+                    <a:solidFill>
+                      <a:schemeClr val="lt1">
+                        <a:lumMod val="85000"/>
+                      </a:schemeClr>
+                    </a:solidFill>
+                    <a:latin typeface="+mn-lt"/>
+                    <a:ea typeface="+mn-ea"/>
+                    <a:cs typeface="+mn-cs"/>
+                  </a:defRPr>
+                </a:pPr>
+                <a:endParaRPr lang="en-US"/>
+              </a:p>
+            </c:txPr>
+            <c:dLblPos val="outEnd"/>
+            <c:showLegendKey val="0"/>
+            <c:showVal val="0"/>
+            <c:showCatName val="1"/>
+            <c:showSerName val="0"/>
+            <c:showPercent val="0"/>
+            <c:showBubbleSize val="0"/>
+            <c:showLeaderLines val="1"/>
+            <c:leaderLines>
+              <c:spPr>
+                <a:ln w="9525">
+                  <a:solidFill>
+                    <a:schemeClr val="lt1">
+                      <a:lumMod val="95000"/>
+                      <a:alpha val="54000"/>
+                    </a:schemeClr>
+                  </a:solidFill>
+                </a:ln>
+                <a:effectLst/>
+              </c:spPr>
+            </c:leaderLines>
+            <c:extLst>
+              <c:ext xmlns:c15="http://schemas.microsoft.com/office/drawing/2012/chart" uri="{CE6537A1-D6FC-4f65-9D91-7224C49458BB}"/>
+            </c:extLst>
+          </c:dLbls>
+          <c:cat>
+            <c:strRef>
+              <c:f>Sheet1!$A$2:$A$3</c:f>
+              <c:strCache>
+                <c:ptCount val="2"/>
+                <c:pt idx="0">
+                  <c:v>Completed</c:v>
+                </c:pt>
+                <c:pt idx="1">
+                  <c:v>On Progress</c:v>
+                </c:pt>
+              </c:strCache>
+            </c:strRef>
+          </c:cat>
+          <c:val>
+            <c:numRef>
+              <c:f>Sheet1!$B$2:$B$3</c:f>
+              <c:numCache>
+                <c:formatCode>General</c:formatCode>
+                <c:ptCount val="2"/>
+                <c:pt idx="0">
+                  <c:v>35.294117647058826</c:v>
+                </c:pt>
+                <c:pt idx="1">
+                  <c:v>64.705882352941174</c:v>
+                </c:pt>
+              </c:numCache>
+            </c:numRef>
+          </c:val>
+          <c:extLst>
+            <c:ext xmlns:c16="http://schemas.microsoft.com/office/drawing/2014/chart" uri="{C3380CC4-5D6E-409C-BE32-E72D297353CC}">
+              <c16:uniqueId val="{00000000-0001-4D0F-A62B-8E34325DFE91}"/>
+            </c:ext>
+          </c:extLst>
+        </c:ser>
+        <c:dLbls>
+          <c:dLblPos val="outEnd"/>
+          <c:showLegendKey val="0"/>
+          <c:showVal val="0"/>
+          <c:showCatName val="1"/>
+          <c:showSerName val="0"/>
+          <c:showPercent val="0"/>
+          <c:showBubbleSize val="0"/>
+          <c:showLeaderLines val="1"/>
+        </c:dLbls>
+      </c:pie3DChart>
+      <c:spPr>
+        <a:noFill/>
+        <a:ln>
+          <a:noFill/>
+        </a:ln>
+        <a:effectLst/>
+      </c:spPr>
+    </c:plotArea>
+    <c:legend>
+      <c:legendPos val="b"/>
+      <c:overlay val="0"/>
+      <c:spPr>
+        <a:noFill/>
+        <a:ln>
+          <a:noFill/>
+        </a:ln>
+        <a:effectLst/>
+      </c:spPr>
+      <c:txPr>
+        <a:bodyPr rot="0" spcFirstLastPara="1" vertOverflow="ellipsis" vert="horz" wrap="square" anchor="ctr" anchorCtr="1"/>
+        <a:lstStyle/>
+        <a:p>
+          <a:pPr>
+            <a:defRPr sz="1197" b="0" i="0" u="none" strike="noStrike" kern="1200" baseline="0">
+              <a:solidFill>
+                <a:schemeClr val="lt1">
+                  <a:lumMod val="85000"/>
+                </a:schemeClr>
+              </a:solidFill>
+              <a:latin typeface="+mn-lt"/>
+              <a:ea typeface="+mn-ea"/>
+              <a:cs typeface="+mn-cs"/>
+            </a:defRPr>
+          </a:pPr>
+          <a:endParaRPr lang="en-US"/>
+        </a:p>
+      </c:txPr>
+    </c:legend>
+    <c:plotVisOnly val="1"/>
+    <c:dispBlanksAs val="gap"/>
+    <c:extLst>
+      <c:ext xmlns:c16r3="http://schemas.microsoft.com/office/drawing/2017/03/chart" uri="{56B9EC1D-385E-4148-901F-78D8002777C0}">
+        <c16r3:dataDisplayOptions16>
+          <c16r3:dispNaAsBlank val="1"/>
+        </c16r3:dataDisplayOptions16>
+      </c:ext>
+    </c:extLst>
+    <c:showDLblsOverMax val="0"/>
+  </c:chart>
+  <c:spPr>
+    <a:gradFill flip="none" rotWithShape="1">
+      <a:gsLst>
+        <a:gs pos="0">
+          <a:schemeClr val="dk1">
+            <a:lumMod val="65000"/>
+            <a:lumOff val="35000"/>
+          </a:schemeClr>
+        </a:gs>
+        <a:gs pos="100000">
+          <a:schemeClr val="dk1">
+            <a:lumMod val="85000"/>
+            <a:lumOff val="15000"/>
+          </a:schemeClr>
+        </a:gs>
+      </a:gsLst>
+      <a:path path="circle">
+        <a:fillToRect l="50000" t="50000" r="50000" b="50000"/>
+      </a:path>
+      <a:tileRect/>
+    </a:gradFill>
+    <a:ln>
+      <a:noFill/>
+    </a:ln>
+    <a:effectLst/>
+  </c:spPr>
+  <c:txPr>
+    <a:bodyPr/>
+    <a:lstStyle/>
+    <a:p>
+      <a:pPr>
+        <a:defRPr/>
+      </a:pPr>
+      <a:endParaRPr lang="en-US"/>
+    </a:p>
+  </c:txPr>
+  <c:externalData r:id="rId3">
+    <c:autoUpdate val="0"/>
+  </c:externalData>
+</c:chartSpace>
+</file>
+
+<file path=ppt/charts/colors1.xml><?xml version="1.0" encoding="utf-8"?>
+<cs:colorStyle xmlns:cs="http://schemas.microsoft.com/office/drawing/2012/chartStyle" xmlns:a="http://schemas.openxmlformats.org/drawingml/2006/main" meth="withinLinearReversed" id="21">
+  <a:schemeClr val="accent1"/>
+</cs:colorStyle>
+</file>
+
+<file path=ppt/charts/colors2.xml><?xml version="1.0" encoding="utf-8"?>
+<cs:colorStyle xmlns:cs="http://schemas.microsoft.com/office/drawing/2012/chartStyle" xmlns:a="http://schemas.openxmlformats.org/drawingml/2006/main" meth="withinLinearReversed" id="21">
+  <a:schemeClr val="accent1"/>
+</cs:colorStyle>
+</file>
+
+<file path=ppt/charts/style1.xml><?xml version="1.0" encoding="utf-8"?>
+<cs:chartStyle xmlns:cs="http://schemas.microsoft.com/office/drawing/2012/chartStyle" xmlns:a="http://schemas.openxmlformats.org/drawingml/2006/main" id="268">
+  <cs:axisTitle>
+    <cs:lnRef idx="0"/>
+    <cs:fillRef idx="0"/>
+    <cs:effectRef idx="0"/>
+    <cs:fontRef idx="minor">
+      <a:schemeClr val="lt1">
+        <a:lumMod val="85000"/>
+      </a:schemeClr>
+    </cs:fontRef>
+    <cs:defRPr sz="1197" b="1" kern="1200" cap="all"/>
+  </cs:axisTitle>
+  <cs:categoryAxis>
+    <cs:lnRef idx="0"/>
+    <cs:fillRef idx="0"/>
+    <cs:effectRef idx="0"/>
+    <cs:fontRef idx="minor">
+      <a:schemeClr val="lt1">
+        <a:lumMod val="85000"/>
+      </a:schemeClr>
+    </cs:fontRef>
+    <cs:spPr>
+      <a:ln w="12700" cap="flat" cmpd="sng" algn="ctr">
+        <a:solidFill>
+          <a:schemeClr val="lt1">
+            <a:lumMod val="95000"/>
+            <a:alpha val="54000"/>
+          </a:schemeClr>
+        </a:solidFill>
+        <a:round/>
+      </a:ln>
+    </cs:spPr>
+    <cs:defRPr sz="1197" kern="1200"/>
+  </cs:categoryAxis>
+  <cs:chartArea>
+    <cs:lnRef idx="0"/>
+    <cs:fillRef idx="0"/>
+    <cs:effectRef idx="0"/>
+    <cs:fontRef idx="minor">
+      <a:schemeClr val="dk1"/>
+    </cs:fontRef>
+    <cs:spPr>
+      <a:gradFill flip="none" rotWithShape="1">
+        <a:gsLst>
+          <a:gs pos="0">
+            <a:schemeClr val="dk1">
+              <a:lumMod val="65000"/>
+              <a:lumOff val="35000"/>
+            </a:schemeClr>
+          </a:gs>
+          <a:gs pos="100000">
+            <a:schemeClr val="dk1">
+              <a:lumMod val="85000"/>
+              <a:lumOff val="15000"/>
+            </a:schemeClr>
+          </a:gs>
+        </a:gsLst>
+        <a:path path="circle">
+          <a:fillToRect l="50000" t="50000" r="50000" b="50000"/>
+        </a:path>
+        <a:tileRect/>
+      </a:gradFill>
+    </cs:spPr>
+    <cs:defRPr sz="1330" kern="1200"/>
+  </cs:chartArea>
+  <cs:dataLabel>
+    <cs:lnRef idx="0"/>
+    <cs:fillRef idx="0"/>
+    <cs:effectRef idx="0"/>
+    <cs:fontRef idx="minor">
+      <a:schemeClr val="lt1">
+        <a:lumMod val="85000"/>
+      </a:schemeClr>
+    </cs:fontRef>
+    <cs:defRPr sz="1197" kern="1200"/>
+  </cs:dataLabel>
+  <cs:dataLabelCallout>
+    <cs:lnRef idx="0"/>
+    <cs:fillRef idx="0"/>
+    <cs:effectRef idx="0"/>
+    <cs:fontRef idx="minor">
+      <a:schemeClr val="dk1">
+        <a:lumMod val="65000"/>
+        <a:lumOff val="35000"/>
+      </a:schemeClr>
+    </cs:fontRef>
+    <cs:spPr>
+      <a:solidFill>
+        <a:schemeClr val="lt1"/>
+      </a:solidFill>
+    </cs:spPr>
+    <cs:defRPr sz="1197" kern="1200"/>
+    <cs:bodyPr rot="0" spcFirstLastPara="1" vertOverflow="clip" horzOverflow="clip" vert="horz" wrap="square" lIns="36576" tIns="18288" rIns="36576" bIns="18288" anchor="ctr" anchorCtr="1">
+      <a:spAutoFit/>
+    </cs:bodyPr>
+  </cs:dataLabelCallout>
+  <cs:dataPoint>
+    <cs:lnRef idx="0"/>
+    <cs:fillRef idx="3">
+      <cs:styleClr val="auto"/>
+    </cs:fillRef>
+    <cs:effectRef idx="3"/>
+    <cs:fontRef idx="minor">
+      <a:schemeClr val="tx1"/>
+    </cs:fontRef>
+  </cs:dataPoint>
+  <cs:dataPoint3D>
+    <cs:lnRef idx="0"/>
+    <cs:fillRef idx="3">
+      <cs:styleClr val="auto"/>
+    </cs:fillRef>
+    <cs:effectRef idx="3"/>
+    <cs:fontRef idx="minor">
+      <a:schemeClr val="tx1"/>
+    </cs:fontRef>
+  </cs:dataPoint3D>
+  <cs:dataPointLine>
+    <cs:lnRef idx="0">
+      <cs:styleClr val="auto"/>
+    </cs:lnRef>
+    <cs:fillRef idx="3"/>
+    <cs:effectRef idx="3"/>
+    <cs:fontRef idx="minor">
+      <a:schemeClr val="tx1"/>
+    </cs:fontRef>
+    <cs:spPr>
+      <a:ln w="34925" cap="rnd">
+        <a:solidFill>
+          <a:schemeClr val="phClr"/>
+        </a:solidFill>
+        <a:round/>
+      </a:ln>
+    </cs:spPr>
+  </cs:dataPointLine>
+  <cs:dataPointMarker>
+    <cs:lnRef idx="0">
+      <cs:styleClr val="auto"/>
+    </cs:lnRef>
+    <cs:fillRef idx="3">
+      <cs:styleClr val="auto"/>
+    </cs:fillRef>
+    <cs:effectRef idx="3"/>
+    <cs:fontRef idx="minor">
+      <a:schemeClr val="tx1"/>
+    </cs:fontRef>
+    <cs:spPr>
+      <a:ln w="9525">
+        <a:solidFill>
+          <a:schemeClr val="phClr"/>
+        </a:solidFill>
+        <a:round/>
+      </a:ln>
+    </cs:spPr>
+  </cs:dataPointMarker>
+  <cs:dataPointMarkerLayout symbol="circle" size="6"/>
+  <cs:dataPointWireframe>
+    <cs:lnRef idx="0">
+      <cs:styleClr val="auto"/>
+    </cs:lnRef>
+    <cs:fillRef idx="3"/>
+    <cs:effectRef idx="3"/>
+    <cs:fontRef idx="minor">
+      <a:schemeClr val="tx1"/>
+    </cs:fontRef>
+    <cs:spPr>
+      <a:ln w="9525" cap="rnd">
+        <a:solidFill>
+          <a:schemeClr val="phClr"/>
+        </a:solidFill>
+        <a:round/>
+      </a:ln>
+    </cs:spPr>
+  </cs:dataPointWireframe>
+  <cs:dataTable>
+    <cs:lnRef idx="0"/>
+    <cs:fillRef idx="0"/>
+    <cs:effectRef idx="0"/>
+    <cs:fontRef idx="minor">
+      <a:schemeClr val="lt1">
+        <a:lumMod val="85000"/>
+      </a:schemeClr>
+    </cs:fontRef>
+    <cs:spPr>
+      <a:ln w="9525">
+        <a:solidFill>
+          <a:schemeClr val="lt1">
+            <a:lumMod val="95000"/>
+            <a:alpha val="54000"/>
+          </a:schemeClr>
+        </a:solidFill>
+      </a:ln>
+    </cs:spPr>
+    <cs:defRPr sz="1197" kern="1200"/>
+  </cs:dataTable>
+  <cs:downBar>
+    <cs:lnRef idx="0"/>
+    <cs:fillRef idx="0"/>
+    <cs:effectRef idx="0"/>
+    <cs:fontRef idx="minor">
+      <a:schemeClr val="tx1"/>
+    </cs:fontRef>
+    <cs:spPr>
+      <a:solidFill>
+        <a:schemeClr val="dk1">
+          <a:lumMod val="75000"/>
+          <a:lumOff val="25000"/>
+        </a:schemeClr>
+      </a:solidFill>
+      <a:ln w="9525">
+        <a:solidFill>
+          <a:schemeClr val="lt1">
+            <a:lumMod val="95000"/>
+            <a:alpha val="54000"/>
+          </a:schemeClr>
+        </a:solidFill>
+      </a:ln>
+    </cs:spPr>
+  </cs:downBar>
+  <cs:dropLine>
+    <cs:lnRef idx="0"/>
+    <cs:fillRef idx="0"/>
+    <cs:effectRef idx="0"/>
+    <cs:fontRef idx="minor">
+      <a:schemeClr val="tx1"/>
+    </cs:fontRef>
+    <cs:spPr>
+      <a:ln w="9525">
+        <a:solidFill>
+          <a:schemeClr val="lt1">
+            <a:lumMod val="95000"/>
+            <a:alpha val="54000"/>
+          </a:schemeClr>
+        </a:solidFill>
+        <a:prstDash val="dash"/>
+      </a:ln>
+    </cs:spPr>
+  </cs:dropLine>
+  <cs:errorBar>
+    <cs:lnRef idx="0"/>
+    <cs:fillRef idx="0"/>
+    <cs:effectRef idx="0"/>
+    <cs:fontRef idx="minor">
+      <a:schemeClr val="tx1"/>
+    </cs:fontRef>
+    <cs:spPr>
+      <a:ln w="9525" cap="flat" cmpd="sng" algn="ctr">
+        <a:solidFill>
+          <a:schemeClr val="lt1">
+            <a:lumMod val="95000"/>
+          </a:schemeClr>
+        </a:solidFill>
+        <a:round/>
+      </a:ln>
+    </cs:spPr>
+  </cs:errorBar>
+  <cs:floor>
+    <cs:lnRef idx="0"/>
+    <cs:fillRef idx="0"/>
+    <cs:effectRef idx="0"/>
+    <cs:fontRef idx="minor">
+      <a:schemeClr val="tx1"/>
+    </cs:fontRef>
+  </cs:floor>
+  <cs:gridlineMajor>
+    <cs:lnRef idx="0"/>
+    <cs:fillRef idx="0"/>
+    <cs:effectRef idx="0"/>
+    <cs:fontRef idx="minor">
+      <a:schemeClr val="tx1"/>
+    </cs:fontRef>
+    <cs:spPr>
+      <a:ln w="9525" cap="flat" cmpd="sng" algn="ctr">
+        <a:solidFill>
+          <a:schemeClr val="lt1">
+            <a:lumMod val="95000"/>
+            <a:alpha val="10000"/>
+          </a:schemeClr>
+        </a:solidFill>
+        <a:round/>
+      </a:ln>
+    </cs:spPr>
+  </cs:gridlineMajor>
+  <cs:gridlineMinor>
+    <cs:lnRef idx="0"/>
+    <cs:fillRef idx="0"/>
+    <cs:effectRef idx="0"/>
+    <cs:fontRef idx="minor">
+      <a:schemeClr val="tx1"/>
+    </cs:fontRef>
+    <cs:spPr>
+      <a:ln>
+        <a:solidFill>
+          <a:schemeClr val="lt1">
+            <a:lumMod val="95000"/>
+            <a:alpha val="5000"/>
+          </a:schemeClr>
+        </a:solidFill>
+      </a:ln>
+    </cs:spPr>
+  </cs:gridlineMinor>
+  <cs:hiLoLine>
+    <cs:lnRef idx="0"/>
+    <cs:fillRef idx="0"/>
+    <cs:effectRef idx="0"/>
+    <cs:fontRef idx="minor">
+      <a:schemeClr val="tx1"/>
+    </cs:fontRef>
+    <cs:spPr>
+      <a:ln w="9525">
+        <a:solidFill>
+          <a:schemeClr val="lt1">
+            <a:lumMod val="95000"/>
+            <a:alpha val="54000"/>
+          </a:schemeClr>
+        </a:solidFill>
+        <a:prstDash val="dash"/>
+      </a:ln>
+    </cs:spPr>
+  </cs:hiLoLine>
+  <cs:leaderLine>
+    <cs:lnRef idx="0"/>
+    <cs:fillRef idx="0"/>
+    <cs:effectRef idx="0"/>
+    <cs:fontRef idx="minor">
+      <a:schemeClr val="tx1"/>
+    </cs:fontRef>
+    <cs:spPr>
+      <a:ln w="9525">
+        <a:solidFill>
+          <a:schemeClr val="lt1">
+            <a:lumMod val="95000"/>
+            <a:alpha val="54000"/>
+          </a:schemeClr>
+        </a:solidFill>
+      </a:ln>
+    </cs:spPr>
+  </cs:leaderLine>
+  <cs:legend>
+    <cs:lnRef idx="0"/>
+    <cs:fillRef idx="0"/>
+    <cs:effectRef idx="0"/>
+    <cs:fontRef idx="minor">
+      <a:schemeClr val="lt1">
+        <a:lumMod val="85000"/>
+      </a:schemeClr>
+    </cs:fontRef>
+    <cs:defRPr sz="1197" kern="1200"/>
+  </cs:legend>
+  <cs:plotArea>
+    <cs:lnRef idx="0"/>
+    <cs:fillRef idx="0"/>
+    <cs:effectRef idx="0"/>
+    <cs:fontRef idx="minor">
+      <a:schemeClr val="tx1"/>
+    </cs:fontRef>
+  </cs:plotArea>
+  <cs:plotArea3D>
+    <cs:lnRef idx="0"/>
+    <cs:fillRef idx="0"/>
+    <cs:effectRef idx="0"/>
+    <cs:fontRef idx="minor">
+      <a:schemeClr val="tx1"/>
+    </cs:fontRef>
+  </cs:plotArea3D>
+  <cs:seriesAxis>
+    <cs:lnRef idx="0"/>
+    <cs:fillRef idx="0"/>
+    <cs:effectRef idx="0"/>
+    <cs:fontRef idx="minor">
+      <a:schemeClr val="lt1">
+        <a:lumMod val="85000"/>
+      </a:schemeClr>
+    </cs:fontRef>
+    <cs:spPr>
+      <a:ln w="12700" cap="flat" cmpd="sng" algn="ctr">
+        <a:solidFill>
+          <a:schemeClr val="lt1">
+            <a:lumMod val="95000"/>
+            <a:alpha val="54000"/>
+          </a:schemeClr>
+        </a:solidFill>
+        <a:round/>
+      </a:ln>
+    </cs:spPr>
+    <cs:defRPr sz="1197" kern="1200"/>
+  </cs:seriesAxis>
+  <cs:seriesLine>
+    <cs:lnRef idx="0"/>
+    <cs:fillRef idx="0"/>
+    <cs:effectRef idx="0"/>
+    <cs:fontRef idx="minor">
+      <a:schemeClr val="lt1"/>
+    </cs:fontRef>
+    <cs:spPr>
+      <a:ln w="9525" cap="flat" cmpd="sng" algn="ctr">
+        <a:solidFill>
+          <a:schemeClr val="lt1">
+            <a:lumMod val="95000"/>
+            <a:alpha val="54000"/>
+          </a:schemeClr>
+        </a:solidFill>
+        <a:round/>
+      </a:ln>
+    </cs:spPr>
+  </cs:seriesLine>
+  <cs:title>
+    <cs:lnRef idx="0"/>
+    <cs:fillRef idx="0"/>
+    <cs:effectRef idx="0"/>
+    <cs:fontRef idx="minor">
+      <a:schemeClr val="lt1">
+        <a:lumMod val="95000"/>
+      </a:schemeClr>
+    </cs:fontRef>
+    <cs:defRPr sz="2128" b="1" kern="1200" spc="100" baseline="0">
+      <a:effectLst>
+        <a:outerShdw blurRad="50800" dist="38100" dir="5400000" algn="t" rotWithShape="0">
+          <a:prstClr val="black">
+            <a:alpha val="40000"/>
+          </a:prstClr>
+        </a:outerShdw>
+      </a:effectLst>
+    </cs:defRPr>
+  </cs:title>
+  <cs:trendline>
+    <cs:lnRef idx="0">
+      <cs:styleClr val="auto"/>
+    </cs:lnRef>
+    <cs:fillRef idx="0"/>
+    <cs:effectRef idx="0"/>
+    <cs:fontRef idx="minor">
+      <a:schemeClr val="tx1"/>
+    </cs:fontRef>
+    <cs:spPr>
+      <a:ln w="19050" cap="rnd">
+        <a:solidFill>
+          <a:schemeClr val="phClr"/>
+        </a:solidFill>
+      </a:ln>
+    </cs:spPr>
+  </cs:trendline>
+  <cs:trendlineLabel>
+    <cs:lnRef idx="0"/>
+    <cs:fillRef idx="0"/>
+    <cs:effectRef idx="0"/>
+    <cs:fontRef idx="minor">
+      <a:schemeClr val="lt1">
+        <a:lumMod val="85000"/>
+      </a:schemeClr>
+    </cs:fontRef>
+    <cs:defRPr sz="1197" kern="1200"/>
+  </cs:trendlineLabel>
+  <cs:upBar>
+    <cs:lnRef idx="0"/>
+    <cs:fillRef idx="0"/>
+    <cs:effectRef idx="0"/>
+    <cs:fontRef idx="minor">
+      <a:schemeClr val="tx1"/>
+    </cs:fontRef>
+    <cs:spPr>
+      <a:solidFill>
+        <a:schemeClr val="lt1"/>
+      </a:solidFill>
+      <a:ln w="9525">
+        <a:solidFill>
+          <a:schemeClr val="lt1">
+            <a:lumMod val="95000"/>
+            <a:alpha val="54000"/>
+          </a:schemeClr>
+        </a:solidFill>
+      </a:ln>
+    </cs:spPr>
+  </cs:upBar>
+  <cs:valueAxis>
+    <cs:lnRef idx="0"/>
+    <cs:fillRef idx="0"/>
+    <cs:effectRef idx="0"/>
+    <cs:fontRef idx="minor">
+      <a:schemeClr val="lt1">
+        <a:lumMod val="85000"/>
+      </a:schemeClr>
+    </cs:fontRef>
+    <cs:defRPr sz="1197" kern="1200"/>
+  </cs:valueAxis>
+  <cs:wall>
+    <cs:lnRef idx="0"/>
+    <cs:fillRef idx="0"/>
+    <cs:effectRef idx="0"/>
+    <cs:fontRef idx="minor">
+      <a:schemeClr val="tx1"/>
+    </cs:fontRef>
+  </cs:wall>
+</cs:chartStyle>
+</file>
+
+<file path=ppt/charts/style2.xml><?xml version="1.0" encoding="utf-8"?>
+<cs:chartStyle xmlns:cs="http://schemas.microsoft.com/office/drawing/2012/chartStyle" xmlns:a="http://schemas.openxmlformats.org/drawingml/2006/main" id="268">
+  <cs:axisTitle>
+    <cs:lnRef idx="0"/>
+    <cs:fillRef idx="0"/>
+    <cs:effectRef idx="0"/>
+    <cs:fontRef idx="minor">
+      <a:schemeClr val="lt1">
+        <a:lumMod val="85000"/>
+      </a:schemeClr>
+    </cs:fontRef>
+    <cs:defRPr sz="1197" b="1" kern="1200" cap="all"/>
+  </cs:axisTitle>
+  <cs:categoryAxis>
+    <cs:lnRef idx="0"/>
+    <cs:fillRef idx="0"/>
+    <cs:effectRef idx="0"/>
+    <cs:fontRef idx="minor">
+      <a:schemeClr val="lt1">
+        <a:lumMod val="85000"/>
+      </a:schemeClr>
+    </cs:fontRef>
+    <cs:spPr>
+      <a:ln w="12700" cap="flat" cmpd="sng" algn="ctr">
+        <a:solidFill>
+          <a:schemeClr val="lt1">
+            <a:lumMod val="95000"/>
+            <a:alpha val="54000"/>
+          </a:schemeClr>
+        </a:solidFill>
+        <a:round/>
+      </a:ln>
+    </cs:spPr>
+    <cs:defRPr sz="1197" kern="1200"/>
+  </cs:categoryAxis>
+  <cs:chartArea>
+    <cs:lnRef idx="0"/>
+    <cs:fillRef idx="0"/>
+    <cs:effectRef idx="0"/>
+    <cs:fontRef idx="minor">
+      <a:schemeClr val="dk1"/>
+    </cs:fontRef>
+    <cs:spPr>
+      <a:gradFill flip="none" rotWithShape="1">
+        <a:gsLst>
+          <a:gs pos="0">
+            <a:schemeClr val="dk1">
+              <a:lumMod val="65000"/>
+              <a:lumOff val="35000"/>
+            </a:schemeClr>
+          </a:gs>
+          <a:gs pos="100000">
+            <a:schemeClr val="dk1">
+              <a:lumMod val="85000"/>
+              <a:lumOff val="15000"/>
+            </a:schemeClr>
+          </a:gs>
+        </a:gsLst>
+        <a:path path="circle">
+          <a:fillToRect l="50000" t="50000" r="50000" b="50000"/>
+        </a:path>
+        <a:tileRect/>
+      </a:gradFill>
+    </cs:spPr>
+    <cs:defRPr sz="1330" kern="1200"/>
+  </cs:chartArea>
+  <cs:dataLabel>
+    <cs:lnRef idx="0"/>
+    <cs:fillRef idx="0"/>
+    <cs:effectRef idx="0"/>
+    <cs:fontRef idx="minor">
+      <a:schemeClr val="lt1">
+        <a:lumMod val="85000"/>
+      </a:schemeClr>
+    </cs:fontRef>
+    <cs:defRPr sz="1197" kern="1200"/>
+  </cs:dataLabel>
+  <cs:dataLabelCallout>
+    <cs:lnRef idx="0"/>
+    <cs:fillRef idx="0"/>
+    <cs:effectRef idx="0"/>
+    <cs:fontRef idx="minor">
+      <a:schemeClr val="dk1">
+        <a:lumMod val="65000"/>
+        <a:lumOff val="35000"/>
+      </a:schemeClr>
+    </cs:fontRef>
+    <cs:spPr>
+      <a:solidFill>
+        <a:schemeClr val="lt1"/>
+      </a:solidFill>
+    </cs:spPr>
+    <cs:defRPr sz="1197" kern="1200"/>
+    <cs:bodyPr rot="0" spcFirstLastPara="1" vertOverflow="clip" horzOverflow="clip" vert="horz" wrap="square" lIns="36576" tIns="18288" rIns="36576" bIns="18288" anchor="ctr" anchorCtr="1">
+      <a:spAutoFit/>
+    </cs:bodyPr>
+  </cs:dataLabelCallout>
+  <cs:dataPoint>
+    <cs:lnRef idx="0"/>
+    <cs:fillRef idx="3">
+      <cs:styleClr val="auto"/>
+    </cs:fillRef>
+    <cs:effectRef idx="3"/>
+    <cs:fontRef idx="minor">
+      <a:schemeClr val="tx1"/>
+    </cs:fontRef>
+  </cs:dataPoint>
+  <cs:dataPoint3D>
+    <cs:lnRef idx="0"/>
+    <cs:fillRef idx="3">
+      <cs:styleClr val="auto"/>
+    </cs:fillRef>
+    <cs:effectRef idx="3"/>
+    <cs:fontRef idx="minor">
+      <a:schemeClr val="tx1"/>
+    </cs:fontRef>
+  </cs:dataPoint3D>
+  <cs:dataPointLine>
+    <cs:lnRef idx="0">
+      <cs:styleClr val="auto"/>
+    </cs:lnRef>
+    <cs:fillRef idx="3"/>
+    <cs:effectRef idx="3"/>
+    <cs:fontRef idx="minor">
+      <a:schemeClr val="tx1"/>
+    </cs:fontRef>
+    <cs:spPr>
+      <a:ln w="34925" cap="rnd">
+        <a:solidFill>
+          <a:schemeClr val="phClr"/>
+        </a:solidFill>
+        <a:round/>
+      </a:ln>
+    </cs:spPr>
+  </cs:dataPointLine>
+  <cs:dataPointMarker>
+    <cs:lnRef idx="0">
+      <cs:styleClr val="auto"/>
+    </cs:lnRef>
+    <cs:fillRef idx="3">
+      <cs:styleClr val="auto"/>
+    </cs:fillRef>
+    <cs:effectRef idx="3"/>
+    <cs:fontRef idx="minor">
+      <a:schemeClr val="tx1"/>
+    </cs:fontRef>
+    <cs:spPr>
+      <a:ln w="9525">
+        <a:solidFill>
+          <a:schemeClr val="phClr"/>
+        </a:solidFill>
+        <a:round/>
+      </a:ln>
+    </cs:spPr>
+  </cs:dataPointMarker>
+  <cs:dataPointMarkerLayout symbol="circle" size="6"/>
+  <cs:dataPointWireframe>
+    <cs:lnRef idx="0">
+      <cs:styleClr val="auto"/>
+    </cs:lnRef>
+    <cs:fillRef idx="3"/>
+    <cs:effectRef idx="3"/>
+    <cs:fontRef idx="minor">
+      <a:schemeClr val="tx1"/>
+    </cs:fontRef>
+    <cs:spPr>
+      <a:ln w="9525" cap="rnd">
+        <a:solidFill>
+          <a:schemeClr val="phClr"/>
+        </a:solidFill>
+        <a:round/>
+      </a:ln>
+    </cs:spPr>
+  </cs:dataPointWireframe>
+  <cs:dataTable>
+    <cs:lnRef idx="0"/>
+    <cs:fillRef idx="0"/>
+    <cs:effectRef idx="0"/>
+    <cs:fontRef idx="minor">
+      <a:schemeClr val="lt1">
+        <a:lumMod val="85000"/>
+      </a:schemeClr>
+    </cs:fontRef>
+    <cs:spPr>
+      <a:ln w="9525">
+        <a:solidFill>
+          <a:schemeClr val="lt1">
+            <a:lumMod val="95000"/>
+            <a:alpha val="54000"/>
+          </a:schemeClr>
+        </a:solidFill>
+      </a:ln>
+    </cs:spPr>
+    <cs:defRPr sz="1197" kern="1200"/>
+  </cs:dataTable>
+  <cs:downBar>
+    <cs:lnRef idx="0"/>
+    <cs:fillRef idx="0"/>
+    <cs:effectRef idx="0"/>
+    <cs:fontRef idx="minor">
+      <a:schemeClr val="tx1"/>
+    </cs:fontRef>
+    <cs:spPr>
+      <a:solidFill>
+        <a:schemeClr val="dk1">
+          <a:lumMod val="75000"/>
+          <a:lumOff val="25000"/>
+        </a:schemeClr>
+      </a:solidFill>
+      <a:ln w="9525">
+        <a:solidFill>
+          <a:schemeClr val="lt1">
+            <a:lumMod val="95000"/>
+            <a:alpha val="54000"/>
+          </a:schemeClr>
+        </a:solidFill>
+      </a:ln>
+    </cs:spPr>
+  </cs:downBar>
+  <cs:dropLine>
+    <cs:lnRef idx="0"/>
+    <cs:fillRef idx="0"/>
+    <cs:effectRef idx="0"/>
+    <cs:fontRef idx="minor">
+      <a:schemeClr val="tx1"/>
+    </cs:fontRef>
+    <cs:spPr>
+      <a:ln w="9525">
+        <a:solidFill>
+          <a:schemeClr val="lt1">
+            <a:lumMod val="95000"/>
+            <a:alpha val="54000"/>
+          </a:schemeClr>
+        </a:solidFill>
+        <a:prstDash val="dash"/>
+      </a:ln>
+    </cs:spPr>
+  </cs:dropLine>
+  <cs:errorBar>
+    <cs:lnRef idx="0"/>
+    <cs:fillRef idx="0"/>
+    <cs:effectRef idx="0"/>
+    <cs:fontRef idx="minor">
+      <a:schemeClr val="tx1"/>
+    </cs:fontRef>
+    <cs:spPr>
+      <a:ln w="9525" cap="flat" cmpd="sng" algn="ctr">
+        <a:solidFill>
+          <a:schemeClr val="lt1">
+            <a:lumMod val="95000"/>
+          </a:schemeClr>
+        </a:solidFill>
+        <a:round/>
+      </a:ln>
+    </cs:spPr>
+  </cs:errorBar>
+  <cs:floor>
+    <cs:lnRef idx="0"/>
+    <cs:fillRef idx="0"/>
+    <cs:effectRef idx="0"/>
+    <cs:fontRef idx="minor">
+      <a:schemeClr val="tx1"/>
+    </cs:fontRef>
+  </cs:floor>
+  <cs:gridlineMajor>
+    <cs:lnRef idx="0"/>
+    <cs:fillRef idx="0"/>
+    <cs:effectRef idx="0"/>
+    <cs:fontRef idx="minor">
+      <a:schemeClr val="tx1"/>
+    </cs:fontRef>
+    <cs:spPr>
+      <a:ln w="9525" cap="flat" cmpd="sng" algn="ctr">
+        <a:solidFill>
+          <a:schemeClr val="lt1">
+            <a:lumMod val="95000"/>
+            <a:alpha val="10000"/>
+          </a:schemeClr>
+        </a:solidFill>
+        <a:round/>
+      </a:ln>
+    </cs:spPr>
+  </cs:gridlineMajor>
+  <cs:gridlineMinor>
+    <cs:lnRef idx="0"/>
+    <cs:fillRef idx="0"/>
+    <cs:effectRef idx="0"/>
+    <cs:fontRef idx="minor">
+      <a:schemeClr val="tx1"/>
+    </cs:fontRef>
+    <cs:spPr>
+      <a:ln>
+        <a:solidFill>
+          <a:schemeClr val="lt1">
+            <a:lumMod val="95000"/>
+            <a:alpha val="5000"/>
+          </a:schemeClr>
+        </a:solidFill>
+      </a:ln>
+    </cs:spPr>
+  </cs:gridlineMinor>
+  <cs:hiLoLine>
+    <cs:lnRef idx="0"/>
+    <cs:fillRef idx="0"/>
+    <cs:effectRef idx="0"/>
+    <cs:fontRef idx="minor">
+      <a:schemeClr val="tx1"/>
+    </cs:fontRef>
+    <cs:spPr>
+      <a:ln w="9525">
+        <a:solidFill>
+          <a:schemeClr val="lt1">
+            <a:lumMod val="95000"/>
+            <a:alpha val="54000"/>
+          </a:schemeClr>
+        </a:solidFill>
+        <a:prstDash val="dash"/>
+      </a:ln>
+    </cs:spPr>
+  </cs:hiLoLine>
+  <cs:leaderLine>
+    <cs:lnRef idx="0"/>
+    <cs:fillRef idx="0"/>
+    <cs:effectRef idx="0"/>
+    <cs:fontRef idx="minor">
+      <a:schemeClr val="tx1"/>
+    </cs:fontRef>
+    <cs:spPr>
+      <a:ln w="9525">
+        <a:solidFill>
+          <a:schemeClr val="lt1">
+            <a:lumMod val="95000"/>
+            <a:alpha val="54000"/>
+          </a:schemeClr>
+        </a:solidFill>
+      </a:ln>
+    </cs:spPr>
+  </cs:leaderLine>
+  <cs:legend>
+    <cs:lnRef idx="0"/>
+    <cs:fillRef idx="0"/>
+    <cs:effectRef idx="0"/>
+    <cs:fontRef idx="minor">
+      <a:schemeClr val="lt1">
+        <a:lumMod val="85000"/>
+      </a:schemeClr>
+    </cs:fontRef>
+    <cs:defRPr sz="1197" kern="1200"/>
+  </cs:legend>
+  <cs:plotArea>
+    <cs:lnRef idx="0"/>
+    <cs:fillRef idx="0"/>
+    <cs:effectRef idx="0"/>
+    <cs:fontRef idx="minor">
+      <a:schemeClr val="tx1"/>
+    </cs:fontRef>
+  </cs:plotArea>
+  <cs:plotArea3D>
+    <cs:lnRef idx="0"/>
+    <cs:fillRef idx="0"/>
+    <cs:effectRef idx="0"/>
+    <cs:fontRef idx="minor">
+      <a:schemeClr val="tx1"/>
+    </cs:fontRef>
+  </cs:plotArea3D>
+  <cs:seriesAxis>
+    <cs:lnRef idx="0"/>
+    <cs:fillRef idx="0"/>
+    <cs:effectRef idx="0"/>
+    <cs:fontRef idx="minor">
+      <a:schemeClr val="lt1">
+        <a:lumMod val="85000"/>
+      </a:schemeClr>
+    </cs:fontRef>
+    <cs:spPr>
+      <a:ln w="12700" cap="flat" cmpd="sng" algn="ctr">
+        <a:solidFill>
+          <a:schemeClr val="lt1">
+            <a:lumMod val="95000"/>
+            <a:alpha val="54000"/>
+          </a:schemeClr>
+        </a:solidFill>
+        <a:round/>
+      </a:ln>
+    </cs:spPr>
+    <cs:defRPr sz="1197" kern="1200"/>
+  </cs:seriesAxis>
+  <cs:seriesLine>
+    <cs:lnRef idx="0"/>
+    <cs:fillRef idx="0"/>
+    <cs:effectRef idx="0"/>
+    <cs:fontRef idx="minor">
+      <a:schemeClr val="lt1"/>
+    </cs:fontRef>
+    <cs:spPr>
+      <a:ln w="9525" cap="flat" cmpd="sng" algn="ctr">
+        <a:solidFill>
+          <a:schemeClr val="lt1">
+            <a:lumMod val="95000"/>
+            <a:alpha val="54000"/>
+          </a:schemeClr>
+        </a:solidFill>
+        <a:round/>
+      </a:ln>
+    </cs:spPr>
+  </cs:seriesLine>
+  <cs:title>
+    <cs:lnRef idx="0"/>
+    <cs:fillRef idx="0"/>
+    <cs:effectRef idx="0"/>
+    <cs:fontRef idx="minor">
+      <a:schemeClr val="lt1">
+        <a:lumMod val="95000"/>
+      </a:schemeClr>
+    </cs:fontRef>
+    <cs:defRPr sz="2128" b="1" kern="1200" spc="100" baseline="0">
+      <a:effectLst>
+        <a:outerShdw blurRad="50800" dist="38100" dir="5400000" algn="t" rotWithShape="0">
+          <a:prstClr val="black">
+            <a:alpha val="40000"/>
+          </a:prstClr>
+        </a:outerShdw>
+      </a:effectLst>
+    </cs:defRPr>
+  </cs:title>
+  <cs:trendline>
+    <cs:lnRef idx="0">
+      <cs:styleClr val="auto"/>
+    </cs:lnRef>
+    <cs:fillRef idx="0"/>
+    <cs:effectRef idx="0"/>
+    <cs:fontRef idx="minor">
+      <a:schemeClr val="tx1"/>
+    </cs:fontRef>
+    <cs:spPr>
+      <a:ln w="19050" cap="rnd">
+        <a:solidFill>
+          <a:schemeClr val="phClr"/>
+        </a:solidFill>
+      </a:ln>
+    </cs:spPr>
+  </cs:trendline>
+  <cs:trendlineLabel>
+    <cs:lnRef idx="0"/>
+    <cs:fillRef idx="0"/>
+    <cs:effectRef idx="0"/>
+    <cs:fontRef idx="minor">
+      <a:schemeClr val="lt1">
+        <a:lumMod val="85000"/>
+      </a:schemeClr>
+    </cs:fontRef>
+    <cs:defRPr sz="1197" kern="1200"/>
+  </cs:trendlineLabel>
+  <cs:upBar>
+    <cs:lnRef idx="0"/>
+    <cs:fillRef idx="0"/>
+    <cs:effectRef idx="0"/>
+    <cs:fontRef idx="minor">
+      <a:schemeClr val="tx1"/>
+    </cs:fontRef>
+    <cs:spPr>
+      <a:solidFill>
+        <a:schemeClr val="lt1"/>
+      </a:solidFill>
+      <a:ln w="9525">
+        <a:solidFill>
+          <a:schemeClr val="lt1">
+            <a:lumMod val="95000"/>
+            <a:alpha val="54000"/>
+          </a:schemeClr>
+        </a:solidFill>
+      </a:ln>
+    </cs:spPr>
+  </cs:upBar>
+  <cs:valueAxis>
+    <cs:lnRef idx="0"/>
+    <cs:fillRef idx="0"/>
+    <cs:effectRef idx="0"/>
+    <cs:fontRef idx="minor">
+      <a:schemeClr val="lt1">
+        <a:lumMod val="85000"/>
+      </a:schemeClr>
+    </cs:fontRef>
+    <cs:defRPr sz="1197" kern="1200"/>
+  </cs:valueAxis>
+  <cs:wall>
+    <cs:lnRef idx="0"/>
+    <cs:fillRef idx="0"/>
+    <cs:effectRef idx="0"/>
+    <cs:fontRef idx="minor">
+      <a:schemeClr val="tx1"/>
+    </cs:fontRef>
+  </cs:wall>
+</cs:chartStyle>
+</file>
+
 <file path=ppt/slideLayouts/slideLayout1.xml><?xml version="1.0" encoding="utf-8"?>
 <p:sldLayout xmlns:a="http://schemas.openxmlformats.org/drawingml/2006/main" xmlns:r="http://schemas.openxmlformats.org/officeDocument/2006/relationships" xmlns:p="http://schemas.openxmlformats.org/presentationml/2006/main" type="title" preserve="1">
   <p:cSld name="Title Slide">
@@ -286,7 +2253,7 @@
           <a:p>
             <a:fld id="{9184DA70-C731-4C70-880D-CCD4705E623C}" type="datetime1">
               <a:rPr lang="en-US" smtClean="0"/>
-              <a:t>8/7/2021</a:t>
+              <a:t>8/18/2021</a:t>
             </a:fld>
             <a:endParaRPr lang="en-US" dirty="0"/>
           </a:p>
@@ -553,7 +2520,7 @@
           <a:p>
             <a:fld id="{62D6E202-B606-4609-B914-27C9371A1F6D}" type="datetime1">
               <a:rPr lang="en-US" smtClean="0"/>
-              <a:t>8/7/2021</a:t>
+              <a:t>8/18/2021</a:t>
             </a:fld>
             <a:endParaRPr lang="en-US" dirty="0"/>
           </a:p>
@@ -785,7 +2752,7 @@
           <a:p>
             <a:fld id="{62D6E202-B606-4609-B914-27C9371A1F6D}" type="datetime1">
               <a:rPr lang="en-US" smtClean="0"/>
-              <a:t>8/7/2021</a:t>
+              <a:t>8/18/2021</a:t>
             </a:fld>
             <a:endParaRPr lang="en-US" dirty="0"/>
           </a:p>
@@ -1096,7 +3063,7 @@
           <a:p>
             <a:fld id="{62D6E202-B606-4609-B914-27C9371A1F6D}" type="datetime1">
               <a:rPr lang="en-US" smtClean="0"/>
-              <a:t>8/7/2021</a:t>
+              <a:t>8/18/2021</a:t>
             </a:fld>
             <a:endParaRPr lang="en-US" dirty="0"/>
           </a:p>
@@ -1570,7 +3537,7 @@
           <a:p>
             <a:fld id="{62D6E202-B606-4609-B914-27C9371A1F6D}" type="datetime1">
               <a:rPr lang="en-US" smtClean="0"/>
-              <a:t>8/7/2021</a:t>
+              <a:t>8/18/2021</a:t>
             </a:fld>
             <a:endParaRPr lang="en-US" dirty="0"/>
           </a:p>
@@ -2118,7 +4085,7 @@
           <a:p>
             <a:fld id="{62D6E202-B606-4609-B914-27C9371A1F6D}" type="datetime1">
               <a:rPr lang="en-US" smtClean="0"/>
-              <a:t>8/7/2021</a:t>
+              <a:t>8/18/2021</a:t>
             </a:fld>
             <a:endParaRPr lang="en-US" dirty="0"/>
           </a:p>
@@ -2893,7 +4860,7 @@
           <a:p>
             <a:fld id="{62D6E202-B606-4609-B914-27C9371A1F6D}" type="datetime1">
               <a:rPr lang="en-US" smtClean="0"/>
-              <a:t>8/7/2021</a:t>
+              <a:t>8/18/2021</a:t>
             </a:fld>
             <a:endParaRPr lang="en-US" dirty="0"/>
           </a:p>
@@ -3069,7 +5036,7 @@
           <a:p>
             <a:fld id="{B612A279-0833-481D-8C56-F67FD0AC6C50}" type="datetime1">
               <a:rPr lang="en-US" smtClean="0"/>
-              <a:t>8/7/2021</a:t>
+              <a:t>8/18/2021</a:t>
             </a:fld>
             <a:endParaRPr lang="en-US" dirty="0"/>
           </a:p>
@@ -3292,7 +5259,7 @@
           <a:p>
             <a:fld id="{6587DA83-5663-4C9C-B9AA-0B40A3DAFF81}" type="datetime1">
               <a:rPr lang="en-US" smtClean="0"/>
-              <a:t>8/7/2021</a:t>
+              <a:t>8/18/2021</a:t>
             </a:fld>
             <a:endParaRPr lang="en-US" dirty="0"/>
           </a:p>
@@ -3472,7 +5439,7 @@
           <a:p>
             <a:fld id="{4BE1D723-8F53-4F53-90B0-1982A396982E}" type="datetime1">
               <a:rPr lang="en-US" smtClean="0"/>
-              <a:t>8/7/2021</a:t>
+              <a:t>8/18/2021</a:t>
             </a:fld>
             <a:endParaRPr lang="en-US" dirty="0"/>
           </a:p>
@@ -3761,7 +5728,7 @@
           <a:p>
             <a:fld id="{97669AF7-7BEB-44E4-9852-375E34362B5B}" type="datetime1">
               <a:rPr lang="en-US" smtClean="0"/>
-              <a:t>8/7/2021</a:t>
+              <a:t>8/18/2021</a:t>
             </a:fld>
             <a:endParaRPr lang="en-US" dirty="0"/>
           </a:p>
@@ -4003,7 +5970,7 @@
           <a:p>
             <a:fld id="{BAAAC38D-0552-4C82-B593-E6124DFADBE2}" type="datetime1">
               <a:rPr lang="en-US" smtClean="0"/>
-              <a:t>8/7/2021</a:t>
+              <a:t>8/18/2021</a:t>
             </a:fld>
             <a:endParaRPr lang="en-US" dirty="0"/>
           </a:p>
@@ -4382,7 +6349,7 @@
           <a:p>
             <a:fld id="{D9DF0F1C-5577-4ACB-BB62-DF8F3C494C7E}" type="datetime1">
               <a:rPr lang="en-US" smtClean="0"/>
-              <a:t>8/7/2021</a:t>
+              <a:t>8/18/2021</a:t>
             </a:fld>
             <a:endParaRPr lang="en-US" dirty="0"/>
           </a:p>
@@ -4500,7 +6467,7 @@
           <a:p>
             <a:fld id="{1775B394-D9F9-4F0C-B15D-605F45CB9E9F}" type="datetime1">
               <a:rPr lang="en-US" smtClean="0"/>
-              <a:t>8/7/2021</a:t>
+              <a:t>8/18/2021</a:t>
             </a:fld>
             <a:endParaRPr lang="en-US" dirty="0"/>
           </a:p>
@@ -4595,7 +6562,7 @@
           <a:p>
             <a:fld id="{39667345-2558-425A-8533-9BFDBCE15005}" type="datetime1">
               <a:rPr lang="en-US" smtClean="0"/>
-              <a:t>8/7/2021</a:t>
+              <a:t>8/18/2021</a:t>
             </a:fld>
             <a:endParaRPr lang="en-US" dirty="0"/>
           </a:p>
@@ -4844,7 +6811,7 @@
           <a:p>
             <a:fld id="{92BEA474-078D-4E9B-9B14-09A87B19DC46}" type="datetime1">
               <a:rPr lang="en-US" smtClean="0"/>
-              <a:t>8/7/2021</a:t>
+              <a:t>8/18/2021</a:t>
             </a:fld>
             <a:endParaRPr lang="en-US" dirty="0"/>
           </a:p>
@@ -5102,7 +7069,7 @@
           <a:p>
             <a:fld id="{4907D986-8816-4272-A432-0437A28A9828}" type="datetime1">
               <a:rPr lang="en-US" smtClean="0"/>
-              <a:t>8/7/2021</a:t>
+              <a:t>8/18/2021</a:t>
             </a:fld>
             <a:endParaRPr lang="en-US" dirty="0"/>
           </a:p>
@@ -5346,7 +7313,7 @@
           <a:p>
             <a:fld id="{62D6E202-B606-4609-B914-27C9371A1F6D}" type="datetime1">
               <a:rPr lang="en-US" smtClean="0"/>
-              <a:t>8/7/2021</a:t>
+              <a:t>8/18/2021</a:t>
             </a:fld>
             <a:endParaRPr lang="en-US" dirty="0"/>
           </a:p>
@@ -5900,7 +7867,7 @@
         </p:blipFill>
         <p:spPr>
           <a:xfrm>
-            <a:off x="0" y="1"/>
+            <a:off x="0" y="0"/>
             <a:ext cx="4191000" cy="6899654"/>
           </a:xfrm>
           <a:prstGeom prst="rect">
@@ -5921,2162 +7888,7 @@
 </p:sld>
 </file>
 
-<file path=ppt/slides/slide2.xml><?xml version="1.0" encoding="utf-8"?>
-<p:sld xmlns:a="http://schemas.openxmlformats.org/drawingml/2006/main" xmlns:r="http://schemas.openxmlformats.org/officeDocument/2006/relationships" xmlns:p="http://schemas.openxmlformats.org/presentationml/2006/main">
-  <p:cSld>
-    <p:bg>
-      <p:bgPr>
-        <a:solidFill>
-          <a:schemeClr val="bg1"/>
-        </a:solidFill>
-        <a:effectLst/>
-      </p:bgPr>
-    </p:bg>
-    <p:spTree>
-      <p:nvGrpSpPr>
-        <p:cNvPr id="1" name=""/>
-        <p:cNvGrpSpPr/>
-        <p:nvPr/>
-      </p:nvGrpSpPr>
-      <p:grpSpPr>
-        <a:xfrm>
-          <a:off x="0" y="0"/>
-          <a:ext cx="0" cy="0"/>
-          <a:chOff x="0" y="0"/>
-          <a:chExt cx="0" cy="0"/>
-        </a:xfrm>
-      </p:grpSpPr>
-      <p:sp>
-        <p:nvSpPr>
-          <p:cNvPr id="2" name="Title 1">
-            <a:extLst>
-              <a:ext uri="{FF2B5EF4-FFF2-40B4-BE49-F238E27FC236}">
-                <a16:creationId xmlns:a16="http://schemas.microsoft.com/office/drawing/2014/main" id="{9AB2EA78-AEB3-469B-9025-3B17201A457B}"/>
-              </a:ext>
-            </a:extLst>
-          </p:cNvPr>
-          <p:cNvSpPr>
-            <a:spLocks noGrp="1"/>
-          </p:cNvSpPr>
-          <p:nvPr>
-            <p:ph type="ctrTitle"/>
-          </p:nvPr>
-        </p:nvSpPr>
-        <p:spPr>
-          <a:xfrm>
-            <a:off x="1066800" y="400860"/>
-            <a:ext cx="10058400" cy="4303680"/>
-          </a:xfrm>
-        </p:spPr>
-        <p:txBody>
-          <a:bodyPr anchor="ctr">
-            <a:noAutofit/>
-          </a:bodyPr>
-          <a:lstStyle/>
-          <a:p>
-            <a:pPr lvl="0"/>
-            <a:r>
-              <a:rPr lang="en-US" sz="2800" b="1" u="sng" dirty="0" err="1"/>
-              <a:t>Landasan</a:t>
-            </a:r>
-            <a:br>
-              <a:rPr lang="en-US" sz="2800" i="1" dirty="0">
-                <a:solidFill>
-                  <a:srgbClr val="FFFFFF"/>
-                </a:solidFill>
-              </a:rPr>
-            </a:br>
-            <a:br>
-              <a:rPr lang="en-US" sz="2800" i="1" dirty="0">
-                <a:solidFill>
-                  <a:srgbClr val="FFFFFF"/>
-                </a:solidFill>
-              </a:rPr>
-            </a:br>
-            <a:r>
-              <a:rPr lang="en-US" sz="2200" i="1" cap="none" dirty="0" err="1">
-                <a:solidFill>
-                  <a:srgbClr val="FFFFFF"/>
-                </a:solidFill>
-              </a:rPr>
-              <a:t>S</a:t>
-            </a:r>
-            <a:r>
-              <a:rPr lang="en-US" sz="2200" cap="none" dirty="0" err="1">
-                <a:solidFill>
-                  <a:srgbClr val="FFFFFF"/>
-                </a:solidFill>
-              </a:rPr>
-              <a:t>ering</a:t>
-            </a:r>
-            <a:r>
-              <a:rPr lang="en-US" sz="2200" cap="none" dirty="0">
-                <a:solidFill>
-                  <a:srgbClr val="FFFFFF"/>
-                </a:solidFill>
-              </a:rPr>
-              <a:t> </a:t>
-            </a:r>
-            <a:r>
-              <a:rPr lang="en-US" sz="2200" cap="none" dirty="0" err="1">
-                <a:solidFill>
-                  <a:srgbClr val="FFFFFF"/>
-                </a:solidFill>
-              </a:rPr>
-              <a:t>dialami</a:t>
-            </a:r>
-            <a:r>
-              <a:rPr lang="en-US" sz="2200" cap="none" dirty="0">
-                <a:solidFill>
-                  <a:srgbClr val="FFFFFF"/>
-                </a:solidFill>
-              </a:rPr>
-              <a:t> </a:t>
-            </a:r>
-            <a:r>
-              <a:rPr lang="en-US" sz="2200" cap="none" dirty="0" err="1">
-                <a:solidFill>
-                  <a:srgbClr val="FFFFFF"/>
-                </a:solidFill>
-              </a:rPr>
-              <a:t>dalam</a:t>
-            </a:r>
-            <a:r>
-              <a:rPr lang="en-US" sz="2200" cap="none" dirty="0">
-                <a:solidFill>
-                  <a:srgbClr val="FFFFFF"/>
-                </a:solidFill>
-              </a:rPr>
-              <a:t> </a:t>
-            </a:r>
-            <a:r>
-              <a:rPr lang="en-US" sz="2200" cap="none" dirty="0" err="1">
-                <a:solidFill>
-                  <a:srgbClr val="FFFFFF"/>
-                </a:solidFill>
-              </a:rPr>
-              <a:t>suatu</a:t>
-            </a:r>
-            <a:r>
-              <a:rPr lang="en-US" sz="2200" cap="none" dirty="0">
-                <a:solidFill>
-                  <a:srgbClr val="FFFFFF"/>
-                </a:solidFill>
-              </a:rPr>
-              <a:t> </a:t>
-            </a:r>
-            <a:r>
-              <a:rPr lang="en-US" sz="2200" cap="none" dirty="0" err="1">
-                <a:solidFill>
-                  <a:srgbClr val="FFFFFF"/>
-                </a:solidFill>
-              </a:rPr>
-              <a:t>kondisi</a:t>
-            </a:r>
-            <a:r>
-              <a:rPr lang="en-US" sz="2200" cap="none" dirty="0">
-                <a:solidFill>
-                  <a:srgbClr val="FFFFFF"/>
-                </a:solidFill>
-              </a:rPr>
-              <a:t> </a:t>
-            </a:r>
-            <a:r>
-              <a:rPr lang="en-US" sz="2200" cap="none" dirty="0" err="1">
-                <a:solidFill>
-                  <a:srgbClr val="FFFFFF"/>
-                </a:solidFill>
-              </a:rPr>
-              <a:t>dimana</a:t>
-            </a:r>
-            <a:r>
-              <a:rPr lang="en-US" sz="2200" cap="none" dirty="0">
-                <a:solidFill>
-                  <a:srgbClr val="FFFFFF"/>
-                </a:solidFill>
-              </a:rPr>
-              <a:t> </a:t>
-            </a:r>
-            <a:r>
-              <a:rPr lang="en-US" sz="2200" cap="none" dirty="0" err="1">
-                <a:solidFill>
-                  <a:srgbClr val="FFFFFF"/>
-                </a:solidFill>
-              </a:rPr>
-              <a:t>kita</a:t>
-            </a:r>
-            <a:r>
-              <a:rPr lang="en-US" sz="2200" cap="none" dirty="0">
-                <a:solidFill>
-                  <a:srgbClr val="FFFFFF"/>
-                </a:solidFill>
-              </a:rPr>
-              <a:t> </a:t>
-            </a:r>
-            <a:r>
-              <a:rPr lang="en-US" sz="2200" cap="none" dirty="0" err="1">
-                <a:solidFill>
-                  <a:srgbClr val="FFFFFF"/>
-                </a:solidFill>
-              </a:rPr>
-              <a:t>sedang</a:t>
-            </a:r>
-            <a:r>
-              <a:rPr lang="en-US" sz="2200" cap="none" dirty="0">
-                <a:solidFill>
-                  <a:srgbClr val="FFFFFF"/>
-                </a:solidFill>
-              </a:rPr>
-              <a:t> </a:t>
-            </a:r>
-            <a:r>
-              <a:rPr lang="en-US" sz="2200" cap="none" dirty="0" err="1">
-                <a:solidFill>
-                  <a:srgbClr val="FFFFFF"/>
-                </a:solidFill>
-              </a:rPr>
-              <a:t>berkunjung</a:t>
-            </a:r>
-            <a:r>
-              <a:rPr lang="en-US" sz="2200" cap="none" dirty="0">
-                <a:solidFill>
-                  <a:srgbClr val="FFFFFF"/>
-                </a:solidFill>
-              </a:rPr>
-              <a:t> </a:t>
-            </a:r>
-            <a:r>
-              <a:rPr lang="en-US" sz="2200" cap="none" dirty="0" err="1">
-                <a:solidFill>
-                  <a:srgbClr val="FFFFFF"/>
-                </a:solidFill>
-              </a:rPr>
-              <a:t>ke</a:t>
-            </a:r>
-            <a:r>
-              <a:rPr lang="en-US" sz="2200" cap="none" dirty="0">
-                <a:solidFill>
-                  <a:srgbClr val="FFFFFF"/>
-                </a:solidFill>
-              </a:rPr>
-              <a:t> </a:t>
-            </a:r>
-            <a:r>
-              <a:rPr lang="en-US" sz="2200" cap="none" dirty="0" err="1">
-                <a:solidFill>
-                  <a:srgbClr val="FFFFFF"/>
-                </a:solidFill>
-              </a:rPr>
-              <a:t>tempat</a:t>
-            </a:r>
-            <a:r>
-              <a:rPr lang="en-US" sz="2200" cap="none" dirty="0">
-                <a:solidFill>
-                  <a:srgbClr val="FFFFFF"/>
-                </a:solidFill>
-              </a:rPr>
-              <a:t> </a:t>
-            </a:r>
-            <a:r>
-              <a:rPr lang="en-US" sz="2200" cap="none" dirty="0" err="1">
-                <a:solidFill>
-                  <a:srgbClr val="FFFFFF"/>
-                </a:solidFill>
-              </a:rPr>
-              <a:t>teman</a:t>
-            </a:r>
-            <a:r>
-              <a:rPr lang="en-US" sz="2200" cap="none" dirty="0">
-                <a:solidFill>
-                  <a:srgbClr val="FFFFFF"/>
-                </a:solidFill>
-              </a:rPr>
-              <a:t> </a:t>
-            </a:r>
-            <a:r>
-              <a:rPr lang="en-US" sz="2200" cap="none" dirty="0" err="1">
-                <a:solidFill>
-                  <a:srgbClr val="FFFFFF"/>
-                </a:solidFill>
-              </a:rPr>
-              <a:t>atau</a:t>
-            </a:r>
-            <a:r>
-              <a:rPr lang="en-US" sz="2200" cap="none" dirty="0">
-                <a:solidFill>
-                  <a:srgbClr val="FFFFFF"/>
-                </a:solidFill>
-              </a:rPr>
-              <a:t> orang lain dan </a:t>
-            </a:r>
-            <a:r>
-              <a:rPr lang="en-US" sz="2200" cap="none" dirty="0" err="1">
-                <a:solidFill>
-                  <a:srgbClr val="FFFFFF"/>
-                </a:solidFill>
-              </a:rPr>
-              <a:t>saat</a:t>
-            </a:r>
-            <a:r>
-              <a:rPr lang="en-US" sz="2200" cap="none" dirty="0">
-                <a:solidFill>
-                  <a:srgbClr val="FFFFFF"/>
-                </a:solidFill>
-              </a:rPr>
-              <a:t> </a:t>
-            </a:r>
-            <a:r>
-              <a:rPr lang="en-US" sz="2200" cap="none" dirty="0" err="1">
-                <a:solidFill>
-                  <a:srgbClr val="FFFFFF"/>
-                </a:solidFill>
-              </a:rPr>
-              <a:t>itu</a:t>
-            </a:r>
-            <a:r>
-              <a:rPr lang="en-US" sz="2200" cap="none" dirty="0">
-                <a:solidFill>
-                  <a:srgbClr val="FFFFFF"/>
-                </a:solidFill>
-              </a:rPr>
-              <a:t> </a:t>
-            </a:r>
-            <a:r>
-              <a:rPr lang="en-US" sz="2200" cap="none" dirty="0" err="1">
-                <a:solidFill>
-                  <a:srgbClr val="FFFFFF"/>
-                </a:solidFill>
-              </a:rPr>
-              <a:t>melihat</a:t>
-            </a:r>
-            <a:r>
-              <a:rPr lang="en-US" sz="2200" cap="none" dirty="0">
-                <a:solidFill>
-                  <a:srgbClr val="FFFFFF"/>
-                </a:solidFill>
-              </a:rPr>
-              <a:t> </a:t>
-            </a:r>
-            <a:r>
-              <a:rPr lang="en-US" sz="2200" cap="none" dirty="0" err="1">
-                <a:solidFill>
-                  <a:srgbClr val="FFFFFF"/>
-                </a:solidFill>
-              </a:rPr>
-              <a:t>mereka</a:t>
-            </a:r>
-            <a:r>
-              <a:rPr lang="en-US" sz="2200" cap="none" dirty="0">
-                <a:solidFill>
-                  <a:srgbClr val="FFFFFF"/>
-                </a:solidFill>
-              </a:rPr>
-              <a:t> </a:t>
-            </a:r>
-            <a:r>
-              <a:rPr lang="en-US" sz="2200" cap="none" dirty="0" err="1">
-                <a:solidFill>
-                  <a:srgbClr val="FFFFFF"/>
-                </a:solidFill>
-              </a:rPr>
-              <a:t>sedang</a:t>
-            </a:r>
-            <a:r>
-              <a:rPr lang="en-US" sz="2200" cap="none" dirty="0">
-                <a:solidFill>
-                  <a:srgbClr val="FFFFFF"/>
-                </a:solidFill>
-              </a:rPr>
-              <a:t> </a:t>
-            </a:r>
-            <a:r>
-              <a:rPr lang="en-US" sz="2200" cap="none" dirty="0" err="1">
-                <a:solidFill>
-                  <a:srgbClr val="FFFFFF"/>
-                </a:solidFill>
-              </a:rPr>
-              <a:t>menonton</a:t>
-            </a:r>
-            <a:r>
-              <a:rPr lang="en-US" sz="2200" cap="none" dirty="0">
-                <a:solidFill>
-                  <a:srgbClr val="FFFFFF"/>
-                </a:solidFill>
-              </a:rPr>
-              <a:t> </a:t>
-            </a:r>
-            <a:r>
-              <a:rPr lang="en-US" sz="2200" cap="none" dirty="0" err="1">
-                <a:solidFill>
-                  <a:srgbClr val="FFFFFF"/>
-                </a:solidFill>
-              </a:rPr>
-              <a:t>suatu</a:t>
-            </a:r>
-            <a:r>
-              <a:rPr lang="en-US" sz="2200" cap="none" dirty="0">
-                <a:solidFill>
-                  <a:srgbClr val="FFFFFF"/>
-                </a:solidFill>
-              </a:rPr>
-              <a:t> film dan </a:t>
-            </a:r>
-            <a:r>
-              <a:rPr lang="en-US" sz="2200" cap="none" dirty="0" err="1">
-                <a:solidFill>
-                  <a:srgbClr val="FFFFFF"/>
-                </a:solidFill>
-              </a:rPr>
-              <a:t>kita</a:t>
-            </a:r>
-            <a:r>
-              <a:rPr lang="en-US" sz="2200" cap="none" dirty="0">
-                <a:solidFill>
-                  <a:srgbClr val="FFFFFF"/>
-                </a:solidFill>
-              </a:rPr>
-              <a:t> </a:t>
-            </a:r>
-            <a:r>
-              <a:rPr lang="en-US" sz="2200" cap="none" dirty="0" err="1">
-                <a:solidFill>
-                  <a:srgbClr val="FFFFFF"/>
-                </a:solidFill>
-              </a:rPr>
-              <a:t>tertarik</a:t>
-            </a:r>
-            <a:r>
-              <a:rPr lang="en-US" sz="2200" cap="none" dirty="0">
-                <a:solidFill>
-                  <a:srgbClr val="FFFFFF"/>
-                </a:solidFill>
-              </a:rPr>
-              <a:t> </a:t>
-            </a:r>
-            <a:r>
-              <a:rPr lang="en-US" sz="2200" cap="none" dirty="0" err="1">
-                <a:solidFill>
-                  <a:srgbClr val="FFFFFF"/>
-                </a:solidFill>
-              </a:rPr>
-              <a:t>untuk</a:t>
-            </a:r>
-            <a:r>
-              <a:rPr lang="en-US" sz="2200" cap="none" dirty="0">
-                <a:solidFill>
-                  <a:srgbClr val="FFFFFF"/>
-                </a:solidFill>
-              </a:rPr>
-              <a:t> </a:t>
-            </a:r>
-            <a:r>
-              <a:rPr lang="en-US" sz="2200" cap="none" dirty="0" err="1">
-                <a:solidFill>
-                  <a:srgbClr val="FFFFFF"/>
-                </a:solidFill>
-              </a:rPr>
-              <a:t>ikut</a:t>
-            </a:r>
-            <a:r>
-              <a:rPr lang="en-US" sz="2200" cap="none" dirty="0">
-                <a:solidFill>
-                  <a:srgbClr val="FFFFFF"/>
-                </a:solidFill>
-              </a:rPr>
-              <a:t> </a:t>
-            </a:r>
-            <a:r>
-              <a:rPr lang="en-US" sz="2200" cap="none" dirty="0" err="1">
-                <a:solidFill>
-                  <a:srgbClr val="FFFFFF"/>
-                </a:solidFill>
-              </a:rPr>
-              <a:t>menonton</a:t>
-            </a:r>
-            <a:r>
-              <a:rPr lang="en-US" sz="2200" cap="none" dirty="0">
-                <a:solidFill>
-                  <a:srgbClr val="FFFFFF"/>
-                </a:solidFill>
-              </a:rPr>
-              <a:t> film </a:t>
-            </a:r>
-            <a:r>
-              <a:rPr lang="en-US" sz="2200" cap="none" dirty="0" err="1">
-                <a:solidFill>
-                  <a:srgbClr val="FFFFFF"/>
-                </a:solidFill>
-              </a:rPr>
-              <a:t>tersebut</a:t>
-            </a:r>
-            <a:r>
-              <a:rPr lang="en-US" sz="2200" cap="none" dirty="0">
-                <a:solidFill>
-                  <a:srgbClr val="FFFFFF"/>
-                </a:solidFill>
-              </a:rPr>
-              <a:t>, </a:t>
-            </a:r>
-            <a:r>
-              <a:rPr lang="en-US" sz="2200" cap="none" dirty="0" err="1">
-                <a:solidFill>
-                  <a:srgbClr val="FFFFFF"/>
-                </a:solidFill>
-              </a:rPr>
-              <a:t>namun</a:t>
-            </a:r>
-            <a:r>
-              <a:rPr lang="en-US" sz="2200" cap="none" dirty="0">
-                <a:solidFill>
-                  <a:srgbClr val="FFFFFF"/>
-                </a:solidFill>
-              </a:rPr>
-              <a:t> </a:t>
-            </a:r>
-            <a:r>
-              <a:rPr lang="en-US" sz="2200" cap="none" dirty="0" err="1">
-                <a:solidFill>
-                  <a:srgbClr val="FFFFFF"/>
-                </a:solidFill>
-              </a:rPr>
-              <a:t>kita</a:t>
-            </a:r>
-            <a:r>
-              <a:rPr lang="en-US" sz="2200" cap="none" dirty="0">
-                <a:solidFill>
-                  <a:srgbClr val="FFFFFF"/>
-                </a:solidFill>
-              </a:rPr>
-              <a:t> </a:t>
-            </a:r>
-            <a:r>
-              <a:rPr lang="en-US" sz="2200" cap="none" dirty="0" err="1">
-                <a:solidFill>
-                  <a:srgbClr val="FFFFFF"/>
-                </a:solidFill>
-              </a:rPr>
-              <a:t>sedang</a:t>
-            </a:r>
-            <a:r>
-              <a:rPr lang="en-US" sz="2200" cap="none" dirty="0">
-                <a:solidFill>
-                  <a:srgbClr val="FFFFFF"/>
-                </a:solidFill>
-              </a:rPr>
-              <a:t> </a:t>
-            </a:r>
-            <a:r>
-              <a:rPr lang="en-US" sz="2200" cap="none" dirty="0" err="1">
-                <a:solidFill>
-                  <a:srgbClr val="FFFFFF"/>
-                </a:solidFill>
-              </a:rPr>
-              <a:t>tidak</a:t>
-            </a:r>
-            <a:r>
-              <a:rPr lang="en-US" sz="2200" cap="none" dirty="0">
-                <a:solidFill>
-                  <a:srgbClr val="FFFFFF"/>
-                </a:solidFill>
-              </a:rPr>
-              <a:t> </a:t>
-            </a:r>
-            <a:r>
-              <a:rPr lang="en-US" sz="2200" cap="none" dirty="0" err="1">
-                <a:solidFill>
-                  <a:srgbClr val="FFFFFF"/>
-                </a:solidFill>
-              </a:rPr>
-              <a:t>memiliki</a:t>
-            </a:r>
-            <a:r>
-              <a:rPr lang="en-US" sz="2200" cap="none" dirty="0">
-                <a:solidFill>
-                  <a:srgbClr val="FFFFFF"/>
-                </a:solidFill>
-              </a:rPr>
-              <a:t> </a:t>
-            </a:r>
-            <a:r>
-              <a:rPr lang="en-US" sz="2200" cap="none" dirty="0" err="1">
-                <a:solidFill>
-                  <a:srgbClr val="FFFFFF"/>
-                </a:solidFill>
-              </a:rPr>
-              <a:t>cukup</a:t>
-            </a:r>
-            <a:r>
-              <a:rPr lang="en-US" sz="2200" cap="none" dirty="0">
-                <a:solidFill>
-                  <a:srgbClr val="FFFFFF"/>
-                </a:solidFill>
-              </a:rPr>
-              <a:t> </a:t>
-            </a:r>
-            <a:r>
-              <a:rPr lang="en-US" sz="2200" cap="none" dirty="0" err="1">
-                <a:solidFill>
-                  <a:srgbClr val="FFFFFF"/>
-                </a:solidFill>
-              </a:rPr>
-              <a:t>waktu</a:t>
-            </a:r>
-            <a:r>
-              <a:rPr lang="en-US" sz="2200" cap="none">
-                <a:solidFill>
-                  <a:srgbClr val="FFFFFF"/>
-                </a:solidFill>
-              </a:rPr>
-              <a:t> untuk</a:t>
-            </a:r>
-            <a:r>
-              <a:rPr lang="en-US" sz="2200" cap="none" dirty="0">
-                <a:solidFill>
-                  <a:srgbClr val="FFFFFF"/>
-                </a:solidFill>
-              </a:rPr>
-              <a:t> </a:t>
-            </a:r>
-            <a:r>
-              <a:rPr lang="en-US" sz="2200" cap="none" dirty="0" err="1">
-                <a:solidFill>
-                  <a:srgbClr val="FFFFFF"/>
-                </a:solidFill>
-              </a:rPr>
-              <a:t>ikut</a:t>
-            </a:r>
-            <a:r>
-              <a:rPr lang="en-US" sz="2200" cap="none" dirty="0">
-                <a:solidFill>
-                  <a:srgbClr val="FFFFFF"/>
-                </a:solidFill>
-              </a:rPr>
-              <a:t> </a:t>
-            </a:r>
-            <a:r>
-              <a:rPr lang="en-US" sz="2200" cap="none" dirty="0" err="1">
-                <a:solidFill>
-                  <a:srgbClr val="FFFFFF"/>
-                </a:solidFill>
-              </a:rPr>
-              <a:t>menonton</a:t>
-            </a:r>
-            <a:r>
-              <a:rPr lang="en-US" sz="2200" cap="none" dirty="0">
-                <a:solidFill>
-                  <a:srgbClr val="FFFFFF"/>
-                </a:solidFill>
-              </a:rPr>
-              <a:t> film </a:t>
-            </a:r>
-            <a:r>
-              <a:rPr lang="en-US" sz="2200" cap="none" dirty="0" err="1">
-                <a:solidFill>
-                  <a:srgbClr val="FFFFFF"/>
-                </a:solidFill>
-              </a:rPr>
-              <a:t>tersebut</a:t>
-            </a:r>
-            <a:r>
-              <a:rPr lang="en-US" sz="2200" cap="none" dirty="0">
-                <a:solidFill>
-                  <a:srgbClr val="FFFFFF"/>
-                </a:solidFill>
-              </a:rPr>
-              <a:t>. </a:t>
-            </a:r>
-            <a:r>
-              <a:rPr lang="en-US" sz="2200" cap="none" dirty="0" err="1">
-                <a:solidFill>
-                  <a:srgbClr val="FFFFFF"/>
-                </a:solidFill>
-              </a:rPr>
-              <a:t>Biasanya</a:t>
-            </a:r>
-            <a:r>
-              <a:rPr lang="en-US" sz="2200" cap="none" dirty="0">
-                <a:solidFill>
-                  <a:srgbClr val="FFFFFF"/>
-                </a:solidFill>
-              </a:rPr>
-              <a:t> </a:t>
-            </a:r>
-            <a:r>
-              <a:rPr lang="en-US" sz="2200" cap="none" dirty="0" err="1">
-                <a:solidFill>
-                  <a:srgbClr val="FFFFFF"/>
-                </a:solidFill>
-              </a:rPr>
-              <a:t>kita</a:t>
-            </a:r>
-            <a:r>
-              <a:rPr lang="en-US" sz="2200" cap="none" dirty="0">
-                <a:solidFill>
-                  <a:srgbClr val="FFFFFF"/>
-                </a:solidFill>
-              </a:rPr>
-              <a:t> </a:t>
-            </a:r>
-            <a:r>
-              <a:rPr lang="en-US" sz="2200" cap="none" dirty="0" err="1">
-                <a:solidFill>
-                  <a:srgbClr val="FFFFFF"/>
-                </a:solidFill>
-              </a:rPr>
-              <a:t>hanya</a:t>
-            </a:r>
-            <a:r>
-              <a:rPr lang="en-US" sz="2200" cap="none" dirty="0">
-                <a:solidFill>
-                  <a:srgbClr val="FFFFFF"/>
-                </a:solidFill>
-              </a:rPr>
-              <a:t> </a:t>
-            </a:r>
-            <a:r>
-              <a:rPr lang="en-US" sz="2200" cap="none" dirty="0" err="1">
-                <a:solidFill>
-                  <a:srgbClr val="FFFFFF"/>
-                </a:solidFill>
-              </a:rPr>
-              <a:t>mengingat</a:t>
-            </a:r>
-            <a:r>
-              <a:rPr lang="en-US" sz="2200" cap="none" dirty="0">
-                <a:solidFill>
-                  <a:srgbClr val="FFFFFF"/>
-                </a:solidFill>
-              </a:rPr>
-              <a:t> </a:t>
-            </a:r>
-            <a:r>
-              <a:rPr lang="en-US" sz="2200" cap="none" dirty="0" err="1">
-                <a:solidFill>
-                  <a:srgbClr val="FFFFFF"/>
-                </a:solidFill>
-              </a:rPr>
-              <a:t>judul</a:t>
-            </a:r>
-            <a:r>
-              <a:rPr lang="en-US" sz="2200" cap="none" dirty="0">
-                <a:solidFill>
-                  <a:srgbClr val="FFFFFF"/>
-                </a:solidFill>
-              </a:rPr>
-              <a:t> </a:t>
-            </a:r>
-            <a:r>
-              <a:rPr lang="en-US" sz="2200" cap="none" dirty="0" err="1">
-                <a:solidFill>
-                  <a:srgbClr val="FFFFFF"/>
-                </a:solidFill>
-              </a:rPr>
-              <a:t>filmnya</a:t>
-            </a:r>
-            <a:r>
-              <a:rPr lang="en-US" sz="2200" cap="none" dirty="0">
-                <a:solidFill>
-                  <a:srgbClr val="FFFFFF"/>
-                </a:solidFill>
-              </a:rPr>
-              <a:t> </a:t>
-            </a:r>
-            <a:r>
-              <a:rPr lang="en-US" sz="2200" cap="none" dirty="0" err="1">
-                <a:solidFill>
-                  <a:srgbClr val="FFFFFF"/>
-                </a:solidFill>
-              </a:rPr>
-              <a:t>saja</a:t>
-            </a:r>
-            <a:r>
-              <a:rPr lang="en-US" sz="2200" cap="none" dirty="0">
-                <a:solidFill>
-                  <a:srgbClr val="FFFFFF"/>
-                </a:solidFill>
-              </a:rPr>
-              <a:t>, </a:t>
-            </a:r>
-            <a:r>
-              <a:rPr lang="en-US" sz="2200" cap="none" dirty="0" err="1">
-                <a:solidFill>
-                  <a:srgbClr val="FFFFFF"/>
-                </a:solidFill>
-              </a:rPr>
-              <a:t>namun</a:t>
-            </a:r>
-            <a:r>
-              <a:rPr lang="en-US" sz="2200" cap="none" dirty="0">
-                <a:solidFill>
-                  <a:srgbClr val="FFFFFF"/>
-                </a:solidFill>
-              </a:rPr>
-              <a:t> </a:t>
-            </a:r>
-            <a:r>
-              <a:rPr lang="en-US" sz="2200" cap="none" dirty="0" err="1">
-                <a:solidFill>
-                  <a:srgbClr val="FFFFFF"/>
-                </a:solidFill>
-              </a:rPr>
-              <a:t>karena</a:t>
-            </a:r>
-            <a:r>
-              <a:rPr lang="en-US" sz="2200" cap="none" dirty="0">
-                <a:solidFill>
-                  <a:srgbClr val="FFFFFF"/>
-                </a:solidFill>
-              </a:rPr>
-              <a:t> </a:t>
-            </a:r>
-            <a:r>
-              <a:rPr lang="en-US" sz="2200" cap="none" dirty="0" err="1">
-                <a:solidFill>
-                  <a:srgbClr val="FFFFFF"/>
-                </a:solidFill>
-              </a:rPr>
-              <a:t>satu</a:t>
-            </a:r>
-            <a:r>
-              <a:rPr lang="en-US" sz="2200" cap="none" dirty="0">
-                <a:solidFill>
-                  <a:srgbClr val="FFFFFF"/>
-                </a:solidFill>
-              </a:rPr>
-              <a:t> dan lain </a:t>
-            </a:r>
-            <a:r>
-              <a:rPr lang="en-US" sz="2200" cap="none" dirty="0" err="1">
-                <a:solidFill>
-                  <a:srgbClr val="FFFFFF"/>
-                </a:solidFill>
-              </a:rPr>
-              <a:t>hal</a:t>
-            </a:r>
-            <a:r>
-              <a:rPr lang="en-US" sz="2200" cap="none" dirty="0">
-                <a:solidFill>
-                  <a:srgbClr val="FFFFFF"/>
-                </a:solidFill>
-              </a:rPr>
-              <a:t> </a:t>
-            </a:r>
-            <a:r>
-              <a:rPr lang="en-US" sz="2200" cap="none" dirty="0" err="1">
-                <a:solidFill>
-                  <a:srgbClr val="FFFFFF"/>
-                </a:solidFill>
-              </a:rPr>
-              <a:t>ketika</a:t>
-            </a:r>
-            <a:r>
-              <a:rPr lang="en-US" sz="2200" cap="none" dirty="0">
-                <a:solidFill>
-                  <a:srgbClr val="FFFFFF"/>
-                </a:solidFill>
-              </a:rPr>
-              <a:t> </a:t>
-            </a:r>
-            <a:r>
-              <a:rPr lang="en-US" sz="2200" cap="none" dirty="0" err="1">
-                <a:solidFill>
-                  <a:srgbClr val="FFFFFF"/>
-                </a:solidFill>
-              </a:rPr>
-              <a:t>kita</a:t>
-            </a:r>
-            <a:r>
-              <a:rPr lang="en-US" sz="2200" cap="none" dirty="0">
-                <a:solidFill>
-                  <a:srgbClr val="FFFFFF"/>
-                </a:solidFill>
-              </a:rPr>
-              <a:t> </a:t>
-            </a:r>
-            <a:r>
-              <a:rPr lang="en-US" sz="2200" cap="none" dirty="0" err="1">
-                <a:solidFill>
-                  <a:srgbClr val="FFFFFF"/>
-                </a:solidFill>
-              </a:rPr>
-              <a:t>sudah</a:t>
-            </a:r>
-            <a:r>
-              <a:rPr lang="en-US" sz="2200" cap="none" dirty="0">
-                <a:solidFill>
-                  <a:srgbClr val="FFFFFF"/>
-                </a:solidFill>
-              </a:rPr>
-              <a:t> </a:t>
-            </a:r>
-            <a:r>
-              <a:rPr lang="en-US" sz="2200" cap="none" dirty="0" err="1">
-                <a:solidFill>
-                  <a:srgbClr val="FFFFFF"/>
-                </a:solidFill>
-              </a:rPr>
-              <a:t>memiliki</a:t>
-            </a:r>
-            <a:r>
-              <a:rPr lang="en-US" sz="2200" cap="none" dirty="0">
-                <a:solidFill>
-                  <a:srgbClr val="FFFFFF"/>
-                </a:solidFill>
-              </a:rPr>
-              <a:t> </a:t>
-            </a:r>
-            <a:r>
-              <a:rPr lang="en-US" sz="2200" cap="none" dirty="0" err="1">
-                <a:solidFill>
-                  <a:srgbClr val="FFFFFF"/>
-                </a:solidFill>
-              </a:rPr>
-              <a:t>cukup</a:t>
-            </a:r>
-            <a:r>
-              <a:rPr lang="en-US" sz="2200" cap="none" dirty="0">
-                <a:solidFill>
-                  <a:srgbClr val="FFFFFF"/>
-                </a:solidFill>
-              </a:rPr>
-              <a:t> </a:t>
-            </a:r>
-            <a:r>
-              <a:rPr lang="en-US" sz="2200" cap="none" dirty="0" err="1">
-                <a:solidFill>
-                  <a:srgbClr val="FFFFFF"/>
-                </a:solidFill>
-              </a:rPr>
-              <a:t>waktu</a:t>
-            </a:r>
-            <a:r>
-              <a:rPr lang="en-US" sz="2200" cap="none" dirty="0">
-                <a:solidFill>
-                  <a:srgbClr val="FFFFFF"/>
-                </a:solidFill>
-              </a:rPr>
-              <a:t> dan </a:t>
-            </a:r>
-            <a:r>
-              <a:rPr lang="en-US" sz="2200" cap="none" dirty="0" err="1">
-                <a:solidFill>
-                  <a:srgbClr val="FFFFFF"/>
-                </a:solidFill>
-              </a:rPr>
-              <a:t>siap</a:t>
-            </a:r>
-            <a:r>
-              <a:rPr lang="en-US" sz="2200" cap="none" dirty="0">
-                <a:solidFill>
-                  <a:srgbClr val="FFFFFF"/>
-                </a:solidFill>
-              </a:rPr>
-              <a:t> </a:t>
-            </a:r>
-            <a:r>
-              <a:rPr lang="en-US" sz="2200" cap="none" dirty="0" err="1">
-                <a:solidFill>
-                  <a:srgbClr val="FFFFFF"/>
-                </a:solidFill>
-              </a:rPr>
-              <a:t>untuk</a:t>
-            </a:r>
-            <a:r>
-              <a:rPr lang="en-US" sz="2200" cap="none" dirty="0">
-                <a:solidFill>
-                  <a:srgbClr val="FFFFFF"/>
-                </a:solidFill>
-              </a:rPr>
-              <a:t> </a:t>
-            </a:r>
-            <a:r>
-              <a:rPr lang="en-US" sz="2200" cap="none" dirty="0" err="1">
-                <a:solidFill>
-                  <a:srgbClr val="FFFFFF"/>
-                </a:solidFill>
-              </a:rPr>
-              <a:t>menonton</a:t>
-            </a:r>
-            <a:r>
-              <a:rPr lang="en-US" sz="2200" cap="none" dirty="0">
-                <a:solidFill>
-                  <a:srgbClr val="FFFFFF"/>
-                </a:solidFill>
-              </a:rPr>
-              <a:t> film </a:t>
-            </a:r>
-            <a:r>
-              <a:rPr lang="en-US" sz="2200" cap="none" dirty="0" err="1">
-                <a:solidFill>
-                  <a:srgbClr val="FFFFFF"/>
-                </a:solidFill>
-              </a:rPr>
-              <a:t>tetapi</a:t>
-            </a:r>
-            <a:r>
-              <a:rPr lang="en-US" sz="2200" cap="none" dirty="0">
-                <a:solidFill>
-                  <a:srgbClr val="FFFFFF"/>
-                </a:solidFill>
-              </a:rPr>
-              <a:t> </a:t>
-            </a:r>
-            <a:r>
-              <a:rPr lang="en-US" sz="2200" cap="none" dirty="0" err="1">
-                <a:solidFill>
-                  <a:srgbClr val="FFFFFF"/>
-                </a:solidFill>
-              </a:rPr>
-              <a:t>kita</a:t>
-            </a:r>
-            <a:r>
-              <a:rPr lang="en-US" sz="2200" cap="none" dirty="0">
-                <a:solidFill>
-                  <a:srgbClr val="FFFFFF"/>
-                </a:solidFill>
-              </a:rPr>
-              <a:t> </a:t>
-            </a:r>
-            <a:r>
-              <a:rPr lang="en-US" sz="2200" cap="none" dirty="0" err="1">
-                <a:solidFill>
-                  <a:srgbClr val="FFFFFF"/>
-                </a:solidFill>
-              </a:rPr>
-              <a:t>sudah</a:t>
-            </a:r>
-            <a:r>
-              <a:rPr lang="en-US" sz="2200" cap="none" dirty="0">
-                <a:solidFill>
-                  <a:srgbClr val="FFFFFF"/>
-                </a:solidFill>
-              </a:rPr>
-              <a:t> </a:t>
-            </a:r>
-            <a:r>
-              <a:rPr lang="en-US" sz="2200" cap="none" dirty="0" err="1">
-                <a:solidFill>
-                  <a:srgbClr val="FFFFFF"/>
-                </a:solidFill>
-              </a:rPr>
-              <a:t>lupa</a:t>
-            </a:r>
-            <a:r>
-              <a:rPr lang="en-US" sz="2200" cap="none" dirty="0">
-                <a:solidFill>
-                  <a:srgbClr val="FFFFFF"/>
-                </a:solidFill>
-              </a:rPr>
-              <a:t> </a:t>
-            </a:r>
-            <a:r>
-              <a:rPr lang="en-US" sz="2200" cap="none" dirty="0" err="1">
-                <a:solidFill>
-                  <a:srgbClr val="FFFFFF"/>
-                </a:solidFill>
-              </a:rPr>
-              <a:t>dengan</a:t>
-            </a:r>
-            <a:r>
-              <a:rPr lang="en-US" sz="2200" cap="none" dirty="0">
-                <a:solidFill>
-                  <a:srgbClr val="FFFFFF"/>
-                </a:solidFill>
-              </a:rPr>
-              <a:t> </a:t>
-            </a:r>
-            <a:r>
-              <a:rPr lang="en-US" sz="2200" cap="none" dirty="0" err="1">
-                <a:solidFill>
-                  <a:srgbClr val="FFFFFF"/>
-                </a:solidFill>
-              </a:rPr>
-              <a:t>judul</a:t>
-            </a:r>
-            <a:r>
-              <a:rPr lang="en-US" sz="2200" cap="none" dirty="0">
-                <a:solidFill>
-                  <a:srgbClr val="FFFFFF"/>
-                </a:solidFill>
-              </a:rPr>
-              <a:t> film </a:t>
-            </a:r>
-            <a:r>
-              <a:rPr lang="en-US" sz="2200" cap="none" dirty="0" err="1">
-                <a:solidFill>
-                  <a:srgbClr val="FFFFFF"/>
-                </a:solidFill>
-              </a:rPr>
-              <a:t>tadi</a:t>
-            </a:r>
-            <a:r>
-              <a:rPr lang="en-US" sz="2200" cap="none" dirty="0">
-                <a:solidFill>
-                  <a:srgbClr val="FFFFFF"/>
-                </a:solidFill>
-              </a:rPr>
-              <a:t>. Jadi </a:t>
-            </a:r>
-            <a:r>
-              <a:rPr lang="en-US" sz="2200" cap="none" dirty="0" err="1">
-                <a:solidFill>
-                  <a:srgbClr val="FFFFFF"/>
-                </a:solidFill>
-              </a:rPr>
-              <a:t>diharapkan</a:t>
-            </a:r>
-            <a:r>
-              <a:rPr lang="en-US" sz="2200" cap="none" dirty="0">
-                <a:solidFill>
-                  <a:srgbClr val="FFFFFF"/>
-                </a:solidFill>
-              </a:rPr>
-              <a:t> </a:t>
-            </a:r>
-            <a:r>
-              <a:rPr lang="en-US" sz="2200" cap="none" dirty="0" err="1">
-                <a:solidFill>
-                  <a:srgbClr val="FFFFFF"/>
-                </a:solidFill>
-              </a:rPr>
-              <a:t>aplikasi</a:t>
-            </a:r>
-            <a:r>
-              <a:rPr lang="en-US" sz="2200" cap="none" dirty="0">
-                <a:solidFill>
-                  <a:srgbClr val="FFFFFF"/>
-                </a:solidFill>
-              </a:rPr>
-              <a:t> </a:t>
-            </a:r>
-            <a:r>
-              <a:rPr lang="en-US" sz="2200" cap="none" dirty="0" err="1">
-                <a:solidFill>
-                  <a:srgbClr val="FFFFFF"/>
-                </a:solidFill>
-              </a:rPr>
-              <a:t>ini</a:t>
-            </a:r>
-            <a:r>
-              <a:rPr lang="en-US" sz="2200" cap="none" dirty="0">
-                <a:solidFill>
-                  <a:srgbClr val="FFFFFF"/>
-                </a:solidFill>
-              </a:rPr>
-              <a:t> </a:t>
-            </a:r>
-            <a:r>
-              <a:rPr lang="en-US" sz="2200" cap="none" dirty="0" err="1">
-                <a:solidFill>
-                  <a:srgbClr val="FFFFFF"/>
-                </a:solidFill>
-              </a:rPr>
-              <a:t>dapat</a:t>
-            </a:r>
-            <a:r>
-              <a:rPr lang="en-US" sz="2200" cap="none" dirty="0">
-                <a:solidFill>
-                  <a:srgbClr val="FFFFFF"/>
-                </a:solidFill>
-              </a:rPr>
-              <a:t> </a:t>
-            </a:r>
-            <a:r>
-              <a:rPr lang="en-US" sz="2200" cap="none" dirty="0" err="1">
-                <a:solidFill>
-                  <a:srgbClr val="FFFFFF"/>
-                </a:solidFill>
-              </a:rPr>
-              <a:t>membantu</a:t>
-            </a:r>
-            <a:r>
-              <a:rPr lang="en-US" sz="2200" cap="none" dirty="0">
-                <a:solidFill>
-                  <a:srgbClr val="FFFFFF"/>
-                </a:solidFill>
-              </a:rPr>
-              <a:t> </a:t>
-            </a:r>
-            <a:r>
-              <a:rPr lang="en-US" sz="2200" cap="none" dirty="0" err="1">
-                <a:solidFill>
-                  <a:srgbClr val="FFFFFF"/>
-                </a:solidFill>
-              </a:rPr>
-              <a:t>membuatkan</a:t>
-            </a:r>
-            <a:r>
-              <a:rPr lang="en-US" sz="2200" cap="none" dirty="0">
-                <a:solidFill>
-                  <a:srgbClr val="FFFFFF"/>
-                </a:solidFill>
-              </a:rPr>
-              <a:t> list </a:t>
-            </a:r>
-            <a:r>
-              <a:rPr lang="en-US" sz="2200" cap="none" dirty="0" err="1">
-                <a:solidFill>
-                  <a:srgbClr val="FFFFFF"/>
-                </a:solidFill>
-              </a:rPr>
-              <a:t>judul</a:t>
-            </a:r>
-            <a:r>
-              <a:rPr lang="en-US" sz="2200" cap="none" dirty="0">
-                <a:solidFill>
-                  <a:srgbClr val="FFFFFF"/>
-                </a:solidFill>
-              </a:rPr>
-              <a:t> film yang </a:t>
-            </a:r>
-            <a:r>
-              <a:rPr lang="en-US" sz="2200" cap="none" dirty="0" err="1">
-                <a:solidFill>
-                  <a:srgbClr val="FFFFFF"/>
-                </a:solidFill>
-              </a:rPr>
-              <a:t>mau</a:t>
-            </a:r>
-            <a:r>
-              <a:rPr lang="en-US" sz="2200" cap="none" dirty="0">
-                <a:solidFill>
-                  <a:srgbClr val="FFFFFF"/>
-                </a:solidFill>
-              </a:rPr>
-              <a:t> </a:t>
-            </a:r>
-            <a:r>
-              <a:rPr lang="en-US" sz="2200" cap="none" dirty="0" err="1">
-                <a:solidFill>
-                  <a:srgbClr val="FFFFFF"/>
-                </a:solidFill>
-              </a:rPr>
-              <a:t>ditonton</a:t>
-            </a:r>
-            <a:r>
-              <a:rPr lang="en-US" sz="2200" cap="none" dirty="0">
-                <a:solidFill>
-                  <a:srgbClr val="FFFFFF"/>
-                </a:solidFill>
-              </a:rPr>
-              <a:t> </a:t>
-            </a:r>
-            <a:r>
-              <a:rPr lang="en-US" sz="2200" cap="none" dirty="0" err="1">
-                <a:solidFill>
-                  <a:srgbClr val="FFFFFF"/>
-                </a:solidFill>
-              </a:rPr>
-              <a:t>nanti</a:t>
-            </a:r>
-            <a:endParaRPr lang="en-US" sz="2200" dirty="0">
-              <a:solidFill>
-                <a:srgbClr val="FFFFFF"/>
-              </a:solidFill>
-            </a:endParaRPr>
-          </a:p>
-        </p:txBody>
-      </p:sp>
-      <p:sp>
-        <p:nvSpPr>
-          <p:cNvPr id="3" name="Subtitle 2">
-            <a:extLst>
-              <a:ext uri="{FF2B5EF4-FFF2-40B4-BE49-F238E27FC236}">
-                <a16:creationId xmlns:a16="http://schemas.microsoft.com/office/drawing/2014/main" id="{255E1F2F-E259-4EA8-9FFD-3A10AF541859}"/>
-              </a:ext>
-            </a:extLst>
-          </p:cNvPr>
-          <p:cNvSpPr>
-            <a:spLocks noGrp="1"/>
-          </p:cNvSpPr>
-          <p:nvPr>
-            <p:ph type="subTitle" idx="1"/>
-          </p:nvPr>
-        </p:nvSpPr>
-        <p:spPr>
-          <a:xfrm>
-            <a:off x="1100051" y="5225240"/>
-            <a:ext cx="10058400" cy="1143000"/>
-          </a:xfrm>
-        </p:spPr>
-        <p:txBody>
-          <a:bodyPr>
-            <a:normAutofit/>
-          </a:bodyPr>
-          <a:lstStyle/>
-          <a:p>
-            <a:r>
-              <a:rPr lang="en-US" sz="1400" dirty="0">
-                <a:solidFill>
-                  <a:srgbClr val="FFFFFF"/>
-                </a:solidFill>
-              </a:rPr>
-              <a:t>Movie WISHLISH - </a:t>
-            </a:r>
-            <a:r>
-              <a:rPr lang="en-US" sz="1400" dirty="0" err="1">
-                <a:solidFill>
-                  <a:srgbClr val="FFFFFF"/>
-                </a:solidFill>
-              </a:rPr>
-              <a:t>Landasan</a:t>
-            </a:r>
-            <a:endParaRPr lang="en-US" sz="1400" dirty="0">
-              <a:solidFill>
-                <a:srgbClr val="FFFFFF"/>
-              </a:solidFill>
-            </a:endParaRPr>
-          </a:p>
-        </p:txBody>
-      </p:sp>
-    </p:spTree>
-    <p:extLst>
-      <p:ext uri="{BB962C8B-B14F-4D97-AF65-F5344CB8AC3E}">
-        <p14:creationId xmlns:p14="http://schemas.microsoft.com/office/powerpoint/2010/main" val="191714609"/>
-      </p:ext>
-    </p:extLst>
-  </p:cSld>
-  <p:clrMapOvr>
-    <a:masterClrMapping/>
-  </p:clrMapOvr>
-</p:sld>
-</file>
-
-<file path=ppt/slides/slide3.xml><?xml version="1.0" encoding="utf-8"?>
-<p:sld xmlns:a="http://schemas.openxmlformats.org/drawingml/2006/main" xmlns:r="http://schemas.openxmlformats.org/officeDocument/2006/relationships" xmlns:p="http://schemas.openxmlformats.org/presentationml/2006/main">
-  <p:cSld>
-    <p:bg>
-      <p:bgPr>
-        <a:solidFill>
-          <a:schemeClr val="bg1"/>
-        </a:solidFill>
-        <a:effectLst/>
-      </p:bgPr>
-    </p:bg>
-    <p:spTree>
-      <p:nvGrpSpPr>
-        <p:cNvPr id="1" name=""/>
-        <p:cNvGrpSpPr/>
-        <p:nvPr/>
-      </p:nvGrpSpPr>
-      <p:grpSpPr>
-        <a:xfrm>
-          <a:off x="0" y="0"/>
-          <a:ext cx="0" cy="0"/>
-          <a:chOff x="0" y="0"/>
-          <a:chExt cx="0" cy="0"/>
-        </a:xfrm>
-      </p:grpSpPr>
-      <p:sp>
-        <p:nvSpPr>
-          <p:cNvPr id="2" name="Title 1">
-            <a:extLst>
-              <a:ext uri="{FF2B5EF4-FFF2-40B4-BE49-F238E27FC236}">
-                <a16:creationId xmlns:a16="http://schemas.microsoft.com/office/drawing/2014/main" id="{9AB2EA78-AEB3-469B-9025-3B17201A457B}"/>
-              </a:ext>
-            </a:extLst>
-          </p:cNvPr>
-          <p:cNvSpPr>
-            <a:spLocks noGrp="1"/>
-          </p:cNvSpPr>
-          <p:nvPr>
-            <p:ph type="ctrTitle"/>
-          </p:nvPr>
-        </p:nvSpPr>
-        <p:spPr>
-          <a:xfrm>
-            <a:off x="1066800" y="395320"/>
-            <a:ext cx="10058400" cy="3892168"/>
-          </a:xfrm>
-        </p:spPr>
-        <p:txBody>
-          <a:bodyPr anchor="ctr">
-            <a:normAutofit fontScale="90000"/>
-          </a:bodyPr>
-          <a:lstStyle/>
-          <a:p>
-            <a:pPr lvl="0"/>
-            <a:r>
-              <a:rPr lang="en-US" sz="3200" b="1" u="sng" dirty="0" err="1">
-                <a:solidFill>
-                  <a:srgbClr val="FFFFFF"/>
-                </a:solidFill>
-              </a:rPr>
-              <a:t>Lingkup</a:t>
-            </a:r>
-            <a:br>
-              <a:rPr lang="en-US" sz="4800" i="1" dirty="0">
-                <a:solidFill>
-                  <a:srgbClr val="FFFFFF"/>
-                </a:solidFill>
-              </a:rPr>
-            </a:br>
-            <a:br>
-              <a:rPr lang="en-US" sz="4800" i="1" dirty="0">
-                <a:solidFill>
-                  <a:srgbClr val="FFFFFF"/>
-                </a:solidFill>
-              </a:rPr>
-            </a:br>
-            <a:r>
-              <a:rPr lang="en-US" sz="2700" cap="none" dirty="0">
-                <a:solidFill>
-                  <a:srgbClr val="FFFFFF"/>
-                </a:solidFill>
-              </a:rPr>
-              <a:t>- </a:t>
-            </a:r>
-            <a:r>
-              <a:rPr lang="en-US" sz="2700" cap="none" dirty="0" err="1">
-                <a:solidFill>
-                  <a:srgbClr val="FFFFFF"/>
-                </a:solidFill>
-              </a:rPr>
-              <a:t>mencari</a:t>
-            </a:r>
-            <a:r>
-              <a:rPr lang="en-US" sz="2700" cap="none" dirty="0">
-                <a:solidFill>
-                  <a:srgbClr val="FFFFFF"/>
-                </a:solidFill>
-              </a:rPr>
-              <a:t> film </a:t>
-            </a:r>
-            <a:r>
-              <a:rPr lang="en-US" sz="2700" cap="none" dirty="0" err="1">
-                <a:solidFill>
-                  <a:srgbClr val="FFFFFF"/>
-                </a:solidFill>
-              </a:rPr>
-              <a:t>berdasarkan</a:t>
-            </a:r>
-            <a:r>
-              <a:rPr lang="en-US" sz="2700" cap="none" dirty="0">
-                <a:solidFill>
-                  <a:srgbClr val="FFFFFF"/>
-                </a:solidFill>
-              </a:rPr>
-              <a:t> </a:t>
-            </a:r>
-            <a:r>
-              <a:rPr lang="en-US" sz="2700" cap="none" dirty="0" err="1">
-                <a:solidFill>
-                  <a:srgbClr val="FFFFFF"/>
-                </a:solidFill>
-              </a:rPr>
-              <a:t>judul</a:t>
-            </a:r>
-            <a:r>
-              <a:rPr lang="en-US" sz="2700" cap="none" dirty="0">
-                <a:solidFill>
-                  <a:srgbClr val="FFFFFF"/>
-                </a:solidFill>
-              </a:rPr>
-              <a:t> film</a:t>
-            </a:r>
-            <a:br>
-              <a:rPr lang="en-US" sz="2700" cap="none" dirty="0">
-                <a:solidFill>
-                  <a:srgbClr val="FFFFFF"/>
-                </a:solidFill>
-              </a:rPr>
-            </a:br>
-            <a:r>
-              <a:rPr lang="en-US" sz="2700" cap="none" dirty="0">
-                <a:solidFill>
-                  <a:srgbClr val="FFFFFF"/>
-                </a:solidFill>
-              </a:rPr>
-              <a:t>- </a:t>
-            </a:r>
-            <a:r>
-              <a:rPr lang="en-US" sz="2700" cap="none" dirty="0" err="1">
-                <a:solidFill>
-                  <a:srgbClr val="FFFFFF"/>
-                </a:solidFill>
-              </a:rPr>
-              <a:t>menampilkan</a:t>
-            </a:r>
-            <a:r>
-              <a:rPr lang="en-US" sz="2700" cap="none" dirty="0">
-                <a:solidFill>
-                  <a:srgbClr val="FFFFFF"/>
-                </a:solidFill>
-              </a:rPr>
-              <a:t> </a:t>
-            </a:r>
-            <a:r>
-              <a:rPr lang="en-US" sz="2700" cap="none" dirty="0" err="1">
-                <a:solidFill>
-                  <a:srgbClr val="FFFFFF"/>
-                </a:solidFill>
-              </a:rPr>
-              <a:t>sinopsis</a:t>
-            </a:r>
-            <a:r>
-              <a:rPr lang="en-US" sz="2700" cap="none" dirty="0">
-                <a:solidFill>
-                  <a:srgbClr val="FFFFFF"/>
-                </a:solidFill>
-              </a:rPr>
-              <a:t> film dan </a:t>
-            </a:r>
-            <a:r>
-              <a:rPr lang="en-US" sz="2700" cap="none" dirty="0" err="1">
-                <a:solidFill>
-                  <a:srgbClr val="FFFFFF"/>
-                </a:solidFill>
-              </a:rPr>
-              <a:t>aktor</a:t>
-            </a:r>
-            <a:r>
-              <a:rPr lang="en-US" sz="2700" cap="none" dirty="0">
-                <a:solidFill>
-                  <a:srgbClr val="FFFFFF"/>
-                </a:solidFill>
-              </a:rPr>
-              <a:t>/</a:t>
-            </a:r>
-            <a:r>
-              <a:rPr lang="en-US" sz="2700" cap="none" dirty="0" err="1">
-                <a:solidFill>
-                  <a:srgbClr val="FFFFFF"/>
-                </a:solidFill>
-              </a:rPr>
-              <a:t>aktris</a:t>
-            </a:r>
-            <a:r>
-              <a:rPr lang="en-US" sz="2700" cap="none" dirty="0">
-                <a:solidFill>
-                  <a:srgbClr val="FFFFFF"/>
-                </a:solidFill>
-              </a:rPr>
-              <a:t> </a:t>
-            </a:r>
-            <a:br>
-              <a:rPr lang="en-US" sz="2700" cap="none" dirty="0">
-                <a:solidFill>
-                  <a:srgbClr val="FFFFFF"/>
-                </a:solidFill>
-              </a:rPr>
-            </a:br>
-            <a:r>
-              <a:rPr lang="en-US" sz="2700" cap="none" dirty="0">
-                <a:solidFill>
-                  <a:srgbClr val="FFFFFF"/>
-                </a:solidFill>
-              </a:rPr>
-              <a:t>  </a:t>
-            </a:r>
-            <a:r>
-              <a:rPr lang="en-US" sz="2700" cap="none" dirty="0" err="1">
-                <a:solidFill>
-                  <a:srgbClr val="FFFFFF"/>
-                </a:solidFill>
-              </a:rPr>
-              <a:t>pemain</a:t>
-            </a:r>
-            <a:r>
-              <a:rPr lang="en-US" sz="2700" cap="none" dirty="0">
-                <a:solidFill>
-                  <a:srgbClr val="FFFFFF"/>
-                </a:solidFill>
-              </a:rPr>
-              <a:t> di film </a:t>
-            </a:r>
-            <a:r>
-              <a:rPr lang="en-US" sz="2700" cap="none" dirty="0" err="1">
-                <a:solidFill>
-                  <a:srgbClr val="FFFFFF"/>
-                </a:solidFill>
-              </a:rPr>
-              <a:t>tersebut</a:t>
-            </a:r>
-            <a:br>
-              <a:rPr lang="en-US" sz="2700" cap="none" dirty="0">
-                <a:solidFill>
-                  <a:srgbClr val="FFFFFF"/>
-                </a:solidFill>
-              </a:rPr>
-            </a:br>
-            <a:r>
-              <a:rPr lang="en-US" sz="2700" cap="none" dirty="0">
-                <a:solidFill>
-                  <a:srgbClr val="FFFFFF"/>
-                </a:solidFill>
-              </a:rPr>
-              <a:t>- </a:t>
-            </a:r>
-            <a:r>
-              <a:rPr lang="en-US" sz="2700" cap="none" dirty="0" err="1">
-                <a:solidFill>
-                  <a:srgbClr val="FFFFFF"/>
-                </a:solidFill>
-              </a:rPr>
-              <a:t>Menyimpan</a:t>
-            </a:r>
-            <a:r>
-              <a:rPr lang="en-US" sz="2700" cap="none" dirty="0">
-                <a:solidFill>
-                  <a:srgbClr val="FFFFFF"/>
-                </a:solidFill>
-              </a:rPr>
-              <a:t> list film-film (</a:t>
-            </a:r>
-            <a:r>
-              <a:rPr lang="en-US" sz="2700" cap="none" dirty="0" err="1">
-                <a:solidFill>
-                  <a:srgbClr val="FFFFFF"/>
-                </a:solidFill>
-              </a:rPr>
-              <a:t>wishlist</a:t>
-            </a:r>
-            <a:r>
-              <a:rPr lang="en-US" sz="2700" cap="none" dirty="0">
-                <a:solidFill>
-                  <a:srgbClr val="FFFFFF"/>
-                </a:solidFill>
-              </a:rPr>
-              <a:t>) yang </a:t>
-            </a:r>
-            <a:r>
-              <a:rPr lang="en-US" sz="2700" cap="none" dirty="0" err="1">
-                <a:solidFill>
-                  <a:srgbClr val="FFFFFF"/>
-                </a:solidFill>
-              </a:rPr>
-              <a:t>ingin</a:t>
-            </a:r>
-            <a:r>
-              <a:rPr lang="en-US" sz="2700" cap="none" dirty="0">
-                <a:solidFill>
-                  <a:srgbClr val="FFFFFF"/>
-                </a:solidFill>
-              </a:rPr>
-              <a:t> </a:t>
-            </a:r>
-            <a:r>
-              <a:rPr lang="en-US" sz="2700" cap="none" dirty="0" err="1">
-                <a:solidFill>
-                  <a:srgbClr val="FFFFFF"/>
-                </a:solidFill>
-              </a:rPr>
-              <a:t>ditonton</a:t>
-            </a:r>
-            <a:r>
-              <a:rPr lang="en-US" sz="2700" cap="none" dirty="0">
-                <a:solidFill>
-                  <a:srgbClr val="FFFFFF"/>
-                </a:solidFill>
-              </a:rPr>
-              <a:t> </a:t>
-            </a:r>
-            <a:r>
-              <a:rPr lang="en-US" sz="2700" cap="none" dirty="0" err="1">
-                <a:solidFill>
-                  <a:srgbClr val="FFFFFF"/>
-                </a:solidFill>
-              </a:rPr>
-              <a:t>diwaktu</a:t>
-            </a:r>
-            <a:r>
-              <a:rPr lang="en-US" sz="2700" cap="none" dirty="0">
-                <a:solidFill>
-                  <a:srgbClr val="FFFFFF"/>
-                </a:solidFill>
-              </a:rPr>
-              <a:t> lain</a:t>
-            </a:r>
-            <a:br>
-              <a:rPr lang="en-US" sz="2700" cap="none" dirty="0">
-                <a:solidFill>
-                  <a:srgbClr val="FFFFFF"/>
-                </a:solidFill>
-              </a:rPr>
-            </a:br>
-            <a:r>
-              <a:rPr lang="en-US" sz="2700" cap="none" dirty="0">
-                <a:solidFill>
-                  <a:srgbClr val="FFFFFF"/>
-                </a:solidFill>
-              </a:rPr>
-              <a:t>- </a:t>
-            </a:r>
-            <a:r>
-              <a:rPr lang="en-US" sz="2700" cap="none" dirty="0" err="1">
-                <a:solidFill>
-                  <a:srgbClr val="FFFFFF"/>
-                </a:solidFill>
-              </a:rPr>
-              <a:t>Menampilkan</a:t>
-            </a:r>
-            <a:r>
-              <a:rPr lang="en-US" sz="2700" cap="none" dirty="0">
-                <a:solidFill>
-                  <a:srgbClr val="FFFFFF"/>
-                </a:solidFill>
-              </a:rPr>
-              <a:t> list film yang </a:t>
-            </a:r>
-            <a:r>
-              <a:rPr lang="en-US" sz="2700" cap="none" dirty="0" err="1">
-                <a:solidFill>
-                  <a:srgbClr val="FFFFFF"/>
-                </a:solidFill>
-              </a:rPr>
-              <a:t>sudah</a:t>
-            </a:r>
-            <a:r>
-              <a:rPr lang="en-US" sz="2700" cap="none" dirty="0">
-                <a:solidFill>
-                  <a:srgbClr val="FFFFFF"/>
-                </a:solidFill>
-              </a:rPr>
-              <a:t> </a:t>
-            </a:r>
-            <a:r>
-              <a:rPr lang="en-US" sz="2700" cap="none" dirty="0" err="1">
-                <a:solidFill>
-                  <a:srgbClr val="FFFFFF"/>
-                </a:solidFill>
-              </a:rPr>
-              <a:t>disimpan</a:t>
-            </a:r>
-            <a:r>
-              <a:rPr lang="en-US" sz="2700" cap="none" dirty="0">
-                <a:solidFill>
-                  <a:srgbClr val="FFFFFF"/>
-                </a:solidFill>
-              </a:rPr>
-              <a:t> </a:t>
-            </a:r>
-            <a:r>
-              <a:rPr lang="en-US" sz="2700" cap="none" dirty="0" err="1">
-                <a:solidFill>
-                  <a:srgbClr val="FFFFFF"/>
-                </a:solidFill>
-              </a:rPr>
-              <a:t>sebagai</a:t>
-            </a:r>
-            <a:r>
-              <a:rPr lang="en-US" sz="2700" cap="none" dirty="0">
-                <a:solidFill>
-                  <a:srgbClr val="FFFFFF"/>
-                </a:solidFill>
-              </a:rPr>
-              <a:t> </a:t>
-            </a:r>
-            <a:r>
-              <a:rPr lang="en-US" sz="2700" cap="none" dirty="0" err="1">
-                <a:solidFill>
-                  <a:srgbClr val="FFFFFF"/>
-                </a:solidFill>
-              </a:rPr>
-              <a:t>wishlist</a:t>
-            </a:r>
-            <a:br>
-              <a:rPr lang="en-US" sz="2700" cap="none" dirty="0">
-                <a:solidFill>
-                  <a:srgbClr val="FFFFFF"/>
-                </a:solidFill>
-              </a:rPr>
-            </a:br>
-            <a:r>
-              <a:rPr lang="en-US" sz="2700" cap="none" dirty="0">
-                <a:solidFill>
-                  <a:srgbClr val="FFFFFF"/>
-                </a:solidFill>
-              </a:rPr>
-              <a:t>- </a:t>
-            </a:r>
-            <a:r>
-              <a:rPr lang="en-US" sz="2700" cap="none" dirty="0" err="1">
-                <a:solidFill>
-                  <a:srgbClr val="FFFFFF"/>
-                </a:solidFill>
-              </a:rPr>
-              <a:t>mengunakan</a:t>
-            </a:r>
-            <a:r>
-              <a:rPr lang="en-US" sz="2700" cap="none" dirty="0">
-                <a:solidFill>
-                  <a:srgbClr val="FFFFFF"/>
-                </a:solidFill>
-              </a:rPr>
-              <a:t> open </a:t>
-            </a:r>
-            <a:r>
-              <a:rPr lang="en-US" sz="2700" cap="none" dirty="0" err="1">
-                <a:solidFill>
-                  <a:srgbClr val="FFFFFF"/>
-                </a:solidFill>
-              </a:rPr>
-              <a:t>api</a:t>
-            </a:r>
-            <a:r>
-              <a:rPr lang="en-US" sz="2700" cap="none" dirty="0">
-                <a:solidFill>
-                  <a:srgbClr val="FFFFFF"/>
-                </a:solidFill>
-              </a:rPr>
-              <a:t> IMDB Movie </a:t>
-            </a:r>
-            <a:r>
-              <a:rPr lang="en-US" sz="3100" cap="none" dirty="0">
-                <a:solidFill>
-                  <a:srgbClr val="FFFFFF"/>
-                </a:solidFill>
-              </a:rPr>
-              <a:t>Database</a:t>
-            </a:r>
-            <a:endParaRPr lang="en-US" sz="3100" dirty="0">
-              <a:solidFill>
-                <a:srgbClr val="FFFFFF"/>
-              </a:solidFill>
-            </a:endParaRPr>
-          </a:p>
-        </p:txBody>
-      </p:sp>
-      <p:sp>
-        <p:nvSpPr>
-          <p:cNvPr id="3" name="Subtitle 2">
-            <a:extLst>
-              <a:ext uri="{FF2B5EF4-FFF2-40B4-BE49-F238E27FC236}">
-                <a16:creationId xmlns:a16="http://schemas.microsoft.com/office/drawing/2014/main" id="{255E1F2F-E259-4EA8-9FFD-3A10AF541859}"/>
-              </a:ext>
-            </a:extLst>
-          </p:cNvPr>
-          <p:cNvSpPr>
-            <a:spLocks noGrp="1"/>
-          </p:cNvSpPr>
-          <p:nvPr>
-            <p:ph type="subTitle" idx="1"/>
-          </p:nvPr>
-        </p:nvSpPr>
-        <p:spPr>
-          <a:xfrm>
-            <a:off x="1100051" y="5225240"/>
-            <a:ext cx="10058400" cy="1143000"/>
-          </a:xfrm>
-        </p:spPr>
-        <p:txBody>
-          <a:bodyPr>
-            <a:normAutofit/>
-          </a:bodyPr>
-          <a:lstStyle/>
-          <a:p>
-            <a:r>
-              <a:rPr lang="en-US" sz="1400" dirty="0">
-                <a:solidFill>
-                  <a:srgbClr val="FFFFFF"/>
-                </a:solidFill>
-              </a:rPr>
-              <a:t>Movie WISHLISH - </a:t>
-            </a:r>
-            <a:r>
-              <a:rPr lang="en-US" sz="1400" dirty="0" err="1">
-                <a:solidFill>
-                  <a:srgbClr val="FFFFFF"/>
-                </a:solidFill>
-              </a:rPr>
-              <a:t>Lingkup</a:t>
-            </a:r>
-            <a:endParaRPr lang="en-US" sz="1400" dirty="0">
-              <a:solidFill>
-                <a:srgbClr val="FFFFFF"/>
-              </a:solidFill>
-            </a:endParaRPr>
-          </a:p>
-        </p:txBody>
-      </p:sp>
-    </p:spTree>
-    <p:extLst>
-      <p:ext uri="{BB962C8B-B14F-4D97-AF65-F5344CB8AC3E}">
-        <p14:creationId xmlns:p14="http://schemas.microsoft.com/office/powerpoint/2010/main" val="4257353037"/>
-      </p:ext>
-    </p:extLst>
-  </p:cSld>
-  <p:clrMapOvr>
-    <a:masterClrMapping/>
-  </p:clrMapOvr>
-</p:sld>
-</file>
-
-<file path=ppt/slides/slide4.xml><?xml version="1.0" encoding="utf-8"?>
-<p:sld xmlns:a="http://schemas.openxmlformats.org/drawingml/2006/main" xmlns:r="http://schemas.openxmlformats.org/officeDocument/2006/relationships" xmlns:p="http://schemas.openxmlformats.org/presentationml/2006/main">
-  <p:cSld>
-    <p:bg>
-      <p:bgPr>
-        <a:solidFill>
-          <a:schemeClr val="bg1"/>
-        </a:solidFill>
-        <a:effectLst/>
-      </p:bgPr>
-    </p:bg>
-    <p:spTree>
-      <p:nvGrpSpPr>
-        <p:cNvPr id="1" name=""/>
-        <p:cNvGrpSpPr/>
-        <p:nvPr/>
-      </p:nvGrpSpPr>
-      <p:grpSpPr>
-        <a:xfrm>
-          <a:off x="0" y="0"/>
-          <a:ext cx="0" cy="0"/>
-          <a:chOff x="0" y="0"/>
-          <a:chExt cx="0" cy="0"/>
-        </a:xfrm>
-      </p:grpSpPr>
-      <p:sp>
-        <p:nvSpPr>
-          <p:cNvPr id="2" name="Title 1">
-            <a:extLst>
-              <a:ext uri="{FF2B5EF4-FFF2-40B4-BE49-F238E27FC236}">
-                <a16:creationId xmlns:a16="http://schemas.microsoft.com/office/drawing/2014/main" id="{9AB2EA78-AEB3-469B-9025-3B17201A457B}"/>
-              </a:ext>
-            </a:extLst>
-          </p:cNvPr>
-          <p:cNvSpPr>
-            <a:spLocks noGrp="1"/>
-          </p:cNvSpPr>
-          <p:nvPr>
-            <p:ph type="ctrTitle"/>
-          </p:nvPr>
-        </p:nvSpPr>
-        <p:spPr>
-          <a:xfrm>
-            <a:off x="1066800" y="712820"/>
-            <a:ext cx="4699000" cy="3643280"/>
-          </a:xfrm>
-        </p:spPr>
-        <p:txBody>
-          <a:bodyPr anchor="ctr">
-            <a:normAutofit/>
-          </a:bodyPr>
-          <a:lstStyle/>
-          <a:p>
-            <a:pPr lvl="0"/>
-            <a:r>
-              <a:rPr lang="en-US" sz="3200" b="1" u="sng" dirty="0">
-                <a:solidFill>
-                  <a:srgbClr val="FFFFFF"/>
-                </a:solidFill>
-              </a:rPr>
-              <a:t>ERD</a:t>
-            </a:r>
-            <a:br>
-              <a:rPr lang="en-US" sz="3200" b="1" u="sng" dirty="0">
-                <a:solidFill>
-                  <a:srgbClr val="FFFFFF"/>
-                </a:solidFill>
-              </a:rPr>
-            </a:br>
-            <a:br>
-              <a:rPr lang="en-US" sz="3200" b="1" u="sng" dirty="0">
-                <a:solidFill>
-                  <a:srgbClr val="FFFFFF"/>
-                </a:solidFill>
-              </a:rPr>
-            </a:br>
-            <a:r>
-              <a:rPr lang="en-US" sz="2400" cap="none" dirty="0" err="1">
-                <a:solidFill>
-                  <a:srgbClr val="FFFFFF"/>
-                </a:solidFill>
-              </a:rPr>
-              <a:t>T</a:t>
-            </a:r>
-            <a:r>
-              <a:rPr lang="en-US" sz="2400" cap="none" dirty="0" err="1"/>
-              <a:t>erdapat</a:t>
-            </a:r>
-            <a:r>
-              <a:rPr lang="en-US" sz="2700" cap="none" dirty="0"/>
-              <a:t> 3 table </a:t>
-            </a:r>
-            <a:r>
-              <a:rPr lang="en-US" sz="2700" cap="none" dirty="0" err="1"/>
-              <a:t>dalam</a:t>
-            </a:r>
-            <a:r>
-              <a:rPr lang="en-US" sz="2700" cap="none" dirty="0"/>
-              <a:t> </a:t>
-            </a:r>
-            <a:r>
-              <a:rPr lang="en-US" sz="2700" cap="none" dirty="0" err="1"/>
-              <a:t>satu</a:t>
-            </a:r>
-            <a:r>
-              <a:rPr lang="en-US" sz="2700" cap="none" dirty="0"/>
-              <a:t> database, </a:t>
-            </a:r>
-            <a:r>
-              <a:rPr lang="en-US" sz="2700" cap="none" dirty="0" err="1"/>
-              <a:t>yaitu</a:t>
-            </a:r>
-            <a:r>
-              <a:rPr lang="en-US" sz="2700" cap="none" dirty="0"/>
-              <a:t> :</a:t>
-            </a:r>
-            <a:br>
-              <a:rPr lang="en-US" sz="2700" cap="none" dirty="0"/>
-            </a:br>
-            <a:r>
-              <a:rPr lang="en-US" sz="2700" cap="none" dirty="0"/>
-              <a:t>1. </a:t>
-            </a:r>
-            <a:r>
-              <a:rPr lang="en-US" sz="2700" cap="none" dirty="0" err="1"/>
-              <a:t>tabel</a:t>
-            </a:r>
-            <a:r>
-              <a:rPr lang="en-US" sz="2700" cap="none" dirty="0"/>
-              <a:t> user</a:t>
-            </a:r>
-            <a:br>
-              <a:rPr lang="en-US" sz="2700" cap="none" dirty="0"/>
-            </a:br>
-            <a:r>
-              <a:rPr lang="en-US" sz="2700" cap="none" dirty="0"/>
-              <a:t>2. </a:t>
-            </a:r>
-            <a:r>
-              <a:rPr lang="en-US" sz="2700" cap="none" dirty="0" err="1"/>
-              <a:t>tabel</a:t>
-            </a:r>
-            <a:r>
-              <a:rPr lang="en-US" sz="2700" cap="none" dirty="0"/>
-              <a:t> </a:t>
-            </a:r>
-            <a:r>
-              <a:rPr lang="en-US" sz="2700" cap="none" dirty="0" err="1"/>
-              <a:t>wishlist</a:t>
-            </a:r>
-            <a:br>
-              <a:rPr lang="en-US" sz="2700" cap="none" dirty="0"/>
-            </a:br>
-            <a:r>
-              <a:rPr lang="en-US" sz="2700" cap="none" dirty="0"/>
-              <a:t>3. table link trailer movie</a:t>
-            </a:r>
-            <a:br>
-              <a:rPr lang="en-US" sz="2700" cap="none" dirty="0"/>
-            </a:br>
-            <a:br>
-              <a:rPr lang="en-US" sz="2700" cap="none" dirty="0"/>
-            </a:br>
-            <a:endParaRPr lang="en-US" sz="2700" dirty="0">
-              <a:solidFill>
-                <a:srgbClr val="FFFFFF"/>
-              </a:solidFill>
-            </a:endParaRPr>
-          </a:p>
-        </p:txBody>
-      </p:sp>
-      <p:sp>
-        <p:nvSpPr>
-          <p:cNvPr id="3" name="Subtitle 2">
-            <a:extLst>
-              <a:ext uri="{FF2B5EF4-FFF2-40B4-BE49-F238E27FC236}">
-                <a16:creationId xmlns:a16="http://schemas.microsoft.com/office/drawing/2014/main" id="{255E1F2F-E259-4EA8-9FFD-3A10AF541859}"/>
-              </a:ext>
-            </a:extLst>
-          </p:cNvPr>
-          <p:cNvSpPr>
-            <a:spLocks noGrp="1"/>
-          </p:cNvSpPr>
-          <p:nvPr>
-            <p:ph type="subTitle" idx="1"/>
-          </p:nvPr>
-        </p:nvSpPr>
-        <p:spPr>
-          <a:xfrm>
-            <a:off x="1100051" y="5225240"/>
-            <a:ext cx="10058400" cy="1143000"/>
-          </a:xfrm>
-        </p:spPr>
-        <p:txBody>
-          <a:bodyPr>
-            <a:normAutofit/>
-          </a:bodyPr>
-          <a:lstStyle/>
-          <a:p>
-            <a:r>
-              <a:rPr lang="en-US" sz="1400" dirty="0">
-                <a:solidFill>
-                  <a:srgbClr val="FFFFFF"/>
-                </a:solidFill>
-              </a:rPr>
-              <a:t>Movie WISHLISH - ERD</a:t>
-            </a:r>
-          </a:p>
-        </p:txBody>
-      </p:sp>
-      <p:pic>
-        <p:nvPicPr>
-          <p:cNvPr id="5" name="Picture 4">
-            <a:extLst>
-              <a:ext uri="{FF2B5EF4-FFF2-40B4-BE49-F238E27FC236}">
-                <a16:creationId xmlns:a16="http://schemas.microsoft.com/office/drawing/2014/main" id="{18C59408-18BD-4545-88C3-DB3179C2097C}"/>
-              </a:ext>
-            </a:extLst>
-          </p:cNvPr>
-          <p:cNvPicPr>
-            <a:picLocks noChangeAspect="1"/>
-          </p:cNvPicPr>
-          <p:nvPr/>
-        </p:nvPicPr>
-        <p:blipFill>
-          <a:blip r:embed="rId2">
-            <a:extLst>
-              <a:ext uri="{28A0092B-C50C-407E-A947-70E740481C1C}">
-                <a14:useLocalDpi xmlns:a14="http://schemas.microsoft.com/office/drawing/2010/main" val="0"/>
-              </a:ext>
-            </a:extLst>
-          </a:blip>
-          <a:srcRect l="8112" r="8112"/>
-          <a:stretch/>
-        </p:blipFill>
-        <p:spPr>
-          <a:xfrm>
-            <a:off x="5956300" y="1145618"/>
-            <a:ext cx="5360107" cy="4999562"/>
-          </a:xfrm>
-          <a:prstGeom prst="round2DiagRect">
-            <a:avLst>
-              <a:gd name="adj1" fmla="val 16667"/>
-              <a:gd name="adj2" fmla="val 0"/>
-            </a:avLst>
-          </a:prstGeom>
-          <a:ln w="88900" cap="sq">
-            <a:solidFill>
-              <a:srgbClr val="FFFFFF"/>
-            </a:solidFill>
-            <a:miter lim="800000"/>
-          </a:ln>
-          <a:effectLst>
-            <a:outerShdw blurRad="254000" algn="tl" rotWithShape="0">
-              <a:srgbClr val="000000">
-                <a:alpha val="43000"/>
-              </a:srgbClr>
-            </a:outerShdw>
-          </a:effectLst>
-        </p:spPr>
-      </p:pic>
-    </p:spTree>
-    <p:extLst>
-      <p:ext uri="{BB962C8B-B14F-4D97-AF65-F5344CB8AC3E}">
-        <p14:creationId xmlns:p14="http://schemas.microsoft.com/office/powerpoint/2010/main" val="3322046683"/>
-      </p:ext>
-    </p:extLst>
-  </p:cSld>
-  <p:clrMapOvr>
-    <a:masterClrMapping/>
-  </p:clrMapOvr>
-</p:sld>
-</file>
-
-<file path=ppt/slides/slide5.xml><?xml version="1.0" encoding="utf-8"?>
+<file path=ppt/slides/slide10.xml><?xml version="1.0" encoding="utf-8"?>
 <p:sld xmlns:a="http://schemas.openxmlformats.org/drawingml/2006/main" xmlns:r="http://schemas.openxmlformats.org/officeDocument/2006/relationships" xmlns:p="http://schemas.openxmlformats.org/presentationml/2006/main">
   <p:cSld>
     <p:bg>
@@ -8354,7 +8166,7 @@
         </p:blipFill>
         <p:spPr>
           <a:xfrm>
-            <a:off x="6220509" y="3233228"/>
+            <a:off x="6220761" y="3093933"/>
             <a:ext cx="1974025" cy="2961037"/>
           </a:xfrm>
           <a:prstGeom prst="rect">
@@ -8390,7 +8202,7 @@
         </p:blipFill>
         <p:spPr>
           <a:xfrm>
-            <a:off x="8091926" y="3033677"/>
+            <a:off x="8092178" y="2898575"/>
             <a:ext cx="1908774" cy="2685975"/>
           </a:xfrm>
           <a:prstGeom prst="rect">
@@ -8402,6 +8214,5071 @@
     <p:extLst>
       <p:ext uri="{BB962C8B-B14F-4D97-AF65-F5344CB8AC3E}">
         <p14:creationId xmlns:p14="http://schemas.microsoft.com/office/powerpoint/2010/main" val="2085466149"/>
+      </p:ext>
+    </p:extLst>
+  </p:cSld>
+  <p:clrMapOvr>
+    <a:masterClrMapping/>
+  </p:clrMapOvr>
+</p:sld>
+</file>
+
+<file path=ppt/slides/slide2.xml><?xml version="1.0" encoding="utf-8"?>
+<p:sld xmlns:a="http://schemas.openxmlformats.org/drawingml/2006/main" xmlns:r="http://schemas.openxmlformats.org/officeDocument/2006/relationships" xmlns:p="http://schemas.openxmlformats.org/presentationml/2006/main">
+  <p:cSld>
+    <p:bg>
+      <p:bgPr>
+        <a:solidFill>
+          <a:schemeClr val="bg1"/>
+        </a:solidFill>
+        <a:effectLst/>
+      </p:bgPr>
+    </p:bg>
+    <p:spTree>
+      <p:nvGrpSpPr>
+        <p:cNvPr id="1" name=""/>
+        <p:cNvGrpSpPr/>
+        <p:nvPr/>
+      </p:nvGrpSpPr>
+      <p:grpSpPr>
+        <a:xfrm>
+          <a:off x="0" y="0"/>
+          <a:ext cx="0" cy="0"/>
+          <a:chOff x="0" y="0"/>
+          <a:chExt cx="0" cy="0"/>
+        </a:xfrm>
+      </p:grpSpPr>
+      <p:sp>
+        <p:nvSpPr>
+          <p:cNvPr id="2" name="Title 1">
+            <a:extLst>
+              <a:ext uri="{FF2B5EF4-FFF2-40B4-BE49-F238E27FC236}">
+                <a16:creationId xmlns:a16="http://schemas.microsoft.com/office/drawing/2014/main" id="{9AB2EA78-AEB3-469B-9025-3B17201A457B}"/>
+              </a:ext>
+            </a:extLst>
+          </p:cNvPr>
+          <p:cNvSpPr>
+            <a:spLocks noGrp="1"/>
+          </p:cNvSpPr>
+          <p:nvPr>
+            <p:ph type="ctrTitle"/>
+          </p:nvPr>
+        </p:nvSpPr>
+        <p:spPr>
+          <a:xfrm>
+            <a:off x="1066800" y="677696"/>
+            <a:ext cx="10058400" cy="4303680"/>
+          </a:xfrm>
+        </p:spPr>
+        <p:txBody>
+          <a:bodyPr anchor="ctr">
+            <a:noAutofit/>
+          </a:bodyPr>
+          <a:lstStyle/>
+          <a:p>
+            <a:pPr lvl="0"/>
+            <a:r>
+              <a:rPr lang="en-US" sz="2800" b="1" u="sng" dirty="0" err="1"/>
+              <a:t>Landasan</a:t>
+            </a:r>
+            <a:br>
+              <a:rPr lang="en-US" sz="2800" i="1" dirty="0">
+                <a:solidFill>
+                  <a:srgbClr val="FFFFFF"/>
+                </a:solidFill>
+              </a:rPr>
+            </a:br>
+            <a:br>
+              <a:rPr lang="en-US" sz="2800" i="1" dirty="0">
+                <a:solidFill>
+                  <a:srgbClr val="FFFFFF"/>
+                </a:solidFill>
+              </a:rPr>
+            </a:br>
+            <a:r>
+              <a:rPr lang="en-US" sz="2000" i="1" cap="none" dirty="0" err="1">
+                <a:solidFill>
+                  <a:srgbClr val="FFFFFF"/>
+                </a:solidFill>
+              </a:rPr>
+              <a:t>S</a:t>
+            </a:r>
+            <a:r>
+              <a:rPr lang="en-US" sz="2000" cap="none" dirty="0" err="1">
+                <a:solidFill>
+                  <a:srgbClr val="FFFFFF"/>
+                </a:solidFill>
+              </a:rPr>
+              <a:t>ering</a:t>
+            </a:r>
+            <a:r>
+              <a:rPr lang="en-US" sz="2000" cap="none" dirty="0">
+                <a:solidFill>
+                  <a:srgbClr val="FFFFFF"/>
+                </a:solidFill>
+              </a:rPr>
+              <a:t> </a:t>
+            </a:r>
+            <a:r>
+              <a:rPr lang="en-US" sz="2000" cap="none" dirty="0" err="1">
+                <a:solidFill>
+                  <a:srgbClr val="FFFFFF"/>
+                </a:solidFill>
+              </a:rPr>
+              <a:t>dialami</a:t>
+            </a:r>
+            <a:r>
+              <a:rPr lang="en-US" sz="2000" cap="none" dirty="0">
+                <a:solidFill>
+                  <a:srgbClr val="FFFFFF"/>
+                </a:solidFill>
+              </a:rPr>
+              <a:t> </a:t>
+            </a:r>
+            <a:r>
+              <a:rPr lang="en-US" sz="2000" cap="none" dirty="0" err="1">
+                <a:solidFill>
+                  <a:srgbClr val="FFFFFF"/>
+                </a:solidFill>
+              </a:rPr>
+              <a:t>dalam</a:t>
+            </a:r>
+            <a:r>
+              <a:rPr lang="en-US" sz="2000" cap="none" dirty="0">
+                <a:solidFill>
+                  <a:srgbClr val="FFFFFF"/>
+                </a:solidFill>
+              </a:rPr>
+              <a:t> </a:t>
+            </a:r>
+            <a:r>
+              <a:rPr lang="en-US" sz="2000" cap="none" dirty="0" err="1">
+                <a:solidFill>
+                  <a:srgbClr val="FFFFFF"/>
+                </a:solidFill>
+              </a:rPr>
+              <a:t>suatu</a:t>
+            </a:r>
+            <a:r>
+              <a:rPr lang="en-US" sz="2000" cap="none" dirty="0">
+                <a:solidFill>
+                  <a:srgbClr val="FFFFFF"/>
+                </a:solidFill>
+              </a:rPr>
+              <a:t> </a:t>
+            </a:r>
+            <a:r>
+              <a:rPr lang="en-US" sz="2000" cap="none" dirty="0" err="1">
+                <a:solidFill>
+                  <a:srgbClr val="FFFFFF"/>
+                </a:solidFill>
+              </a:rPr>
+              <a:t>kondisi</a:t>
+            </a:r>
+            <a:r>
+              <a:rPr lang="en-US" sz="2000" cap="none" dirty="0">
+                <a:solidFill>
+                  <a:srgbClr val="FFFFFF"/>
+                </a:solidFill>
+              </a:rPr>
+              <a:t> </a:t>
+            </a:r>
+            <a:r>
+              <a:rPr lang="en-US" sz="2000" cap="none" dirty="0" err="1">
+                <a:solidFill>
+                  <a:srgbClr val="FFFFFF"/>
+                </a:solidFill>
+              </a:rPr>
+              <a:t>dimana</a:t>
+            </a:r>
+            <a:r>
+              <a:rPr lang="en-US" sz="2000" cap="none" dirty="0">
+                <a:solidFill>
+                  <a:srgbClr val="FFFFFF"/>
+                </a:solidFill>
+              </a:rPr>
+              <a:t> </a:t>
+            </a:r>
+            <a:r>
+              <a:rPr lang="en-US" sz="2000" cap="none" dirty="0" err="1">
+                <a:solidFill>
+                  <a:srgbClr val="FFFFFF"/>
+                </a:solidFill>
+              </a:rPr>
+              <a:t>kita</a:t>
+            </a:r>
+            <a:r>
+              <a:rPr lang="en-US" sz="2000" cap="none" dirty="0">
+                <a:solidFill>
+                  <a:srgbClr val="FFFFFF"/>
+                </a:solidFill>
+              </a:rPr>
+              <a:t> </a:t>
+            </a:r>
+            <a:r>
+              <a:rPr lang="en-US" sz="2000" cap="none" dirty="0" err="1">
+                <a:solidFill>
+                  <a:srgbClr val="FFFFFF"/>
+                </a:solidFill>
+              </a:rPr>
+              <a:t>sedang</a:t>
+            </a:r>
+            <a:r>
+              <a:rPr lang="en-US" sz="2000" cap="none" dirty="0">
+                <a:solidFill>
+                  <a:srgbClr val="FFFFFF"/>
+                </a:solidFill>
+              </a:rPr>
+              <a:t> </a:t>
+            </a:r>
+            <a:r>
+              <a:rPr lang="en-US" sz="2000" cap="none" dirty="0" err="1">
+                <a:solidFill>
+                  <a:srgbClr val="FFFFFF"/>
+                </a:solidFill>
+              </a:rPr>
+              <a:t>berkunjung</a:t>
+            </a:r>
+            <a:r>
+              <a:rPr lang="en-US" sz="2000" cap="none" dirty="0">
+                <a:solidFill>
+                  <a:srgbClr val="FFFFFF"/>
+                </a:solidFill>
+              </a:rPr>
+              <a:t> </a:t>
+            </a:r>
+            <a:r>
+              <a:rPr lang="en-US" sz="2000" cap="none" dirty="0" err="1">
+                <a:solidFill>
+                  <a:srgbClr val="FFFFFF"/>
+                </a:solidFill>
+              </a:rPr>
+              <a:t>ke</a:t>
+            </a:r>
+            <a:r>
+              <a:rPr lang="en-US" sz="2000" cap="none" dirty="0">
+                <a:solidFill>
+                  <a:srgbClr val="FFFFFF"/>
+                </a:solidFill>
+              </a:rPr>
+              <a:t> </a:t>
+            </a:r>
+            <a:r>
+              <a:rPr lang="en-US" sz="2000" cap="none" dirty="0" err="1">
+                <a:solidFill>
+                  <a:srgbClr val="FFFFFF"/>
+                </a:solidFill>
+              </a:rPr>
+              <a:t>suatu</a:t>
+            </a:r>
+            <a:r>
+              <a:rPr lang="en-US" sz="2000" cap="none" dirty="0">
+                <a:solidFill>
+                  <a:srgbClr val="FFFFFF"/>
+                </a:solidFill>
+              </a:rPr>
+              <a:t> </a:t>
+            </a:r>
+            <a:r>
+              <a:rPr lang="en-US" sz="2000" cap="none" dirty="0" err="1">
+                <a:solidFill>
+                  <a:srgbClr val="FFFFFF"/>
+                </a:solidFill>
+              </a:rPr>
+              <a:t>tempat</a:t>
+            </a:r>
+            <a:r>
+              <a:rPr lang="en-US" sz="2000" cap="none" dirty="0">
+                <a:solidFill>
+                  <a:srgbClr val="FFFFFF"/>
+                </a:solidFill>
+              </a:rPr>
+              <a:t> dan </a:t>
+            </a:r>
+            <a:r>
+              <a:rPr lang="en-US" sz="2000" cap="none" dirty="0" err="1">
+                <a:solidFill>
+                  <a:srgbClr val="FFFFFF"/>
+                </a:solidFill>
+              </a:rPr>
+              <a:t>tidak</a:t>
+            </a:r>
+            <a:r>
+              <a:rPr lang="en-US" sz="2000" cap="none" dirty="0">
+                <a:solidFill>
+                  <a:srgbClr val="FFFFFF"/>
+                </a:solidFill>
+              </a:rPr>
+              <a:t> </a:t>
+            </a:r>
+            <a:r>
+              <a:rPr lang="en-US" sz="2000" cap="none" dirty="0" err="1">
+                <a:solidFill>
+                  <a:srgbClr val="FFFFFF"/>
+                </a:solidFill>
+              </a:rPr>
+              <a:t>sengaja</a:t>
+            </a:r>
+            <a:r>
+              <a:rPr lang="en-US" sz="2000" cap="none" dirty="0">
+                <a:solidFill>
+                  <a:srgbClr val="FFFFFF"/>
+                </a:solidFill>
+              </a:rPr>
+              <a:t> </a:t>
+            </a:r>
+            <a:r>
+              <a:rPr lang="en-US" sz="2000" cap="none" dirty="0" err="1">
+                <a:solidFill>
+                  <a:srgbClr val="FFFFFF"/>
+                </a:solidFill>
+              </a:rPr>
+              <a:t>melihat</a:t>
+            </a:r>
+            <a:r>
+              <a:rPr lang="en-US" sz="2000" cap="none" dirty="0">
+                <a:solidFill>
+                  <a:srgbClr val="FFFFFF"/>
+                </a:solidFill>
+              </a:rPr>
+              <a:t> </a:t>
+            </a:r>
+            <a:r>
+              <a:rPr lang="en-US" sz="2000" cap="none" dirty="0" err="1">
+                <a:solidFill>
+                  <a:srgbClr val="FFFFFF"/>
+                </a:solidFill>
+              </a:rPr>
+              <a:t>suatu</a:t>
+            </a:r>
+            <a:r>
+              <a:rPr lang="en-US" sz="2000" cap="none" dirty="0">
+                <a:solidFill>
+                  <a:srgbClr val="FFFFFF"/>
+                </a:solidFill>
+              </a:rPr>
+              <a:t> </a:t>
+            </a:r>
+            <a:r>
+              <a:rPr lang="en-US" sz="2000" cap="none" dirty="0" err="1">
+                <a:solidFill>
+                  <a:srgbClr val="FFFFFF"/>
+                </a:solidFill>
+              </a:rPr>
+              <a:t>cuplikan</a:t>
+            </a:r>
+            <a:r>
+              <a:rPr lang="en-US" sz="2000" cap="none" dirty="0">
+                <a:solidFill>
+                  <a:srgbClr val="FFFFFF"/>
+                </a:solidFill>
+              </a:rPr>
+              <a:t> film yang </a:t>
+            </a:r>
+            <a:r>
+              <a:rPr lang="en-US" sz="2000" cap="none" dirty="0" err="1">
+                <a:solidFill>
+                  <a:srgbClr val="FFFFFF"/>
+                </a:solidFill>
+              </a:rPr>
+              <a:t>cukup</a:t>
+            </a:r>
+            <a:r>
+              <a:rPr lang="en-US" sz="2000" cap="none" dirty="0">
+                <a:solidFill>
+                  <a:srgbClr val="FFFFFF"/>
+                </a:solidFill>
+              </a:rPr>
+              <a:t> </a:t>
+            </a:r>
+            <a:r>
+              <a:rPr lang="en-US" sz="2000" cap="none" dirty="0" err="1">
+                <a:solidFill>
+                  <a:srgbClr val="FFFFFF"/>
+                </a:solidFill>
+              </a:rPr>
+              <a:t>menarik</a:t>
+            </a:r>
+            <a:r>
+              <a:rPr lang="en-US" sz="2000" cap="none" dirty="0">
+                <a:solidFill>
+                  <a:srgbClr val="FFFFFF"/>
+                </a:solidFill>
+              </a:rPr>
+              <a:t>, </a:t>
+            </a:r>
+            <a:r>
+              <a:rPr lang="en-US" sz="2000" cap="none" dirty="0" err="1">
+                <a:solidFill>
+                  <a:srgbClr val="FFFFFF"/>
+                </a:solidFill>
+              </a:rPr>
+              <a:t>namun</a:t>
+            </a:r>
+            <a:r>
+              <a:rPr lang="en-US" sz="2000" cap="none" dirty="0">
+                <a:solidFill>
+                  <a:srgbClr val="FFFFFF"/>
+                </a:solidFill>
+              </a:rPr>
+              <a:t> </a:t>
+            </a:r>
+            <a:r>
+              <a:rPr lang="en-US" sz="2000" cap="none" dirty="0" err="1">
+                <a:solidFill>
+                  <a:srgbClr val="FFFFFF"/>
+                </a:solidFill>
+              </a:rPr>
+              <a:t>saat</a:t>
+            </a:r>
+            <a:r>
+              <a:rPr lang="en-US" sz="2000" cap="none" dirty="0">
+                <a:solidFill>
+                  <a:srgbClr val="FFFFFF"/>
+                </a:solidFill>
+              </a:rPr>
+              <a:t> </a:t>
+            </a:r>
+            <a:r>
+              <a:rPr lang="en-US" sz="2000" cap="none" dirty="0" err="1">
+                <a:solidFill>
+                  <a:srgbClr val="FFFFFF"/>
+                </a:solidFill>
+              </a:rPr>
+              <a:t>itu</a:t>
+            </a:r>
+            <a:r>
+              <a:rPr lang="en-US" sz="2000" cap="none" dirty="0">
+                <a:solidFill>
+                  <a:srgbClr val="FFFFFF"/>
+                </a:solidFill>
+              </a:rPr>
+              <a:t> </a:t>
+            </a:r>
+            <a:r>
+              <a:rPr lang="en-US" sz="2000" cap="none" dirty="0" err="1">
+                <a:solidFill>
+                  <a:srgbClr val="FFFFFF"/>
+                </a:solidFill>
+              </a:rPr>
+              <a:t>kita</a:t>
+            </a:r>
+            <a:r>
+              <a:rPr lang="en-US" sz="2000" cap="none" dirty="0">
+                <a:solidFill>
+                  <a:srgbClr val="FFFFFF"/>
+                </a:solidFill>
+              </a:rPr>
+              <a:t> </a:t>
+            </a:r>
+            <a:r>
+              <a:rPr lang="en-US" sz="2000" cap="none" dirty="0" err="1">
+                <a:solidFill>
+                  <a:srgbClr val="FFFFFF"/>
+                </a:solidFill>
+              </a:rPr>
+              <a:t>sedang</a:t>
+            </a:r>
+            <a:r>
+              <a:rPr lang="en-US" sz="2000" cap="none" dirty="0">
+                <a:solidFill>
+                  <a:srgbClr val="FFFFFF"/>
+                </a:solidFill>
+              </a:rPr>
+              <a:t> </a:t>
+            </a:r>
+            <a:r>
+              <a:rPr lang="en-US" sz="2000" cap="none" dirty="0" err="1">
+                <a:solidFill>
+                  <a:srgbClr val="FFFFFF"/>
+                </a:solidFill>
+              </a:rPr>
+              <a:t>tidak</a:t>
+            </a:r>
+            <a:r>
+              <a:rPr lang="en-US" sz="2000" cap="none" dirty="0">
+                <a:solidFill>
+                  <a:srgbClr val="FFFFFF"/>
+                </a:solidFill>
+              </a:rPr>
+              <a:t> </a:t>
+            </a:r>
+            <a:r>
+              <a:rPr lang="en-US" sz="2000" cap="none" dirty="0" err="1">
+                <a:solidFill>
+                  <a:srgbClr val="FFFFFF"/>
+                </a:solidFill>
+              </a:rPr>
+              <a:t>mempunyai</a:t>
+            </a:r>
+            <a:r>
+              <a:rPr lang="en-US" sz="2000" cap="none" dirty="0">
+                <a:solidFill>
+                  <a:srgbClr val="FFFFFF"/>
+                </a:solidFill>
+              </a:rPr>
+              <a:t> </a:t>
+            </a:r>
+            <a:r>
+              <a:rPr lang="en-US" sz="2000" cap="none" dirty="0" err="1">
+                <a:solidFill>
+                  <a:srgbClr val="FFFFFF"/>
+                </a:solidFill>
+              </a:rPr>
+              <a:t>waktu</a:t>
+            </a:r>
+            <a:r>
+              <a:rPr lang="en-US" sz="2000" cap="none" dirty="0">
+                <a:solidFill>
+                  <a:srgbClr val="FFFFFF"/>
+                </a:solidFill>
+              </a:rPr>
+              <a:t> </a:t>
+            </a:r>
+            <a:r>
+              <a:rPr lang="en-US" sz="2000" cap="none" dirty="0" err="1">
+                <a:solidFill>
+                  <a:srgbClr val="FFFFFF"/>
+                </a:solidFill>
+              </a:rPr>
+              <a:t>untuk</a:t>
+            </a:r>
+            <a:r>
+              <a:rPr lang="en-US" sz="2000" cap="none" dirty="0">
+                <a:solidFill>
+                  <a:srgbClr val="FFFFFF"/>
+                </a:solidFill>
+              </a:rPr>
+              <a:t> </a:t>
+            </a:r>
+            <a:r>
+              <a:rPr lang="en-US" sz="2000" cap="none" dirty="0" err="1">
+                <a:solidFill>
+                  <a:srgbClr val="FFFFFF"/>
+                </a:solidFill>
+              </a:rPr>
+              <a:t>tetap</a:t>
+            </a:r>
+            <a:r>
+              <a:rPr lang="en-US" sz="2000" cap="none" dirty="0">
+                <a:solidFill>
+                  <a:srgbClr val="FFFFFF"/>
+                </a:solidFill>
+              </a:rPr>
+              <a:t> </a:t>
+            </a:r>
+            <a:r>
+              <a:rPr lang="en-US" sz="2000" cap="none" dirty="0" err="1">
+                <a:solidFill>
+                  <a:srgbClr val="FFFFFF"/>
+                </a:solidFill>
+              </a:rPr>
+              <a:t>melanjutkan</a:t>
+            </a:r>
+            <a:r>
+              <a:rPr lang="en-US" sz="2000" cap="none" dirty="0">
+                <a:solidFill>
+                  <a:srgbClr val="FFFFFF"/>
+                </a:solidFill>
+              </a:rPr>
+              <a:t> </a:t>
+            </a:r>
+            <a:r>
+              <a:rPr lang="en-US" sz="2000" cap="none" dirty="0" err="1">
+                <a:solidFill>
+                  <a:srgbClr val="FFFFFF"/>
+                </a:solidFill>
+              </a:rPr>
+              <a:t>melihat</a:t>
+            </a:r>
+            <a:r>
+              <a:rPr lang="en-US" sz="2000" cap="none" dirty="0">
+                <a:solidFill>
+                  <a:srgbClr val="FFFFFF"/>
+                </a:solidFill>
+              </a:rPr>
+              <a:t> </a:t>
+            </a:r>
+            <a:r>
+              <a:rPr lang="en-US" sz="2000" cap="none" dirty="0" err="1">
+                <a:solidFill>
+                  <a:srgbClr val="FFFFFF"/>
+                </a:solidFill>
+              </a:rPr>
+              <a:t>cuplikan</a:t>
+            </a:r>
+            <a:r>
+              <a:rPr lang="en-US" sz="2000" cap="none" dirty="0">
+                <a:solidFill>
+                  <a:srgbClr val="FFFFFF"/>
+                </a:solidFill>
+              </a:rPr>
+              <a:t> </a:t>
+            </a:r>
+            <a:r>
+              <a:rPr lang="en-US" sz="2000" cap="none" dirty="0" err="1">
+                <a:solidFill>
+                  <a:srgbClr val="FFFFFF"/>
+                </a:solidFill>
+              </a:rPr>
+              <a:t>utuh</a:t>
+            </a:r>
+            <a:r>
+              <a:rPr lang="en-US" sz="2000" cap="none" dirty="0">
+                <a:solidFill>
+                  <a:srgbClr val="FFFFFF"/>
+                </a:solidFill>
+              </a:rPr>
+              <a:t> </a:t>
+            </a:r>
+            <a:r>
+              <a:rPr lang="en-US" sz="2000" cap="none" dirty="0" err="1">
+                <a:solidFill>
+                  <a:srgbClr val="FFFFFF"/>
+                </a:solidFill>
+              </a:rPr>
+              <a:t>dari</a:t>
+            </a:r>
+            <a:r>
+              <a:rPr lang="en-US" sz="2000" cap="none" dirty="0">
+                <a:solidFill>
+                  <a:srgbClr val="FFFFFF"/>
+                </a:solidFill>
+              </a:rPr>
+              <a:t> film </a:t>
+            </a:r>
+            <a:r>
+              <a:rPr lang="en-US" sz="2000" cap="none" dirty="0" err="1">
+                <a:solidFill>
+                  <a:srgbClr val="FFFFFF"/>
+                </a:solidFill>
+              </a:rPr>
+              <a:t>tersebut</a:t>
+            </a:r>
+            <a:r>
+              <a:rPr lang="en-US" sz="2000" cap="none" dirty="0">
+                <a:solidFill>
+                  <a:srgbClr val="FFFFFF"/>
+                </a:solidFill>
+              </a:rPr>
+              <a:t>, dan </a:t>
+            </a:r>
+            <a:r>
+              <a:rPr lang="en-US" sz="2000" cap="none" dirty="0" err="1">
+                <a:solidFill>
+                  <a:srgbClr val="FFFFFF"/>
+                </a:solidFill>
+              </a:rPr>
+              <a:t>berencana</a:t>
+            </a:r>
+            <a:r>
+              <a:rPr lang="en-US" sz="2000" cap="none" dirty="0">
+                <a:solidFill>
+                  <a:srgbClr val="FFFFFF"/>
+                </a:solidFill>
+              </a:rPr>
+              <a:t> </a:t>
+            </a:r>
+            <a:r>
+              <a:rPr lang="en-US" sz="2000" cap="none" dirty="0" err="1">
+                <a:solidFill>
+                  <a:srgbClr val="FFFFFF"/>
+                </a:solidFill>
+              </a:rPr>
+              <a:t>untuk</a:t>
+            </a:r>
+            <a:r>
+              <a:rPr lang="en-US" sz="2000" cap="none" dirty="0">
+                <a:solidFill>
+                  <a:srgbClr val="FFFFFF"/>
+                </a:solidFill>
+              </a:rPr>
+              <a:t> </a:t>
+            </a:r>
+            <a:r>
+              <a:rPr lang="en-US" sz="2000" cap="none" dirty="0" err="1">
+                <a:solidFill>
+                  <a:srgbClr val="FFFFFF"/>
+                </a:solidFill>
+              </a:rPr>
+              <a:t>melihat</a:t>
+            </a:r>
+            <a:r>
+              <a:rPr lang="en-US" sz="2000" cap="none" dirty="0">
+                <a:solidFill>
+                  <a:srgbClr val="FFFFFF"/>
+                </a:solidFill>
+              </a:rPr>
+              <a:t> </a:t>
+            </a:r>
+            <a:r>
+              <a:rPr lang="en-US" sz="2000" cap="none" dirty="0" err="1">
+                <a:solidFill>
+                  <a:srgbClr val="FFFFFF"/>
+                </a:solidFill>
+              </a:rPr>
+              <a:t>kelanjutannya</a:t>
+            </a:r>
+            <a:r>
+              <a:rPr lang="en-US" sz="2000" cap="none" dirty="0">
+                <a:solidFill>
+                  <a:srgbClr val="FFFFFF"/>
+                </a:solidFill>
+              </a:rPr>
+              <a:t> pada </a:t>
+            </a:r>
+            <a:r>
+              <a:rPr lang="en-US" sz="2000" cap="none" dirty="0" err="1">
+                <a:solidFill>
+                  <a:srgbClr val="FFFFFF"/>
+                </a:solidFill>
+              </a:rPr>
+              <a:t>saat</a:t>
+            </a:r>
+            <a:r>
+              <a:rPr lang="en-US" sz="2000" cap="none" dirty="0">
+                <a:solidFill>
+                  <a:srgbClr val="FFFFFF"/>
+                </a:solidFill>
+              </a:rPr>
+              <a:t> </a:t>
+            </a:r>
+            <a:r>
+              <a:rPr lang="en-US" sz="2000" cap="none" dirty="0" err="1">
+                <a:solidFill>
+                  <a:srgbClr val="FFFFFF"/>
+                </a:solidFill>
+              </a:rPr>
+              <a:t>kita</a:t>
+            </a:r>
+            <a:r>
+              <a:rPr lang="en-US" sz="2000" cap="none" dirty="0">
+                <a:solidFill>
+                  <a:srgbClr val="FFFFFF"/>
+                </a:solidFill>
+              </a:rPr>
+              <a:t> </a:t>
+            </a:r>
+            <a:r>
+              <a:rPr lang="en-US" sz="2000" cap="none" dirty="0" err="1">
+                <a:solidFill>
+                  <a:srgbClr val="FFFFFF"/>
+                </a:solidFill>
+              </a:rPr>
+              <a:t>memiliki</a:t>
+            </a:r>
+            <a:r>
+              <a:rPr lang="en-US" sz="2000" cap="none" dirty="0">
+                <a:solidFill>
+                  <a:srgbClr val="FFFFFF"/>
+                </a:solidFill>
+              </a:rPr>
+              <a:t> </a:t>
+            </a:r>
+            <a:r>
+              <a:rPr lang="en-US" sz="2000" cap="none" dirty="0" err="1">
+                <a:solidFill>
+                  <a:srgbClr val="FFFFFF"/>
+                </a:solidFill>
+              </a:rPr>
+              <a:t>cukup</a:t>
+            </a:r>
+            <a:r>
+              <a:rPr lang="en-US" sz="2000" cap="none" dirty="0">
+                <a:solidFill>
+                  <a:srgbClr val="FFFFFF"/>
+                </a:solidFill>
+              </a:rPr>
+              <a:t> </a:t>
+            </a:r>
+            <a:r>
+              <a:rPr lang="en-US" sz="2000" cap="none" dirty="0" err="1">
+                <a:solidFill>
+                  <a:srgbClr val="FFFFFF"/>
+                </a:solidFill>
+              </a:rPr>
+              <a:t>waktu</a:t>
+            </a:r>
+            <a:r>
+              <a:rPr lang="en-US" sz="2000" cap="none" dirty="0">
+                <a:solidFill>
+                  <a:srgbClr val="FFFFFF"/>
+                </a:solidFill>
+              </a:rPr>
+              <a:t> </a:t>
+            </a:r>
+            <a:r>
+              <a:rPr lang="en-US" sz="2000" cap="none" dirty="0" err="1">
+                <a:solidFill>
+                  <a:srgbClr val="FFFFFF"/>
+                </a:solidFill>
+              </a:rPr>
+              <a:t>untuk</a:t>
+            </a:r>
+            <a:r>
+              <a:rPr lang="en-US" sz="2000" cap="none" dirty="0">
+                <a:solidFill>
+                  <a:srgbClr val="FFFFFF"/>
+                </a:solidFill>
+              </a:rPr>
+              <a:t> </a:t>
+            </a:r>
+            <a:r>
+              <a:rPr lang="en-US" sz="2000" cap="none" dirty="0" err="1">
+                <a:solidFill>
+                  <a:srgbClr val="FFFFFF"/>
+                </a:solidFill>
+              </a:rPr>
+              <a:t>melihat</a:t>
+            </a:r>
+            <a:r>
+              <a:rPr lang="en-US" sz="2000" cap="none" dirty="0">
+                <a:solidFill>
+                  <a:srgbClr val="FFFFFF"/>
+                </a:solidFill>
+              </a:rPr>
+              <a:t> dan </a:t>
+            </a:r>
+            <a:r>
+              <a:rPr lang="en-US" sz="2000" cap="none" dirty="0" err="1">
+                <a:solidFill>
+                  <a:srgbClr val="FFFFFF"/>
+                </a:solidFill>
+              </a:rPr>
+              <a:t>melanjutkan</a:t>
+            </a:r>
+            <a:r>
+              <a:rPr lang="en-US" sz="2000" cap="none" dirty="0">
+                <a:solidFill>
+                  <a:srgbClr val="FFFFFF"/>
+                </a:solidFill>
+              </a:rPr>
+              <a:t> </a:t>
+            </a:r>
+            <a:r>
+              <a:rPr lang="en-US" sz="2000" cap="none" dirty="0" err="1">
+                <a:solidFill>
+                  <a:srgbClr val="FFFFFF"/>
+                </a:solidFill>
+              </a:rPr>
+              <a:t>cuplikan</a:t>
+            </a:r>
+            <a:r>
+              <a:rPr lang="en-US" sz="2000" cap="none" dirty="0">
+                <a:solidFill>
+                  <a:srgbClr val="FFFFFF"/>
+                </a:solidFill>
+              </a:rPr>
+              <a:t> </a:t>
+            </a:r>
+            <a:r>
+              <a:rPr lang="en-US" sz="2000" cap="none" dirty="0" err="1">
+                <a:solidFill>
+                  <a:srgbClr val="FFFFFF"/>
+                </a:solidFill>
+              </a:rPr>
+              <a:t>tersebut</a:t>
+            </a:r>
+            <a:r>
+              <a:rPr lang="en-US" sz="2000" cap="none" dirty="0">
+                <a:solidFill>
+                  <a:srgbClr val="FFFFFF"/>
+                </a:solidFill>
+              </a:rPr>
+              <a:t>. </a:t>
+            </a:r>
+            <a:r>
+              <a:rPr lang="en-US" sz="2000" cap="none" dirty="0" err="1">
+                <a:solidFill>
+                  <a:srgbClr val="FFFFFF"/>
+                </a:solidFill>
+              </a:rPr>
+              <a:t>Terkadang</a:t>
+            </a:r>
+            <a:r>
+              <a:rPr lang="en-US" sz="2000" cap="none" dirty="0">
+                <a:solidFill>
+                  <a:srgbClr val="FFFFFF"/>
+                </a:solidFill>
+              </a:rPr>
+              <a:t> </a:t>
+            </a:r>
+            <a:r>
+              <a:rPr lang="en-US" sz="2000" cap="none" dirty="0" err="1">
+                <a:solidFill>
+                  <a:srgbClr val="FFFFFF"/>
+                </a:solidFill>
+              </a:rPr>
+              <a:t>jika</a:t>
+            </a:r>
+            <a:r>
+              <a:rPr lang="en-US" sz="2000" cap="none" dirty="0">
+                <a:solidFill>
+                  <a:srgbClr val="FFFFFF"/>
+                </a:solidFill>
+              </a:rPr>
+              <a:t> </a:t>
+            </a:r>
+            <a:r>
+              <a:rPr lang="en-US" sz="2000" cap="none" dirty="0" err="1">
+                <a:solidFill>
+                  <a:srgbClr val="FFFFFF"/>
+                </a:solidFill>
+              </a:rPr>
+              <a:t>kita</a:t>
+            </a:r>
+            <a:r>
+              <a:rPr lang="en-US" sz="2000" cap="none" dirty="0">
+                <a:solidFill>
+                  <a:srgbClr val="FFFFFF"/>
+                </a:solidFill>
+              </a:rPr>
+              <a:t> </a:t>
+            </a:r>
+            <a:r>
+              <a:rPr lang="en-US" sz="2000" cap="none" dirty="0" err="1">
+                <a:solidFill>
+                  <a:srgbClr val="FFFFFF"/>
+                </a:solidFill>
+              </a:rPr>
+              <a:t>hanya</a:t>
+            </a:r>
+            <a:r>
+              <a:rPr lang="en-US" sz="2000" cap="none" dirty="0">
+                <a:solidFill>
+                  <a:srgbClr val="FFFFFF"/>
+                </a:solidFill>
+              </a:rPr>
+              <a:t> </a:t>
+            </a:r>
+            <a:r>
+              <a:rPr lang="en-US" sz="2000" cap="none" dirty="0" err="1">
+                <a:solidFill>
+                  <a:srgbClr val="FFFFFF"/>
+                </a:solidFill>
+              </a:rPr>
+              <a:t>mengingat</a:t>
+            </a:r>
+            <a:r>
+              <a:rPr lang="en-US" sz="2000" cap="none" dirty="0">
+                <a:solidFill>
+                  <a:srgbClr val="FFFFFF"/>
+                </a:solidFill>
+              </a:rPr>
+              <a:t> </a:t>
+            </a:r>
+            <a:r>
+              <a:rPr lang="en-US" sz="2000" cap="none" dirty="0" err="1">
+                <a:solidFill>
+                  <a:srgbClr val="FFFFFF"/>
+                </a:solidFill>
+              </a:rPr>
+              <a:t>judul</a:t>
+            </a:r>
+            <a:r>
+              <a:rPr lang="en-US" sz="2000" cap="none" dirty="0">
+                <a:solidFill>
+                  <a:srgbClr val="FFFFFF"/>
+                </a:solidFill>
+              </a:rPr>
+              <a:t> </a:t>
+            </a:r>
+            <a:r>
+              <a:rPr lang="en-US" sz="2000" cap="none" dirty="0" err="1">
+                <a:solidFill>
+                  <a:srgbClr val="FFFFFF"/>
+                </a:solidFill>
+              </a:rPr>
+              <a:t>dari</a:t>
+            </a:r>
+            <a:r>
+              <a:rPr lang="en-US" sz="2000" cap="none" dirty="0">
+                <a:solidFill>
+                  <a:srgbClr val="FFFFFF"/>
+                </a:solidFill>
+              </a:rPr>
+              <a:t> film </a:t>
+            </a:r>
+            <a:r>
+              <a:rPr lang="en-US" sz="2000" cap="none" dirty="0" err="1">
+                <a:solidFill>
+                  <a:srgbClr val="FFFFFF"/>
+                </a:solidFill>
+              </a:rPr>
+              <a:t>tersebut</a:t>
+            </a:r>
+            <a:r>
+              <a:rPr lang="en-US" sz="2000" cap="none" dirty="0">
+                <a:solidFill>
+                  <a:srgbClr val="FFFFFF"/>
+                </a:solidFill>
+              </a:rPr>
+              <a:t>, </a:t>
+            </a:r>
+            <a:r>
+              <a:rPr lang="en-US" sz="2000" cap="none" dirty="0" err="1">
+                <a:solidFill>
+                  <a:srgbClr val="FFFFFF"/>
+                </a:solidFill>
+              </a:rPr>
+              <a:t>sering</a:t>
+            </a:r>
+            <a:r>
+              <a:rPr lang="en-US" sz="2000" cap="none" dirty="0">
+                <a:solidFill>
+                  <a:srgbClr val="FFFFFF"/>
+                </a:solidFill>
+              </a:rPr>
+              <a:t> kali </a:t>
+            </a:r>
+            <a:r>
+              <a:rPr lang="en-US" sz="2000" cap="none" dirty="0" err="1">
+                <a:solidFill>
+                  <a:srgbClr val="FFFFFF"/>
+                </a:solidFill>
+              </a:rPr>
+              <a:t>kita</a:t>
+            </a:r>
+            <a:r>
+              <a:rPr lang="en-US" sz="2000" cap="none" dirty="0">
+                <a:solidFill>
+                  <a:srgbClr val="FFFFFF"/>
+                </a:solidFill>
+              </a:rPr>
+              <a:t> juga </a:t>
+            </a:r>
+            <a:r>
+              <a:rPr lang="en-US" sz="2000" cap="none" dirty="0" err="1">
+                <a:solidFill>
+                  <a:srgbClr val="FFFFFF"/>
+                </a:solidFill>
+              </a:rPr>
+              <a:t>melupakan</a:t>
+            </a:r>
+            <a:r>
+              <a:rPr lang="en-US" sz="2000" cap="none" dirty="0">
+                <a:solidFill>
+                  <a:srgbClr val="FFFFFF"/>
+                </a:solidFill>
+              </a:rPr>
+              <a:t> </a:t>
+            </a:r>
+            <a:r>
+              <a:rPr lang="en-US" sz="2000" cap="none" dirty="0" err="1">
+                <a:solidFill>
+                  <a:srgbClr val="FFFFFF"/>
+                </a:solidFill>
+              </a:rPr>
+              <a:t>judul</a:t>
+            </a:r>
+            <a:r>
+              <a:rPr lang="en-US" sz="2000" cap="none" dirty="0">
+                <a:solidFill>
+                  <a:srgbClr val="FFFFFF"/>
+                </a:solidFill>
+              </a:rPr>
+              <a:t> </a:t>
+            </a:r>
+            <a:r>
+              <a:rPr lang="en-US" sz="2000" cap="none" dirty="0" err="1">
+                <a:solidFill>
+                  <a:srgbClr val="FFFFFF"/>
+                </a:solidFill>
+              </a:rPr>
+              <a:t>dari</a:t>
+            </a:r>
+            <a:r>
+              <a:rPr lang="en-US" sz="2000" cap="none" dirty="0">
+                <a:solidFill>
+                  <a:srgbClr val="FFFFFF"/>
+                </a:solidFill>
+              </a:rPr>
+              <a:t> film </a:t>
+            </a:r>
+            <a:r>
+              <a:rPr lang="en-US" sz="2000" cap="none" dirty="0" err="1">
+                <a:solidFill>
+                  <a:srgbClr val="FFFFFF"/>
+                </a:solidFill>
+              </a:rPr>
+              <a:t>tersebut</a:t>
+            </a:r>
+            <a:r>
+              <a:rPr lang="en-US" sz="2000" cap="none" dirty="0">
+                <a:solidFill>
+                  <a:srgbClr val="FFFFFF"/>
+                </a:solidFill>
+              </a:rPr>
+              <a:t>. </a:t>
+            </a:r>
+            <a:r>
+              <a:rPr lang="en-US" sz="2000" cap="none" dirty="0" err="1">
+                <a:solidFill>
+                  <a:srgbClr val="FFFFFF"/>
+                </a:solidFill>
+              </a:rPr>
+              <a:t>Dengan</a:t>
+            </a:r>
+            <a:r>
+              <a:rPr lang="en-US" sz="2000" cap="none" dirty="0">
+                <a:solidFill>
+                  <a:srgbClr val="FFFFFF"/>
+                </a:solidFill>
+              </a:rPr>
+              <a:t> </a:t>
+            </a:r>
+            <a:r>
+              <a:rPr lang="en-US" sz="2000" cap="none" dirty="0" err="1">
+                <a:solidFill>
+                  <a:srgbClr val="FFFFFF"/>
+                </a:solidFill>
+              </a:rPr>
+              <a:t>alasan</a:t>
+            </a:r>
+            <a:r>
+              <a:rPr lang="en-US" sz="2000" cap="none" dirty="0">
+                <a:solidFill>
+                  <a:srgbClr val="FFFFFF"/>
+                </a:solidFill>
+              </a:rPr>
+              <a:t> </a:t>
+            </a:r>
+            <a:r>
+              <a:rPr lang="en-US" sz="2000" cap="none" dirty="0" err="1">
+                <a:solidFill>
+                  <a:srgbClr val="FFFFFF"/>
+                </a:solidFill>
+              </a:rPr>
+              <a:t>tersebut</a:t>
+            </a:r>
+            <a:r>
+              <a:rPr lang="en-US" sz="2000" cap="none" dirty="0">
+                <a:solidFill>
+                  <a:srgbClr val="FFFFFF"/>
+                </a:solidFill>
+              </a:rPr>
+              <a:t>, </a:t>
+            </a:r>
+            <a:r>
+              <a:rPr lang="en-US" sz="2000" cap="none" dirty="0" err="1">
+                <a:solidFill>
+                  <a:srgbClr val="FFFFFF"/>
+                </a:solidFill>
+              </a:rPr>
+              <a:t>maka</a:t>
+            </a:r>
+            <a:r>
+              <a:rPr lang="en-US" sz="2000" cap="none" dirty="0">
+                <a:solidFill>
+                  <a:srgbClr val="FFFFFF"/>
+                </a:solidFill>
+              </a:rPr>
+              <a:t> </a:t>
+            </a:r>
+            <a:r>
+              <a:rPr lang="en-US" sz="2000" cap="none" dirty="0" err="1">
+                <a:solidFill>
+                  <a:srgbClr val="FFFFFF"/>
+                </a:solidFill>
+              </a:rPr>
+              <a:t>muncul</a:t>
+            </a:r>
+            <a:r>
+              <a:rPr lang="en-US" sz="2000" cap="none" dirty="0">
+                <a:solidFill>
+                  <a:srgbClr val="FFFFFF"/>
+                </a:solidFill>
+              </a:rPr>
+              <a:t> </a:t>
+            </a:r>
+            <a:r>
+              <a:rPr lang="en-US" sz="2000" cap="none" dirty="0" err="1">
+                <a:solidFill>
+                  <a:srgbClr val="FFFFFF"/>
+                </a:solidFill>
+              </a:rPr>
+              <a:t>sebuah</a:t>
+            </a:r>
+            <a:r>
+              <a:rPr lang="en-US" sz="2000" cap="none" dirty="0">
+                <a:solidFill>
+                  <a:srgbClr val="FFFFFF"/>
+                </a:solidFill>
+              </a:rPr>
+              <a:t> ide </a:t>
+            </a:r>
+            <a:r>
+              <a:rPr lang="en-US" sz="2000" cap="none" dirty="0" err="1">
+                <a:solidFill>
+                  <a:srgbClr val="FFFFFF"/>
+                </a:solidFill>
+              </a:rPr>
+              <a:t>untuk</a:t>
+            </a:r>
+            <a:r>
+              <a:rPr lang="en-US" sz="2000" cap="none" dirty="0">
+                <a:solidFill>
+                  <a:srgbClr val="FFFFFF"/>
+                </a:solidFill>
+              </a:rPr>
+              <a:t> </a:t>
+            </a:r>
+            <a:r>
+              <a:rPr lang="en-US" sz="2000" cap="none" dirty="0" err="1">
+                <a:solidFill>
+                  <a:srgbClr val="FFFFFF"/>
+                </a:solidFill>
+              </a:rPr>
+              <a:t>mengatasi</a:t>
+            </a:r>
+            <a:r>
+              <a:rPr lang="en-US" sz="2000" cap="none" dirty="0">
+                <a:solidFill>
+                  <a:srgbClr val="FFFFFF"/>
+                </a:solidFill>
+              </a:rPr>
+              <a:t> </a:t>
+            </a:r>
+            <a:r>
+              <a:rPr lang="en-US" sz="2000" cap="none" dirty="0" err="1">
+                <a:solidFill>
+                  <a:srgbClr val="FFFFFF"/>
+                </a:solidFill>
+              </a:rPr>
+              <a:t>hal</a:t>
+            </a:r>
+            <a:r>
+              <a:rPr lang="en-US" sz="2000" cap="none" dirty="0">
+                <a:solidFill>
+                  <a:srgbClr val="FFFFFF"/>
+                </a:solidFill>
+              </a:rPr>
+              <a:t> </a:t>
+            </a:r>
+            <a:r>
+              <a:rPr lang="en-US" sz="2000" cap="none" dirty="0" err="1">
+                <a:solidFill>
+                  <a:srgbClr val="FFFFFF"/>
+                </a:solidFill>
+              </a:rPr>
+              <a:t>tersebut</a:t>
+            </a:r>
+            <a:r>
+              <a:rPr lang="en-US" sz="2000" cap="none" dirty="0">
+                <a:solidFill>
+                  <a:srgbClr val="FFFFFF"/>
+                </a:solidFill>
+              </a:rPr>
+              <a:t> </a:t>
+            </a:r>
+            <a:r>
+              <a:rPr lang="en-US" sz="2000" cap="none" dirty="0" err="1">
+                <a:solidFill>
+                  <a:srgbClr val="FFFFFF"/>
+                </a:solidFill>
+              </a:rPr>
+              <a:t>yaitu</a:t>
+            </a:r>
+            <a:r>
+              <a:rPr lang="en-US" sz="2000" cap="none" dirty="0">
+                <a:solidFill>
+                  <a:srgbClr val="FFFFFF"/>
+                </a:solidFill>
+              </a:rPr>
+              <a:t> </a:t>
+            </a:r>
+            <a:r>
+              <a:rPr lang="en-US" sz="2000" cap="none" dirty="0" err="1">
+                <a:solidFill>
+                  <a:srgbClr val="FFFFFF"/>
+                </a:solidFill>
+              </a:rPr>
+              <a:t>membuat</a:t>
+            </a:r>
+            <a:r>
+              <a:rPr lang="en-US" sz="2000" cap="none" dirty="0">
+                <a:solidFill>
+                  <a:srgbClr val="FFFFFF"/>
+                </a:solidFill>
+              </a:rPr>
+              <a:t> </a:t>
+            </a:r>
+            <a:r>
+              <a:rPr lang="en-US" sz="2000" cap="none" dirty="0" err="1">
+                <a:solidFill>
+                  <a:srgbClr val="FFFFFF"/>
+                </a:solidFill>
+              </a:rPr>
+              <a:t>suatu</a:t>
+            </a:r>
+            <a:r>
+              <a:rPr lang="en-US" sz="2000" cap="none" dirty="0">
+                <a:solidFill>
+                  <a:srgbClr val="FFFFFF"/>
+                </a:solidFill>
+              </a:rPr>
+              <a:t> </a:t>
+            </a:r>
+            <a:r>
+              <a:rPr lang="en-US" sz="2000" cap="none" dirty="0" err="1">
+                <a:solidFill>
+                  <a:srgbClr val="FFFFFF"/>
+                </a:solidFill>
+              </a:rPr>
+              <a:t>aplikasi</a:t>
+            </a:r>
+            <a:r>
+              <a:rPr lang="en-US" sz="2000" cap="none" dirty="0">
+                <a:solidFill>
+                  <a:srgbClr val="FFFFFF"/>
+                </a:solidFill>
+              </a:rPr>
+              <a:t> yang </a:t>
+            </a:r>
+            <a:r>
+              <a:rPr lang="en-US" sz="2000" cap="none" dirty="0" err="1">
+                <a:solidFill>
+                  <a:srgbClr val="FFFFFF"/>
+                </a:solidFill>
+              </a:rPr>
+              <a:t>dapat</a:t>
+            </a:r>
+            <a:r>
+              <a:rPr lang="en-US" sz="2000" cap="none" dirty="0">
+                <a:solidFill>
+                  <a:srgbClr val="FFFFFF"/>
+                </a:solidFill>
+              </a:rPr>
+              <a:t> </a:t>
+            </a:r>
+            <a:r>
+              <a:rPr lang="en-US" sz="2000" cap="none" dirty="0" err="1">
+                <a:solidFill>
+                  <a:srgbClr val="FFFFFF"/>
+                </a:solidFill>
+              </a:rPr>
+              <a:t>digunakan</a:t>
+            </a:r>
+            <a:r>
+              <a:rPr lang="en-US" sz="2000" cap="none" dirty="0">
+                <a:solidFill>
+                  <a:srgbClr val="FFFFFF"/>
+                </a:solidFill>
+              </a:rPr>
+              <a:t> </a:t>
+            </a:r>
+            <a:r>
+              <a:rPr lang="en-US" sz="2000" cap="none" dirty="0" err="1">
+                <a:solidFill>
+                  <a:srgbClr val="FFFFFF"/>
+                </a:solidFill>
+              </a:rPr>
+              <a:t>untuk</a:t>
+            </a:r>
+            <a:r>
+              <a:rPr lang="en-US" sz="2000" cap="none" dirty="0">
+                <a:solidFill>
+                  <a:srgbClr val="FFFFFF"/>
+                </a:solidFill>
+              </a:rPr>
+              <a:t> </a:t>
+            </a:r>
+            <a:r>
+              <a:rPr lang="en-US" sz="2000" cap="none" dirty="0" err="1">
+                <a:solidFill>
+                  <a:srgbClr val="FFFFFF"/>
+                </a:solidFill>
+              </a:rPr>
+              <a:t>mencari</a:t>
+            </a:r>
+            <a:r>
+              <a:rPr lang="en-US" sz="2000" cap="none" dirty="0">
+                <a:solidFill>
+                  <a:srgbClr val="FFFFFF"/>
+                </a:solidFill>
+              </a:rPr>
+              <a:t> dan </a:t>
+            </a:r>
+            <a:r>
+              <a:rPr lang="en-US" sz="2000" cap="none" dirty="0" err="1">
+                <a:solidFill>
+                  <a:srgbClr val="FFFFFF"/>
+                </a:solidFill>
+              </a:rPr>
+              <a:t>menyimpan</a:t>
+            </a:r>
+            <a:r>
+              <a:rPr lang="en-US" sz="2000" cap="none" dirty="0">
+                <a:solidFill>
+                  <a:srgbClr val="FFFFFF"/>
+                </a:solidFill>
+              </a:rPr>
+              <a:t> </a:t>
+            </a:r>
+            <a:r>
+              <a:rPr lang="en-US" sz="2000" cap="none" dirty="0" err="1">
+                <a:solidFill>
+                  <a:srgbClr val="FFFFFF"/>
+                </a:solidFill>
+              </a:rPr>
+              <a:t>suatu</a:t>
+            </a:r>
+            <a:r>
+              <a:rPr lang="en-US" sz="2000" cap="none" dirty="0">
+                <a:solidFill>
+                  <a:srgbClr val="FFFFFF"/>
+                </a:solidFill>
+              </a:rPr>
+              <a:t> </a:t>
+            </a:r>
+            <a:r>
+              <a:rPr lang="en-US" sz="2000" cap="none" dirty="0" err="1">
+                <a:solidFill>
+                  <a:srgbClr val="FFFFFF"/>
+                </a:solidFill>
+              </a:rPr>
+              <a:t>kumpulan</a:t>
+            </a:r>
+            <a:r>
+              <a:rPr lang="en-US" sz="2000" cap="none" dirty="0">
+                <a:solidFill>
+                  <a:srgbClr val="FFFFFF"/>
+                </a:solidFill>
+              </a:rPr>
+              <a:t> </a:t>
+            </a:r>
+            <a:r>
+              <a:rPr lang="en-US" sz="2000" cap="none" dirty="0" err="1">
+                <a:solidFill>
+                  <a:srgbClr val="FFFFFF"/>
+                </a:solidFill>
+              </a:rPr>
+              <a:t>dari</a:t>
+            </a:r>
+            <a:r>
+              <a:rPr lang="en-US" sz="2000" cap="none" dirty="0">
+                <a:solidFill>
+                  <a:srgbClr val="FFFFFF"/>
+                </a:solidFill>
+              </a:rPr>
+              <a:t>  </a:t>
+            </a:r>
+            <a:r>
+              <a:rPr lang="en-US" sz="2000" cap="none" dirty="0" err="1">
+                <a:solidFill>
+                  <a:srgbClr val="FFFFFF"/>
+                </a:solidFill>
+              </a:rPr>
+              <a:t>judul-judul</a:t>
+            </a:r>
+            <a:r>
+              <a:rPr lang="en-US" sz="2000" cap="none" dirty="0">
+                <a:solidFill>
+                  <a:srgbClr val="FFFFFF"/>
+                </a:solidFill>
+              </a:rPr>
+              <a:t> film yang </a:t>
+            </a:r>
+            <a:r>
+              <a:rPr lang="en-US" sz="2000" cap="none" dirty="0" err="1">
+                <a:solidFill>
+                  <a:srgbClr val="FFFFFF"/>
+                </a:solidFill>
+              </a:rPr>
+              <a:t>akan</a:t>
+            </a:r>
+            <a:r>
+              <a:rPr lang="en-US" sz="2000" cap="none" dirty="0">
+                <a:solidFill>
+                  <a:srgbClr val="FFFFFF"/>
+                </a:solidFill>
+              </a:rPr>
+              <a:t> </a:t>
+            </a:r>
+            <a:r>
+              <a:rPr lang="en-US" sz="2000" cap="none" dirty="0" err="1">
+                <a:solidFill>
+                  <a:srgbClr val="FFFFFF"/>
+                </a:solidFill>
+              </a:rPr>
+              <a:t>bisa</a:t>
+            </a:r>
+            <a:r>
+              <a:rPr lang="en-US" sz="2000" cap="none" dirty="0">
+                <a:solidFill>
+                  <a:srgbClr val="FFFFFF"/>
+                </a:solidFill>
+              </a:rPr>
+              <a:t> </a:t>
+            </a:r>
+            <a:r>
+              <a:rPr lang="en-US" sz="2000" cap="none" dirty="0" err="1">
+                <a:solidFill>
+                  <a:srgbClr val="FFFFFF"/>
+                </a:solidFill>
+              </a:rPr>
+              <a:t>kita</a:t>
+            </a:r>
+            <a:r>
+              <a:rPr lang="en-US" sz="2000" cap="none" dirty="0">
+                <a:solidFill>
+                  <a:srgbClr val="FFFFFF"/>
+                </a:solidFill>
+              </a:rPr>
+              <a:t> </a:t>
+            </a:r>
+            <a:r>
+              <a:rPr lang="en-US" sz="2000" cap="none" dirty="0" err="1">
+                <a:solidFill>
+                  <a:srgbClr val="FFFFFF"/>
+                </a:solidFill>
+              </a:rPr>
+              <a:t>buka</a:t>
+            </a:r>
+            <a:r>
+              <a:rPr lang="en-US" sz="2000" cap="none" dirty="0">
+                <a:solidFill>
+                  <a:srgbClr val="FFFFFF"/>
+                </a:solidFill>
+              </a:rPr>
+              <a:t> </a:t>
+            </a:r>
+            <a:r>
+              <a:rPr lang="en-US" sz="2000" cap="none" dirty="0" err="1">
+                <a:solidFill>
+                  <a:srgbClr val="FFFFFF"/>
+                </a:solidFill>
+              </a:rPr>
+              <a:t>kembali</a:t>
+            </a:r>
+            <a:r>
+              <a:rPr lang="en-US" sz="2000" cap="none" dirty="0">
+                <a:solidFill>
+                  <a:srgbClr val="FFFFFF"/>
+                </a:solidFill>
+              </a:rPr>
+              <a:t> </a:t>
+            </a:r>
+            <a:r>
+              <a:rPr lang="en-US" sz="2000" cap="none" dirty="0" err="1">
+                <a:solidFill>
+                  <a:srgbClr val="FFFFFF"/>
+                </a:solidFill>
+              </a:rPr>
+              <a:t>sehingga</a:t>
+            </a:r>
+            <a:r>
+              <a:rPr lang="en-US" sz="2000" cap="none" dirty="0">
+                <a:solidFill>
+                  <a:srgbClr val="FFFFFF"/>
+                </a:solidFill>
+              </a:rPr>
+              <a:t> </a:t>
+            </a:r>
+            <a:r>
+              <a:rPr lang="en-US" sz="2000" cap="none" dirty="0" err="1">
+                <a:solidFill>
+                  <a:srgbClr val="FFFFFF"/>
+                </a:solidFill>
+              </a:rPr>
+              <a:t>kita</a:t>
+            </a:r>
+            <a:r>
+              <a:rPr lang="en-US" sz="2000" cap="none" dirty="0">
+                <a:solidFill>
+                  <a:srgbClr val="FFFFFF"/>
+                </a:solidFill>
+              </a:rPr>
+              <a:t> </a:t>
+            </a:r>
+            <a:r>
+              <a:rPr lang="en-US" sz="2000" cap="none" dirty="0" err="1">
+                <a:solidFill>
+                  <a:srgbClr val="FFFFFF"/>
+                </a:solidFill>
+              </a:rPr>
+              <a:t>tetap</a:t>
+            </a:r>
+            <a:r>
+              <a:rPr lang="en-US" sz="2000" cap="none" dirty="0">
+                <a:solidFill>
+                  <a:srgbClr val="FFFFFF"/>
+                </a:solidFill>
+              </a:rPr>
+              <a:t> </a:t>
+            </a:r>
+            <a:r>
+              <a:rPr lang="en-US" sz="2000" cap="none" dirty="0" err="1">
+                <a:solidFill>
+                  <a:srgbClr val="FFFFFF"/>
+                </a:solidFill>
+              </a:rPr>
+              <a:t>dapat</a:t>
+            </a:r>
+            <a:r>
+              <a:rPr lang="en-US" sz="2000" cap="none" dirty="0">
+                <a:solidFill>
+                  <a:srgbClr val="FFFFFF"/>
+                </a:solidFill>
+              </a:rPr>
+              <a:t> </a:t>
+            </a:r>
+            <a:r>
+              <a:rPr lang="en-US" sz="2000" cap="none" dirty="0" err="1">
+                <a:solidFill>
+                  <a:srgbClr val="FFFFFF"/>
+                </a:solidFill>
+              </a:rPr>
+              <a:t>mengingat</a:t>
+            </a:r>
+            <a:r>
+              <a:rPr lang="en-US" sz="2000" cap="none" dirty="0">
+                <a:solidFill>
+                  <a:srgbClr val="FFFFFF"/>
+                </a:solidFill>
+              </a:rPr>
+              <a:t> </a:t>
+            </a:r>
+            <a:r>
+              <a:rPr lang="en-US" sz="2000" cap="none" dirty="0" err="1">
+                <a:solidFill>
+                  <a:srgbClr val="FFFFFF"/>
+                </a:solidFill>
+              </a:rPr>
+              <a:t>judul</a:t>
+            </a:r>
+            <a:r>
+              <a:rPr lang="en-US" sz="2000" cap="none" dirty="0">
+                <a:solidFill>
+                  <a:srgbClr val="FFFFFF"/>
+                </a:solidFill>
+              </a:rPr>
+              <a:t> </a:t>
+            </a:r>
+            <a:r>
+              <a:rPr lang="en-US" sz="2000" cap="none" dirty="0" err="1">
+                <a:solidFill>
+                  <a:srgbClr val="FFFFFF"/>
+                </a:solidFill>
+              </a:rPr>
+              <a:t>dari</a:t>
+            </a:r>
+            <a:r>
+              <a:rPr lang="en-US" sz="2000" cap="none" dirty="0">
+                <a:solidFill>
+                  <a:srgbClr val="FFFFFF"/>
+                </a:solidFill>
+              </a:rPr>
+              <a:t> film-film </a:t>
+            </a:r>
+            <a:r>
+              <a:rPr lang="en-US" sz="2000" cap="none" dirty="0" err="1">
+                <a:solidFill>
+                  <a:srgbClr val="FFFFFF"/>
+                </a:solidFill>
+              </a:rPr>
+              <a:t>tersebut</a:t>
+            </a:r>
+            <a:r>
+              <a:rPr lang="en-US" sz="2000" cap="none" dirty="0">
+                <a:solidFill>
+                  <a:srgbClr val="FFFFFF"/>
+                </a:solidFill>
+              </a:rPr>
+              <a:t>. </a:t>
+            </a:r>
+            <a:r>
+              <a:rPr lang="en-US" sz="2000" cap="none" dirty="0" err="1">
+                <a:solidFill>
+                  <a:srgbClr val="FFFFFF"/>
+                </a:solidFill>
+              </a:rPr>
+              <a:t>Diharapkan</a:t>
+            </a:r>
+            <a:r>
+              <a:rPr lang="en-US" sz="2000" cap="none" dirty="0">
+                <a:solidFill>
+                  <a:srgbClr val="FFFFFF"/>
+                </a:solidFill>
+              </a:rPr>
+              <a:t> </a:t>
+            </a:r>
+            <a:r>
+              <a:rPr lang="en-US" sz="2000" cap="none" dirty="0" err="1">
+                <a:solidFill>
+                  <a:srgbClr val="FFFFFF"/>
+                </a:solidFill>
+              </a:rPr>
+              <a:t>aplikasi</a:t>
+            </a:r>
+            <a:r>
+              <a:rPr lang="en-US" sz="2000" cap="none" dirty="0">
+                <a:solidFill>
+                  <a:srgbClr val="FFFFFF"/>
+                </a:solidFill>
+              </a:rPr>
+              <a:t> </a:t>
+            </a:r>
+            <a:r>
+              <a:rPr lang="en-US" sz="2000" cap="none" dirty="0" err="1">
+                <a:solidFill>
+                  <a:srgbClr val="FFFFFF"/>
+                </a:solidFill>
+              </a:rPr>
+              <a:t>ini</a:t>
+            </a:r>
+            <a:r>
+              <a:rPr lang="en-US" sz="2000" cap="none" dirty="0">
+                <a:solidFill>
+                  <a:srgbClr val="FFFFFF"/>
+                </a:solidFill>
+              </a:rPr>
+              <a:t> </a:t>
+            </a:r>
+            <a:r>
+              <a:rPr lang="en-US" sz="2000" cap="none" dirty="0" err="1">
+                <a:solidFill>
+                  <a:srgbClr val="FFFFFF"/>
+                </a:solidFill>
+              </a:rPr>
+              <a:t>dapat</a:t>
+            </a:r>
+            <a:r>
+              <a:rPr lang="en-US" sz="2000" cap="none" dirty="0">
+                <a:solidFill>
+                  <a:srgbClr val="FFFFFF"/>
+                </a:solidFill>
+              </a:rPr>
+              <a:t> </a:t>
+            </a:r>
+            <a:r>
+              <a:rPr lang="en-US" sz="2000" cap="none" dirty="0" err="1">
+                <a:solidFill>
+                  <a:srgbClr val="FFFFFF"/>
+                </a:solidFill>
+              </a:rPr>
+              <a:t>membantu</a:t>
+            </a:r>
+            <a:r>
+              <a:rPr lang="en-US" sz="2000" cap="none" dirty="0">
+                <a:solidFill>
+                  <a:srgbClr val="FFFFFF"/>
+                </a:solidFill>
+              </a:rPr>
+              <a:t> </a:t>
+            </a:r>
+            <a:r>
+              <a:rPr lang="en-US" sz="2000" cap="none" dirty="0" err="1">
+                <a:solidFill>
+                  <a:srgbClr val="FFFFFF"/>
+                </a:solidFill>
+              </a:rPr>
+              <a:t>pengguna</a:t>
+            </a:r>
+            <a:r>
+              <a:rPr lang="en-US" sz="2000" cap="none" dirty="0">
+                <a:solidFill>
+                  <a:srgbClr val="FFFFFF"/>
+                </a:solidFill>
+              </a:rPr>
+              <a:t> </a:t>
+            </a:r>
+            <a:r>
+              <a:rPr lang="en-US" sz="2000" cap="none" dirty="0" err="1">
+                <a:solidFill>
+                  <a:srgbClr val="FFFFFF"/>
+                </a:solidFill>
+              </a:rPr>
+              <a:t>untuk</a:t>
+            </a:r>
+            <a:r>
+              <a:rPr lang="en-US" sz="2000" cap="none" dirty="0">
+                <a:solidFill>
+                  <a:srgbClr val="FFFFFF"/>
+                </a:solidFill>
+              </a:rPr>
+              <a:t> </a:t>
+            </a:r>
+            <a:r>
+              <a:rPr lang="en-US" sz="2000" cap="none" dirty="0" err="1">
+                <a:solidFill>
+                  <a:srgbClr val="FFFFFF"/>
+                </a:solidFill>
+              </a:rPr>
+              <a:t>mengingat</a:t>
+            </a:r>
+            <a:r>
+              <a:rPr lang="en-US" sz="2000" cap="none" dirty="0">
+                <a:solidFill>
+                  <a:srgbClr val="FFFFFF"/>
+                </a:solidFill>
+              </a:rPr>
+              <a:t> </a:t>
+            </a:r>
+            <a:r>
+              <a:rPr lang="en-US" sz="2000" cap="none" dirty="0" err="1">
+                <a:solidFill>
+                  <a:srgbClr val="FFFFFF"/>
+                </a:solidFill>
+              </a:rPr>
+              <a:t>judul-judul</a:t>
+            </a:r>
+            <a:r>
+              <a:rPr lang="en-US" sz="2000" cap="none" dirty="0">
+                <a:solidFill>
+                  <a:srgbClr val="FFFFFF"/>
+                </a:solidFill>
+              </a:rPr>
+              <a:t> </a:t>
+            </a:r>
+            <a:r>
+              <a:rPr lang="en-US" sz="2000" cap="none" dirty="0" err="1">
+                <a:solidFill>
+                  <a:srgbClr val="FFFFFF"/>
+                </a:solidFill>
+              </a:rPr>
+              <a:t>dari</a:t>
+            </a:r>
+            <a:r>
+              <a:rPr lang="en-US" sz="2000" cap="none" dirty="0">
+                <a:solidFill>
+                  <a:srgbClr val="FFFFFF"/>
+                </a:solidFill>
+              </a:rPr>
+              <a:t> film yang </a:t>
+            </a:r>
+            <a:r>
+              <a:rPr lang="en-US" sz="2000" cap="none" dirty="0" err="1">
+                <a:solidFill>
+                  <a:srgbClr val="FFFFFF"/>
+                </a:solidFill>
+              </a:rPr>
+              <a:t>ingin</a:t>
+            </a:r>
+            <a:r>
+              <a:rPr lang="en-US" sz="2000" cap="none" dirty="0">
+                <a:solidFill>
+                  <a:srgbClr val="FFFFFF"/>
+                </a:solidFill>
+              </a:rPr>
+              <a:t> </a:t>
+            </a:r>
+            <a:r>
+              <a:rPr lang="en-US" sz="2000" cap="none" dirty="0" err="1">
+                <a:solidFill>
+                  <a:srgbClr val="FFFFFF"/>
+                </a:solidFill>
+              </a:rPr>
+              <a:t>mereka</a:t>
+            </a:r>
+            <a:r>
+              <a:rPr lang="en-US" sz="2000" cap="none" dirty="0">
+                <a:solidFill>
+                  <a:srgbClr val="FFFFFF"/>
+                </a:solidFill>
+              </a:rPr>
+              <a:t> </a:t>
+            </a:r>
+            <a:r>
+              <a:rPr lang="en-US" sz="2000" cap="none" dirty="0" err="1">
+                <a:solidFill>
+                  <a:srgbClr val="FFFFFF"/>
+                </a:solidFill>
+              </a:rPr>
+              <a:t>nikmati</a:t>
+            </a:r>
+            <a:r>
+              <a:rPr lang="en-US" sz="2000" cap="none" dirty="0">
+                <a:solidFill>
+                  <a:srgbClr val="FFFFFF"/>
+                </a:solidFill>
+              </a:rPr>
+              <a:t> </a:t>
+            </a:r>
+            <a:r>
+              <a:rPr lang="en-US" sz="2000" cap="none" dirty="0" err="1">
+                <a:solidFill>
+                  <a:srgbClr val="FFFFFF"/>
+                </a:solidFill>
+              </a:rPr>
+              <a:t>diwaktu</a:t>
+            </a:r>
+            <a:r>
+              <a:rPr lang="en-US" sz="2000" cap="none" dirty="0">
+                <a:solidFill>
+                  <a:srgbClr val="FFFFFF"/>
+                </a:solidFill>
+              </a:rPr>
+              <a:t> yang </a:t>
+            </a:r>
+            <a:r>
+              <a:rPr lang="en-US" sz="2000" cap="none" dirty="0" err="1">
+                <a:solidFill>
+                  <a:srgbClr val="FFFFFF"/>
+                </a:solidFill>
+              </a:rPr>
+              <a:t>tepat</a:t>
+            </a:r>
+            <a:r>
+              <a:rPr lang="en-US" sz="2000" cap="none" dirty="0">
+                <a:solidFill>
+                  <a:srgbClr val="FFFFFF"/>
+                </a:solidFill>
+              </a:rPr>
+              <a:t> </a:t>
+            </a:r>
+            <a:r>
+              <a:rPr lang="en-US" sz="2000" cap="none" dirty="0" err="1">
+                <a:solidFill>
+                  <a:srgbClr val="FFFFFF"/>
+                </a:solidFill>
+              </a:rPr>
+              <a:t>bagi</a:t>
+            </a:r>
+            <a:r>
+              <a:rPr lang="en-US" sz="2000" cap="none" dirty="0">
+                <a:solidFill>
+                  <a:srgbClr val="FFFFFF"/>
+                </a:solidFill>
+              </a:rPr>
+              <a:t> </a:t>
+            </a:r>
+            <a:r>
+              <a:rPr lang="en-US" sz="2000" cap="none" dirty="0" err="1">
+                <a:solidFill>
+                  <a:srgbClr val="FFFFFF"/>
+                </a:solidFill>
+              </a:rPr>
+              <a:t>mereka</a:t>
+            </a:r>
+            <a:r>
+              <a:rPr lang="en-US" sz="2000" cap="none" dirty="0">
+                <a:solidFill>
+                  <a:srgbClr val="FFFFFF"/>
+                </a:solidFill>
+              </a:rPr>
+              <a:t>.</a:t>
+            </a:r>
+            <a:endParaRPr lang="en-US" sz="2000" dirty="0">
+              <a:solidFill>
+                <a:srgbClr val="FFFFFF"/>
+              </a:solidFill>
+            </a:endParaRPr>
+          </a:p>
+        </p:txBody>
+      </p:sp>
+      <p:sp>
+        <p:nvSpPr>
+          <p:cNvPr id="3" name="Subtitle 2">
+            <a:extLst>
+              <a:ext uri="{FF2B5EF4-FFF2-40B4-BE49-F238E27FC236}">
+                <a16:creationId xmlns:a16="http://schemas.microsoft.com/office/drawing/2014/main" id="{255E1F2F-E259-4EA8-9FFD-3A10AF541859}"/>
+              </a:ext>
+            </a:extLst>
+          </p:cNvPr>
+          <p:cNvSpPr>
+            <a:spLocks noGrp="1"/>
+          </p:cNvSpPr>
+          <p:nvPr>
+            <p:ph type="subTitle" idx="1"/>
+          </p:nvPr>
+        </p:nvSpPr>
+        <p:spPr>
+          <a:xfrm>
+            <a:off x="1100051" y="5225240"/>
+            <a:ext cx="10058400" cy="1143000"/>
+          </a:xfrm>
+        </p:spPr>
+        <p:txBody>
+          <a:bodyPr>
+            <a:normAutofit/>
+          </a:bodyPr>
+          <a:lstStyle/>
+          <a:p>
+            <a:r>
+              <a:rPr lang="en-US" sz="1400" dirty="0">
+                <a:solidFill>
+                  <a:srgbClr val="FFFFFF"/>
+                </a:solidFill>
+              </a:rPr>
+              <a:t>Movie WISHLISH - </a:t>
+            </a:r>
+            <a:r>
+              <a:rPr lang="en-US" sz="1400" dirty="0" err="1">
+                <a:solidFill>
+                  <a:srgbClr val="FFFFFF"/>
+                </a:solidFill>
+              </a:rPr>
+              <a:t>Landasan</a:t>
+            </a:r>
+            <a:endParaRPr lang="en-US" sz="1400" dirty="0">
+              <a:solidFill>
+                <a:srgbClr val="FFFFFF"/>
+              </a:solidFill>
+            </a:endParaRPr>
+          </a:p>
+        </p:txBody>
+      </p:sp>
+    </p:spTree>
+    <p:extLst>
+      <p:ext uri="{BB962C8B-B14F-4D97-AF65-F5344CB8AC3E}">
+        <p14:creationId xmlns:p14="http://schemas.microsoft.com/office/powerpoint/2010/main" val="191714609"/>
+      </p:ext>
+    </p:extLst>
+  </p:cSld>
+  <p:clrMapOvr>
+    <a:masterClrMapping/>
+  </p:clrMapOvr>
+</p:sld>
+</file>
+
+<file path=ppt/slides/slide3.xml><?xml version="1.0" encoding="utf-8"?>
+<p:sld xmlns:a="http://schemas.openxmlformats.org/drawingml/2006/main" xmlns:r="http://schemas.openxmlformats.org/officeDocument/2006/relationships" xmlns:p="http://schemas.openxmlformats.org/presentationml/2006/main">
+  <p:cSld>
+    <p:bg>
+      <p:bgPr>
+        <a:solidFill>
+          <a:schemeClr val="bg1"/>
+        </a:solidFill>
+        <a:effectLst/>
+      </p:bgPr>
+    </p:bg>
+    <p:spTree>
+      <p:nvGrpSpPr>
+        <p:cNvPr id="1" name=""/>
+        <p:cNvGrpSpPr/>
+        <p:nvPr/>
+      </p:nvGrpSpPr>
+      <p:grpSpPr>
+        <a:xfrm>
+          <a:off x="0" y="0"/>
+          <a:ext cx="0" cy="0"/>
+          <a:chOff x="0" y="0"/>
+          <a:chExt cx="0" cy="0"/>
+        </a:xfrm>
+      </p:grpSpPr>
+      <p:sp>
+        <p:nvSpPr>
+          <p:cNvPr id="2" name="Title 1">
+            <a:extLst>
+              <a:ext uri="{FF2B5EF4-FFF2-40B4-BE49-F238E27FC236}">
+                <a16:creationId xmlns:a16="http://schemas.microsoft.com/office/drawing/2014/main" id="{9AB2EA78-AEB3-469B-9025-3B17201A457B}"/>
+              </a:ext>
+            </a:extLst>
+          </p:cNvPr>
+          <p:cNvSpPr>
+            <a:spLocks noGrp="1"/>
+          </p:cNvSpPr>
+          <p:nvPr>
+            <p:ph type="ctrTitle"/>
+          </p:nvPr>
+        </p:nvSpPr>
+        <p:spPr>
+          <a:xfrm>
+            <a:off x="1066800" y="293720"/>
+            <a:ext cx="10058400" cy="3892168"/>
+          </a:xfrm>
+        </p:spPr>
+        <p:txBody>
+          <a:bodyPr anchor="ctr">
+            <a:normAutofit/>
+          </a:bodyPr>
+          <a:lstStyle/>
+          <a:p>
+            <a:pPr lvl="0"/>
+            <a:r>
+              <a:rPr lang="en-US" sz="2800" b="1" u="sng" dirty="0" err="1">
+                <a:solidFill>
+                  <a:srgbClr val="FFFFFF"/>
+                </a:solidFill>
+              </a:rPr>
+              <a:t>Lingkup</a:t>
+            </a:r>
+            <a:r>
+              <a:rPr lang="en-US" sz="2800" b="1" u="sng" dirty="0">
+                <a:solidFill>
+                  <a:srgbClr val="FFFFFF"/>
+                </a:solidFill>
+              </a:rPr>
+              <a:t> </a:t>
+            </a:r>
+            <a:r>
+              <a:rPr lang="en-US" sz="2800" b="1" u="sng" dirty="0" err="1">
+                <a:solidFill>
+                  <a:srgbClr val="FFFFFF"/>
+                </a:solidFill>
+              </a:rPr>
+              <a:t>Fungsi</a:t>
+            </a:r>
+            <a:r>
+              <a:rPr lang="en-US" sz="2800" b="1" u="sng" dirty="0">
+                <a:solidFill>
+                  <a:srgbClr val="FFFFFF"/>
+                </a:solidFill>
+              </a:rPr>
+              <a:t> </a:t>
+            </a:r>
+            <a:r>
+              <a:rPr lang="en-US" sz="2800" b="1" u="sng" dirty="0" err="1">
+                <a:solidFill>
+                  <a:srgbClr val="FFFFFF"/>
+                </a:solidFill>
+              </a:rPr>
+              <a:t>Aplikasi</a:t>
+            </a:r>
+            <a:br>
+              <a:rPr lang="en-US" sz="4800" i="1" dirty="0">
+                <a:solidFill>
+                  <a:srgbClr val="FFFFFF"/>
+                </a:solidFill>
+              </a:rPr>
+            </a:br>
+            <a:br>
+              <a:rPr lang="en-US" sz="4800" i="1" dirty="0">
+                <a:solidFill>
+                  <a:srgbClr val="FFFFFF"/>
+                </a:solidFill>
+              </a:rPr>
+            </a:br>
+            <a:r>
+              <a:rPr lang="en-US" sz="2200" cap="none" dirty="0">
+                <a:solidFill>
+                  <a:srgbClr val="FFFFFF"/>
+                </a:solidFill>
+              </a:rPr>
+              <a:t>- </a:t>
+            </a:r>
+            <a:r>
+              <a:rPr lang="en-US" sz="2200" cap="none" dirty="0" err="1">
+                <a:solidFill>
+                  <a:srgbClr val="FFFFFF"/>
+                </a:solidFill>
+              </a:rPr>
+              <a:t>mencari</a:t>
+            </a:r>
+            <a:r>
+              <a:rPr lang="en-US" sz="2200" cap="none" dirty="0">
+                <a:solidFill>
+                  <a:srgbClr val="FFFFFF"/>
+                </a:solidFill>
+              </a:rPr>
+              <a:t> film </a:t>
+            </a:r>
+            <a:r>
+              <a:rPr lang="en-US" sz="2200" cap="none" dirty="0" err="1">
+                <a:solidFill>
+                  <a:srgbClr val="FFFFFF"/>
+                </a:solidFill>
+              </a:rPr>
+              <a:t>berdasarkan</a:t>
+            </a:r>
+            <a:r>
+              <a:rPr lang="en-US" sz="2200" cap="none" dirty="0">
+                <a:solidFill>
+                  <a:srgbClr val="FFFFFF"/>
+                </a:solidFill>
+              </a:rPr>
+              <a:t> </a:t>
+            </a:r>
+            <a:r>
+              <a:rPr lang="en-US" sz="2200" cap="none" dirty="0" err="1">
+                <a:solidFill>
+                  <a:srgbClr val="FFFFFF"/>
+                </a:solidFill>
+              </a:rPr>
+              <a:t>judul</a:t>
+            </a:r>
+            <a:r>
+              <a:rPr lang="en-US" sz="2200" cap="none" dirty="0">
+                <a:solidFill>
+                  <a:srgbClr val="FFFFFF"/>
+                </a:solidFill>
+              </a:rPr>
+              <a:t> film</a:t>
+            </a:r>
+            <a:br>
+              <a:rPr lang="en-US" sz="2200" cap="none" dirty="0">
+                <a:solidFill>
+                  <a:srgbClr val="FFFFFF"/>
+                </a:solidFill>
+              </a:rPr>
+            </a:br>
+            <a:r>
+              <a:rPr lang="en-US" sz="2200" cap="none" dirty="0">
+                <a:solidFill>
+                  <a:srgbClr val="FFFFFF"/>
+                </a:solidFill>
+              </a:rPr>
+              <a:t>- </a:t>
+            </a:r>
+            <a:r>
+              <a:rPr lang="en-US" sz="2200" cap="none" dirty="0" err="1">
+                <a:solidFill>
+                  <a:srgbClr val="FFFFFF"/>
+                </a:solidFill>
+              </a:rPr>
+              <a:t>menampilkan</a:t>
+            </a:r>
+            <a:r>
+              <a:rPr lang="en-US" sz="2200" cap="none" dirty="0">
+                <a:solidFill>
+                  <a:srgbClr val="FFFFFF"/>
+                </a:solidFill>
+              </a:rPr>
+              <a:t> </a:t>
+            </a:r>
+            <a:r>
+              <a:rPr lang="en-US" sz="2200" cap="none" dirty="0" err="1">
+                <a:solidFill>
+                  <a:srgbClr val="FFFFFF"/>
+                </a:solidFill>
+              </a:rPr>
+              <a:t>sinopsis</a:t>
+            </a:r>
+            <a:r>
+              <a:rPr lang="en-US" sz="2200" cap="none" dirty="0">
+                <a:solidFill>
+                  <a:srgbClr val="FFFFFF"/>
+                </a:solidFill>
+              </a:rPr>
+              <a:t> film dan </a:t>
+            </a:r>
+            <a:r>
+              <a:rPr lang="en-US" sz="2200" cap="none" dirty="0" err="1">
+                <a:solidFill>
+                  <a:srgbClr val="FFFFFF"/>
+                </a:solidFill>
+              </a:rPr>
+              <a:t>aktor</a:t>
+            </a:r>
+            <a:r>
+              <a:rPr lang="en-US" sz="2200" cap="none" dirty="0">
+                <a:solidFill>
+                  <a:srgbClr val="FFFFFF"/>
+                </a:solidFill>
+              </a:rPr>
+              <a:t>/</a:t>
+            </a:r>
+            <a:r>
+              <a:rPr lang="en-US" sz="2200" cap="none" dirty="0" err="1">
+                <a:solidFill>
+                  <a:srgbClr val="FFFFFF"/>
+                </a:solidFill>
+              </a:rPr>
+              <a:t>aktris</a:t>
+            </a:r>
+            <a:r>
+              <a:rPr lang="en-US" sz="2200" cap="none" dirty="0">
+                <a:solidFill>
+                  <a:srgbClr val="FFFFFF"/>
+                </a:solidFill>
+              </a:rPr>
+              <a:t> </a:t>
+            </a:r>
+            <a:br>
+              <a:rPr lang="en-US" sz="2200" cap="none" dirty="0">
+                <a:solidFill>
+                  <a:srgbClr val="FFFFFF"/>
+                </a:solidFill>
+              </a:rPr>
+            </a:br>
+            <a:r>
+              <a:rPr lang="en-US" sz="2200" cap="none" dirty="0">
+                <a:solidFill>
+                  <a:srgbClr val="FFFFFF"/>
+                </a:solidFill>
+              </a:rPr>
+              <a:t>  </a:t>
+            </a:r>
+            <a:r>
+              <a:rPr lang="en-US" sz="2200" cap="none" dirty="0" err="1">
+                <a:solidFill>
+                  <a:srgbClr val="FFFFFF"/>
+                </a:solidFill>
+              </a:rPr>
+              <a:t>pemain</a:t>
+            </a:r>
+            <a:r>
+              <a:rPr lang="en-US" sz="2200" cap="none" dirty="0">
+                <a:solidFill>
+                  <a:srgbClr val="FFFFFF"/>
+                </a:solidFill>
+              </a:rPr>
+              <a:t> di film </a:t>
+            </a:r>
+            <a:r>
+              <a:rPr lang="en-US" sz="2200" cap="none" dirty="0" err="1">
+                <a:solidFill>
+                  <a:srgbClr val="FFFFFF"/>
+                </a:solidFill>
+              </a:rPr>
+              <a:t>tersebut</a:t>
+            </a:r>
+            <a:br>
+              <a:rPr lang="en-US" sz="2200" cap="none" dirty="0">
+                <a:solidFill>
+                  <a:srgbClr val="FFFFFF"/>
+                </a:solidFill>
+              </a:rPr>
+            </a:br>
+            <a:r>
+              <a:rPr lang="en-US" sz="2200" cap="none" dirty="0">
+                <a:solidFill>
+                  <a:srgbClr val="FFFFFF"/>
+                </a:solidFill>
+              </a:rPr>
+              <a:t>- </a:t>
+            </a:r>
+            <a:r>
+              <a:rPr lang="en-US" sz="2200" cap="none" dirty="0" err="1">
+                <a:solidFill>
+                  <a:srgbClr val="FFFFFF"/>
+                </a:solidFill>
+              </a:rPr>
+              <a:t>Menyimpan</a:t>
+            </a:r>
+            <a:r>
+              <a:rPr lang="en-US" sz="2200" cap="none" dirty="0">
+                <a:solidFill>
+                  <a:srgbClr val="FFFFFF"/>
+                </a:solidFill>
+              </a:rPr>
+              <a:t> list film-film (</a:t>
+            </a:r>
+            <a:r>
+              <a:rPr lang="en-US" sz="2200" cap="none" dirty="0" err="1">
+                <a:solidFill>
+                  <a:srgbClr val="FFFFFF"/>
+                </a:solidFill>
+              </a:rPr>
+              <a:t>wishlist</a:t>
+            </a:r>
+            <a:r>
+              <a:rPr lang="en-US" sz="2200" cap="none" dirty="0">
+                <a:solidFill>
+                  <a:srgbClr val="FFFFFF"/>
+                </a:solidFill>
+              </a:rPr>
+              <a:t>) yang </a:t>
+            </a:r>
+            <a:r>
+              <a:rPr lang="en-US" sz="2200" cap="none" dirty="0" err="1">
+                <a:solidFill>
+                  <a:srgbClr val="FFFFFF"/>
+                </a:solidFill>
+              </a:rPr>
+              <a:t>ingin</a:t>
+            </a:r>
+            <a:r>
+              <a:rPr lang="en-US" sz="2200" cap="none" dirty="0">
+                <a:solidFill>
+                  <a:srgbClr val="FFFFFF"/>
+                </a:solidFill>
+              </a:rPr>
+              <a:t> </a:t>
+            </a:r>
+            <a:r>
+              <a:rPr lang="en-US" sz="2200" cap="none" dirty="0" err="1">
+                <a:solidFill>
+                  <a:srgbClr val="FFFFFF"/>
+                </a:solidFill>
+              </a:rPr>
+              <a:t>ditonton</a:t>
+            </a:r>
+            <a:r>
+              <a:rPr lang="en-US" sz="2200" cap="none" dirty="0">
+                <a:solidFill>
+                  <a:srgbClr val="FFFFFF"/>
+                </a:solidFill>
+              </a:rPr>
+              <a:t> </a:t>
+            </a:r>
+            <a:r>
+              <a:rPr lang="en-US" sz="2200" cap="none" dirty="0" err="1">
+                <a:solidFill>
+                  <a:srgbClr val="FFFFFF"/>
+                </a:solidFill>
+              </a:rPr>
+              <a:t>diwaktu</a:t>
+            </a:r>
+            <a:r>
+              <a:rPr lang="en-US" sz="2200" cap="none" dirty="0">
+                <a:solidFill>
+                  <a:srgbClr val="FFFFFF"/>
+                </a:solidFill>
+              </a:rPr>
+              <a:t> lain</a:t>
+            </a:r>
+            <a:br>
+              <a:rPr lang="en-US" sz="2200" cap="none" dirty="0">
+                <a:solidFill>
+                  <a:srgbClr val="FFFFFF"/>
+                </a:solidFill>
+              </a:rPr>
+            </a:br>
+            <a:r>
+              <a:rPr lang="en-US" sz="2200" cap="none" dirty="0">
+                <a:solidFill>
+                  <a:srgbClr val="FFFFFF"/>
+                </a:solidFill>
+              </a:rPr>
+              <a:t>- </a:t>
+            </a:r>
+            <a:r>
+              <a:rPr lang="en-US" sz="2200" cap="none" dirty="0" err="1">
+                <a:solidFill>
+                  <a:srgbClr val="FFFFFF"/>
+                </a:solidFill>
+              </a:rPr>
+              <a:t>Menampilkan</a:t>
+            </a:r>
+            <a:r>
+              <a:rPr lang="en-US" sz="2200" cap="none" dirty="0">
+                <a:solidFill>
+                  <a:srgbClr val="FFFFFF"/>
+                </a:solidFill>
+              </a:rPr>
+              <a:t> list film yang </a:t>
+            </a:r>
+            <a:r>
+              <a:rPr lang="en-US" sz="2200" cap="none" dirty="0" err="1">
+                <a:solidFill>
+                  <a:srgbClr val="FFFFFF"/>
+                </a:solidFill>
+              </a:rPr>
+              <a:t>sudah</a:t>
+            </a:r>
+            <a:r>
+              <a:rPr lang="en-US" sz="2200" cap="none" dirty="0">
+                <a:solidFill>
+                  <a:srgbClr val="FFFFFF"/>
+                </a:solidFill>
+              </a:rPr>
+              <a:t> </a:t>
+            </a:r>
+            <a:r>
+              <a:rPr lang="en-US" sz="2200" cap="none" dirty="0" err="1">
+                <a:solidFill>
+                  <a:srgbClr val="FFFFFF"/>
+                </a:solidFill>
+              </a:rPr>
+              <a:t>disimpan</a:t>
+            </a:r>
+            <a:r>
+              <a:rPr lang="en-US" sz="2200" cap="none" dirty="0">
+                <a:solidFill>
+                  <a:srgbClr val="FFFFFF"/>
+                </a:solidFill>
+              </a:rPr>
+              <a:t> </a:t>
+            </a:r>
+            <a:r>
+              <a:rPr lang="en-US" sz="2200" cap="none" dirty="0" err="1">
+                <a:solidFill>
+                  <a:srgbClr val="FFFFFF"/>
+                </a:solidFill>
+              </a:rPr>
+              <a:t>sebagai</a:t>
+            </a:r>
+            <a:r>
+              <a:rPr lang="en-US" sz="2200" cap="none" dirty="0">
+                <a:solidFill>
+                  <a:srgbClr val="FFFFFF"/>
+                </a:solidFill>
+              </a:rPr>
+              <a:t> </a:t>
+            </a:r>
+            <a:r>
+              <a:rPr lang="en-US" sz="2200" cap="none" dirty="0" err="1">
+                <a:solidFill>
+                  <a:srgbClr val="FFFFFF"/>
+                </a:solidFill>
+              </a:rPr>
+              <a:t>wishlist</a:t>
+            </a:r>
+            <a:br>
+              <a:rPr lang="en-US" sz="2200" cap="none" dirty="0">
+                <a:solidFill>
+                  <a:srgbClr val="FFFFFF"/>
+                </a:solidFill>
+              </a:rPr>
+            </a:br>
+            <a:r>
+              <a:rPr lang="en-US" sz="2200" cap="none" dirty="0">
+                <a:solidFill>
+                  <a:srgbClr val="FFFFFF"/>
+                </a:solidFill>
+              </a:rPr>
+              <a:t>- </a:t>
+            </a:r>
+            <a:r>
+              <a:rPr lang="en-US" sz="2200" cap="none" dirty="0" err="1">
+                <a:solidFill>
+                  <a:srgbClr val="FFFFFF"/>
+                </a:solidFill>
+              </a:rPr>
+              <a:t>mengunakan</a:t>
+            </a:r>
+            <a:r>
+              <a:rPr lang="en-US" sz="2200" cap="none" dirty="0">
+                <a:solidFill>
+                  <a:srgbClr val="FFFFFF"/>
+                </a:solidFill>
+              </a:rPr>
+              <a:t> open </a:t>
+            </a:r>
+            <a:r>
+              <a:rPr lang="en-US" sz="2200" cap="none" dirty="0" err="1">
+                <a:solidFill>
+                  <a:srgbClr val="FFFFFF"/>
+                </a:solidFill>
+              </a:rPr>
+              <a:t>api</a:t>
+            </a:r>
+            <a:r>
+              <a:rPr lang="en-US" sz="2200" cap="none" dirty="0">
+                <a:solidFill>
+                  <a:srgbClr val="FFFFFF"/>
+                </a:solidFill>
+              </a:rPr>
+              <a:t> IMDB Movie Database</a:t>
+            </a:r>
+            <a:br>
+              <a:rPr lang="en-US" sz="2200" cap="none" dirty="0">
+                <a:solidFill>
+                  <a:srgbClr val="FFFFFF"/>
+                </a:solidFill>
+              </a:rPr>
+            </a:br>
+            <a:endParaRPr lang="en-US" sz="2200" dirty="0">
+              <a:solidFill>
+                <a:srgbClr val="FFFFFF"/>
+              </a:solidFill>
+            </a:endParaRPr>
+          </a:p>
+        </p:txBody>
+      </p:sp>
+      <p:sp>
+        <p:nvSpPr>
+          <p:cNvPr id="3" name="Subtitle 2">
+            <a:extLst>
+              <a:ext uri="{FF2B5EF4-FFF2-40B4-BE49-F238E27FC236}">
+                <a16:creationId xmlns:a16="http://schemas.microsoft.com/office/drawing/2014/main" id="{255E1F2F-E259-4EA8-9FFD-3A10AF541859}"/>
+              </a:ext>
+            </a:extLst>
+          </p:cNvPr>
+          <p:cNvSpPr>
+            <a:spLocks noGrp="1"/>
+          </p:cNvSpPr>
+          <p:nvPr>
+            <p:ph type="subTitle" idx="1"/>
+          </p:nvPr>
+        </p:nvSpPr>
+        <p:spPr>
+          <a:xfrm>
+            <a:off x="1100051" y="5225240"/>
+            <a:ext cx="10058400" cy="1143000"/>
+          </a:xfrm>
+        </p:spPr>
+        <p:txBody>
+          <a:bodyPr>
+            <a:normAutofit/>
+          </a:bodyPr>
+          <a:lstStyle/>
+          <a:p>
+            <a:r>
+              <a:rPr lang="en-US" sz="1400" dirty="0">
+                <a:solidFill>
+                  <a:srgbClr val="FFFFFF"/>
+                </a:solidFill>
+              </a:rPr>
+              <a:t>Movie WISHLISH – </a:t>
+            </a:r>
+            <a:r>
+              <a:rPr lang="en-US" sz="1400" dirty="0" err="1">
+                <a:solidFill>
+                  <a:srgbClr val="FFFFFF"/>
+                </a:solidFill>
+              </a:rPr>
+              <a:t>Lingkup</a:t>
+            </a:r>
+            <a:r>
+              <a:rPr lang="en-US" sz="1400" dirty="0">
+                <a:solidFill>
+                  <a:srgbClr val="FFFFFF"/>
+                </a:solidFill>
+              </a:rPr>
+              <a:t> </a:t>
+            </a:r>
+            <a:r>
+              <a:rPr lang="en-US" sz="1400" dirty="0" err="1">
+                <a:solidFill>
+                  <a:srgbClr val="FFFFFF"/>
+                </a:solidFill>
+              </a:rPr>
+              <a:t>Fungsi</a:t>
+            </a:r>
+            <a:r>
+              <a:rPr lang="en-US" sz="1400" dirty="0">
+                <a:solidFill>
+                  <a:srgbClr val="FFFFFF"/>
+                </a:solidFill>
+              </a:rPr>
+              <a:t> </a:t>
+            </a:r>
+            <a:r>
+              <a:rPr lang="en-US" sz="1400" dirty="0" err="1">
+                <a:solidFill>
+                  <a:srgbClr val="FFFFFF"/>
+                </a:solidFill>
+              </a:rPr>
+              <a:t>Aplikasi</a:t>
+            </a:r>
+            <a:endParaRPr lang="en-US" sz="1400" dirty="0">
+              <a:solidFill>
+                <a:srgbClr val="FFFFFF"/>
+              </a:solidFill>
+            </a:endParaRPr>
+          </a:p>
+        </p:txBody>
+      </p:sp>
+    </p:spTree>
+    <p:extLst>
+      <p:ext uri="{BB962C8B-B14F-4D97-AF65-F5344CB8AC3E}">
+        <p14:creationId xmlns:p14="http://schemas.microsoft.com/office/powerpoint/2010/main" val="4257353037"/>
+      </p:ext>
+    </p:extLst>
+  </p:cSld>
+  <p:clrMapOvr>
+    <a:masterClrMapping/>
+  </p:clrMapOvr>
+</p:sld>
+</file>
+
+<file path=ppt/slides/slide4.xml><?xml version="1.0" encoding="utf-8"?>
+<p:sld xmlns:a="http://schemas.openxmlformats.org/drawingml/2006/main" xmlns:r="http://schemas.openxmlformats.org/officeDocument/2006/relationships" xmlns:p="http://schemas.openxmlformats.org/presentationml/2006/main">
+  <p:cSld>
+    <p:bg>
+      <p:bgPr>
+        <a:solidFill>
+          <a:schemeClr val="bg1"/>
+        </a:solidFill>
+        <a:effectLst/>
+      </p:bgPr>
+    </p:bg>
+    <p:spTree>
+      <p:nvGrpSpPr>
+        <p:cNvPr id="1" name=""/>
+        <p:cNvGrpSpPr/>
+        <p:nvPr/>
+      </p:nvGrpSpPr>
+      <p:grpSpPr>
+        <a:xfrm>
+          <a:off x="0" y="0"/>
+          <a:ext cx="0" cy="0"/>
+          <a:chOff x="0" y="0"/>
+          <a:chExt cx="0" cy="0"/>
+        </a:xfrm>
+      </p:grpSpPr>
+      <p:sp>
+        <p:nvSpPr>
+          <p:cNvPr id="2" name="Title 1">
+            <a:extLst>
+              <a:ext uri="{FF2B5EF4-FFF2-40B4-BE49-F238E27FC236}">
+                <a16:creationId xmlns:a16="http://schemas.microsoft.com/office/drawing/2014/main" id="{9AB2EA78-AEB3-469B-9025-3B17201A457B}"/>
+              </a:ext>
+            </a:extLst>
+          </p:cNvPr>
+          <p:cNvSpPr>
+            <a:spLocks noGrp="1"/>
+          </p:cNvSpPr>
+          <p:nvPr>
+            <p:ph type="ctrTitle"/>
+          </p:nvPr>
+        </p:nvSpPr>
+        <p:spPr>
+          <a:xfrm>
+            <a:off x="1100051" y="574274"/>
+            <a:ext cx="4699000" cy="3643280"/>
+          </a:xfrm>
+        </p:spPr>
+        <p:txBody>
+          <a:bodyPr anchor="ctr">
+            <a:normAutofit/>
+          </a:bodyPr>
+          <a:lstStyle/>
+          <a:p>
+            <a:pPr lvl="0"/>
+            <a:r>
+              <a:rPr lang="en-US" sz="3200" b="1" u="sng" dirty="0">
+                <a:solidFill>
+                  <a:srgbClr val="FFFFFF"/>
+                </a:solidFill>
+              </a:rPr>
+              <a:t>ERD</a:t>
+            </a:r>
+            <a:br>
+              <a:rPr lang="en-US" sz="3200" b="1" u="sng" dirty="0">
+                <a:solidFill>
+                  <a:srgbClr val="FFFFFF"/>
+                </a:solidFill>
+              </a:rPr>
+            </a:br>
+            <a:br>
+              <a:rPr lang="en-US" sz="3200" b="1" u="sng" dirty="0">
+                <a:solidFill>
+                  <a:srgbClr val="FFFFFF"/>
+                </a:solidFill>
+              </a:rPr>
+            </a:br>
+            <a:r>
+              <a:rPr lang="en-US" sz="2000" cap="none" dirty="0" err="1">
+                <a:solidFill>
+                  <a:srgbClr val="FFFFFF"/>
+                </a:solidFill>
+              </a:rPr>
+              <a:t>T</a:t>
+            </a:r>
+            <a:r>
+              <a:rPr lang="en-US" sz="2000" cap="none" dirty="0" err="1"/>
+              <a:t>erdapat</a:t>
+            </a:r>
+            <a:r>
+              <a:rPr lang="en-US" sz="2000" cap="none" dirty="0"/>
+              <a:t> 4 </a:t>
+            </a:r>
+            <a:r>
+              <a:rPr lang="en-US" sz="2000" cap="none" dirty="0" err="1"/>
+              <a:t>tabel</a:t>
+            </a:r>
+            <a:r>
+              <a:rPr lang="en-US" sz="2000" cap="none" dirty="0"/>
+              <a:t> </a:t>
+            </a:r>
+            <a:r>
+              <a:rPr lang="en-US" sz="2000" cap="none" dirty="0" err="1"/>
+              <a:t>dalam</a:t>
+            </a:r>
+            <a:r>
+              <a:rPr lang="en-US" sz="2000" cap="none" dirty="0"/>
+              <a:t> </a:t>
+            </a:r>
+            <a:r>
+              <a:rPr lang="en-US" sz="2000" cap="none" dirty="0" err="1"/>
+              <a:t>satu</a:t>
+            </a:r>
+            <a:r>
+              <a:rPr lang="en-US" sz="2000" cap="none" dirty="0"/>
+              <a:t> database, </a:t>
+            </a:r>
+            <a:r>
+              <a:rPr lang="en-US" sz="2000" cap="none" dirty="0" err="1"/>
+              <a:t>yaitu</a:t>
+            </a:r>
+            <a:r>
+              <a:rPr lang="en-US" sz="2000" cap="none" dirty="0"/>
+              <a:t> :</a:t>
+            </a:r>
+            <a:br>
+              <a:rPr lang="en-US" sz="2000" cap="none" dirty="0"/>
+            </a:br>
+            <a:br>
+              <a:rPr lang="en-US" sz="2000" cap="none" dirty="0"/>
+            </a:br>
+            <a:r>
+              <a:rPr lang="en-US" sz="2000" cap="none" dirty="0"/>
+              <a:t>1. </a:t>
+            </a:r>
+            <a:r>
+              <a:rPr lang="en-US" sz="2000" cap="none" dirty="0" err="1"/>
+              <a:t>tabel</a:t>
+            </a:r>
+            <a:r>
+              <a:rPr lang="en-US" sz="2000" cap="none" dirty="0"/>
+              <a:t> users</a:t>
+            </a:r>
+            <a:br>
+              <a:rPr lang="en-US" sz="2000" cap="none" dirty="0"/>
+            </a:br>
+            <a:r>
+              <a:rPr lang="en-US" sz="2000" cap="none" dirty="0"/>
+              <a:t>2. </a:t>
+            </a:r>
+            <a:r>
+              <a:rPr lang="en-US" sz="2000" cap="none" dirty="0" err="1"/>
+              <a:t>tabel</a:t>
+            </a:r>
+            <a:r>
+              <a:rPr lang="en-US" sz="2000" cap="none" dirty="0"/>
+              <a:t> </a:t>
+            </a:r>
+            <a:r>
+              <a:rPr lang="en-US" sz="2000" cap="none" dirty="0" err="1"/>
+              <a:t>wishlist</a:t>
+            </a:r>
+            <a:br>
+              <a:rPr lang="en-US" sz="2000" cap="none" dirty="0"/>
+            </a:br>
+            <a:r>
+              <a:rPr lang="en-US" sz="2000" cap="none" dirty="0"/>
+              <a:t>3. table link </a:t>
+            </a:r>
+            <a:r>
+              <a:rPr lang="en-US" sz="2000" cap="none" dirty="0" err="1"/>
+              <a:t>url</a:t>
+            </a:r>
+            <a:r>
+              <a:rPr lang="en-US" sz="2000" cap="none" dirty="0"/>
+              <a:t> movie</a:t>
+            </a:r>
+            <a:br>
+              <a:rPr lang="en-US" sz="2000" cap="none" dirty="0"/>
+            </a:br>
+            <a:r>
+              <a:rPr lang="en-US" sz="2000" cap="none" dirty="0"/>
+              <a:t>4. table log </a:t>
+            </a:r>
+            <a:r>
+              <a:rPr lang="en-US" sz="2000" cap="none" dirty="0" err="1"/>
+              <a:t>wishlist</a:t>
+            </a:r>
+            <a:br>
+              <a:rPr lang="en-US" sz="2700" cap="none" dirty="0"/>
+            </a:br>
+            <a:br>
+              <a:rPr lang="en-US" sz="2700" cap="none" dirty="0"/>
+            </a:br>
+            <a:endParaRPr lang="en-US" sz="2700" dirty="0">
+              <a:solidFill>
+                <a:srgbClr val="FFFFFF"/>
+              </a:solidFill>
+            </a:endParaRPr>
+          </a:p>
+        </p:txBody>
+      </p:sp>
+      <p:sp>
+        <p:nvSpPr>
+          <p:cNvPr id="3" name="Subtitle 2">
+            <a:extLst>
+              <a:ext uri="{FF2B5EF4-FFF2-40B4-BE49-F238E27FC236}">
+                <a16:creationId xmlns:a16="http://schemas.microsoft.com/office/drawing/2014/main" id="{255E1F2F-E259-4EA8-9FFD-3A10AF541859}"/>
+              </a:ext>
+            </a:extLst>
+          </p:cNvPr>
+          <p:cNvSpPr>
+            <a:spLocks noGrp="1"/>
+          </p:cNvSpPr>
+          <p:nvPr>
+            <p:ph type="subTitle" idx="1"/>
+          </p:nvPr>
+        </p:nvSpPr>
+        <p:spPr>
+          <a:xfrm>
+            <a:off x="1100051" y="5225240"/>
+            <a:ext cx="10058400" cy="1143000"/>
+          </a:xfrm>
+        </p:spPr>
+        <p:txBody>
+          <a:bodyPr>
+            <a:normAutofit/>
+          </a:bodyPr>
+          <a:lstStyle/>
+          <a:p>
+            <a:r>
+              <a:rPr lang="en-US" sz="1400" dirty="0">
+                <a:solidFill>
+                  <a:srgbClr val="FFFFFF"/>
+                </a:solidFill>
+              </a:rPr>
+              <a:t>Movie WISHLISH - ERD</a:t>
+            </a:r>
+          </a:p>
+        </p:txBody>
+      </p:sp>
+      <p:pic>
+        <p:nvPicPr>
+          <p:cNvPr id="5" name="Picture 4">
+            <a:extLst>
+              <a:ext uri="{FF2B5EF4-FFF2-40B4-BE49-F238E27FC236}">
+                <a16:creationId xmlns:a16="http://schemas.microsoft.com/office/drawing/2014/main" id="{18C59408-18BD-4545-88C3-DB3179C2097C}"/>
+              </a:ext>
+            </a:extLst>
+          </p:cNvPr>
+          <p:cNvPicPr>
+            <a:picLocks noChangeAspect="1"/>
+          </p:cNvPicPr>
+          <p:nvPr/>
+        </p:nvPicPr>
+        <p:blipFill rotWithShape="1">
+          <a:blip r:embed="rId2">
+            <a:extLst>
+              <a:ext uri="{28A0092B-C50C-407E-A947-70E740481C1C}">
+                <a14:useLocalDpi xmlns:a14="http://schemas.microsoft.com/office/drawing/2010/main" val="0"/>
+              </a:ext>
+            </a:extLst>
+          </a:blip>
+          <a:srcRect l="-5" t="-2879" r="-3042" b="173"/>
+          <a:stretch/>
+        </p:blipFill>
+        <p:spPr>
+          <a:xfrm>
+            <a:off x="5863904" y="1677799"/>
+            <a:ext cx="5739773" cy="4320330"/>
+          </a:xfrm>
+          <a:prstGeom prst="snip2DiagRect">
+            <a:avLst/>
+          </a:prstGeom>
+          <a:solidFill>
+            <a:srgbClr val="FFFFFF">
+              <a:shade val="85000"/>
+            </a:srgbClr>
+          </a:solidFill>
+          <a:ln w="88900" cap="sq">
+            <a:solidFill>
+              <a:srgbClr val="FFFFFF"/>
+            </a:solidFill>
+            <a:miter lim="800000"/>
+          </a:ln>
+          <a:effectLst>
+            <a:outerShdw blurRad="88900" algn="tl" rotWithShape="0">
+              <a:srgbClr val="000000">
+                <a:alpha val="45000"/>
+              </a:srgbClr>
+            </a:outerShdw>
+          </a:effectLst>
+          <a:scene3d>
+            <a:camera prst="orthographicFront"/>
+            <a:lightRig rig="twoPt" dir="t">
+              <a:rot lat="0" lon="0" rev="7200000"/>
+            </a:lightRig>
+          </a:scene3d>
+          <a:sp3d>
+            <a:bevelT w="25400" h="19050"/>
+            <a:contourClr>
+              <a:srgbClr val="FFFFFF"/>
+            </a:contourClr>
+          </a:sp3d>
+        </p:spPr>
+      </p:pic>
+    </p:spTree>
+    <p:extLst>
+      <p:ext uri="{BB962C8B-B14F-4D97-AF65-F5344CB8AC3E}">
+        <p14:creationId xmlns:p14="http://schemas.microsoft.com/office/powerpoint/2010/main" val="3322046683"/>
+      </p:ext>
+    </p:extLst>
+  </p:cSld>
+  <p:clrMapOvr>
+    <a:masterClrMapping/>
+  </p:clrMapOvr>
+</p:sld>
+</file>
+
+<file path=ppt/slides/slide5.xml><?xml version="1.0" encoding="utf-8"?>
+<p:sld xmlns:a="http://schemas.openxmlformats.org/drawingml/2006/main" xmlns:r="http://schemas.openxmlformats.org/officeDocument/2006/relationships" xmlns:p="http://schemas.openxmlformats.org/presentationml/2006/main">
+  <p:cSld>
+    <p:bg>
+      <p:bgPr>
+        <a:solidFill>
+          <a:schemeClr val="bg1"/>
+        </a:solidFill>
+        <a:effectLst/>
+      </p:bgPr>
+    </p:bg>
+    <p:spTree>
+      <p:nvGrpSpPr>
+        <p:cNvPr id="1" name=""/>
+        <p:cNvGrpSpPr/>
+        <p:nvPr/>
+      </p:nvGrpSpPr>
+      <p:grpSpPr>
+        <a:xfrm>
+          <a:off x="0" y="0"/>
+          <a:ext cx="0" cy="0"/>
+          <a:chOff x="0" y="0"/>
+          <a:chExt cx="0" cy="0"/>
+        </a:xfrm>
+      </p:grpSpPr>
+      <p:sp>
+        <p:nvSpPr>
+          <p:cNvPr id="2" name="Title 1">
+            <a:extLst>
+              <a:ext uri="{FF2B5EF4-FFF2-40B4-BE49-F238E27FC236}">
+                <a16:creationId xmlns:a16="http://schemas.microsoft.com/office/drawing/2014/main" id="{9AB2EA78-AEB3-469B-9025-3B17201A457B}"/>
+              </a:ext>
+            </a:extLst>
+          </p:cNvPr>
+          <p:cNvSpPr>
+            <a:spLocks noGrp="1"/>
+          </p:cNvSpPr>
+          <p:nvPr>
+            <p:ph type="ctrTitle"/>
+          </p:nvPr>
+        </p:nvSpPr>
+        <p:spPr>
+          <a:xfrm>
+            <a:off x="1100051" y="310394"/>
+            <a:ext cx="5409806" cy="4914846"/>
+          </a:xfrm>
+        </p:spPr>
+        <p:txBody>
+          <a:bodyPr anchor="ctr">
+            <a:normAutofit fontScale="90000"/>
+          </a:bodyPr>
+          <a:lstStyle/>
+          <a:p>
+            <a:pPr lvl="0"/>
+            <a:r>
+              <a:rPr lang="en-US" sz="3200" b="1" u="sng" dirty="0">
+                <a:solidFill>
+                  <a:srgbClr val="FFFFFF"/>
+                </a:solidFill>
+              </a:rPr>
+              <a:t>On Progress</a:t>
+            </a:r>
+            <a:br>
+              <a:rPr lang="en-US" sz="3200" b="1" u="sng" dirty="0">
+                <a:solidFill>
+                  <a:srgbClr val="FFFFFF"/>
+                </a:solidFill>
+              </a:rPr>
+            </a:br>
+            <a:br>
+              <a:rPr lang="en-US" sz="3200" b="1" u="sng" dirty="0">
+                <a:solidFill>
+                  <a:srgbClr val="FFFFFF"/>
+                </a:solidFill>
+              </a:rPr>
+            </a:br>
+            <a:r>
+              <a:rPr lang="en-US" sz="2000" cap="none" dirty="0">
+                <a:solidFill>
+                  <a:srgbClr val="FFFFFF"/>
+                </a:solidFill>
+              </a:rPr>
+              <a:t>Fitur yang </a:t>
+            </a:r>
+            <a:r>
+              <a:rPr lang="en-US" sz="2000" cap="none" dirty="0" err="1">
+                <a:solidFill>
+                  <a:srgbClr val="FFFFFF"/>
+                </a:solidFill>
+              </a:rPr>
+              <a:t>sudah</a:t>
+            </a:r>
+            <a:r>
+              <a:rPr lang="en-US" sz="2000" cap="none" dirty="0">
+                <a:solidFill>
+                  <a:srgbClr val="FFFFFF"/>
+                </a:solidFill>
+              </a:rPr>
+              <a:t> </a:t>
+            </a:r>
+            <a:r>
+              <a:rPr lang="en-US" sz="2000" cap="none" dirty="0" err="1">
+                <a:solidFill>
+                  <a:srgbClr val="FFFFFF"/>
+                </a:solidFill>
+              </a:rPr>
+              <a:t>diselesaikan</a:t>
+            </a:r>
+            <a:r>
+              <a:rPr lang="en-US" sz="2000" cap="none" dirty="0">
+                <a:solidFill>
+                  <a:srgbClr val="FFFFFF"/>
+                </a:solidFill>
+              </a:rPr>
+              <a:t> :</a:t>
+            </a:r>
+            <a:br>
+              <a:rPr lang="en-US" sz="2000" cap="none" dirty="0"/>
+            </a:br>
+            <a:br>
+              <a:rPr lang="en-US" sz="2000" cap="none" dirty="0"/>
+            </a:br>
+            <a:r>
+              <a:rPr lang="en-US" sz="2000" cap="none" dirty="0"/>
+              <a:t>1. User information</a:t>
+            </a:r>
+            <a:br>
+              <a:rPr lang="en-US" sz="2000" cap="none" dirty="0"/>
+            </a:br>
+            <a:r>
+              <a:rPr lang="en-US" sz="2000" cap="none" dirty="0"/>
+              <a:t>    - </a:t>
+            </a:r>
+            <a:r>
+              <a:rPr lang="en-US" sz="2000" cap="none" dirty="0" err="1"/>
+              <a:t>Membuat</a:t>
+            </a:r>
+            <a:r>
+              <a:rPr lang="en-US" sz="2000" cap="none" dirty="0"/>
+              <a:t> </a:t>
+            </a:r>
+            <a:r>
+              <a:rPr lang="en-US" sz="2000" cap="none" dirty="0" err="1"/>
+              <a:t>tabel</a:t>
+            </a:r>
+            <a:r>
+              <a:rPr lang="en-US" sz="2000" cap="none" dirty="0"/>
+              <a:t> users di </a:t>
+            </a:r>
+            <a:r>
+              <a:rPr lang="en-US" sz="2000" cap="none" dirty="0" err="1"/>
+              <a:t>dalam</a:t>
+            </a:r>
+            <a:r>
+              <a:rPr lang="en-US" sz="2000" cap="none" dirty="0"/>
+              <a:t> database</a:t>
+            </a:r>
+            <a:br>
+              <a:rPr lang="en-US" sz="2000" cap="none" dirty="0"/>
+            </a:br>
+            <a:r>
+              <a:rPr lang="en-US" sz="2000" cap="none" dirty="0"/>
+              <a:t>    - </a:t>
+            </a:r>
+            <a:r>
+              <a:rPr lang="en-US" sz="2000" cap="none" dirty="0" err="1"/>
+              <a:t>Registrasi</a:t>
+            </a:r>
+            <a:r>
+              <a:rPr lang="en-US" sz="2000" cap="none" dirty="0"/>
+              <a:t> </a:t>
+            </a:r>
+            <a:r>
+              <a:rPr lang="en-US" sz="2000" cap="none" dirty="0" err="1"/>
+              <a:t>pengguna</a:t>
+            </a:r>
+            <a:br>
+              <a:rPr lang="en-US" sz="2000" cap="none" dirty="0"/>
+            </a:br>
+            <a:r>
+              <a:rPr lang="en-US" sz="2000" cap="none" dirty="0"/>
+              <a:t>    - </a:t>
+            </a:r>
+            <a:r>
+              <a:rPr lang="en-US" sz="2000" cap="none" dirty="0" err="1"/>
+              <a:t>Pengecekan</a:t>
+            </a:r>
+            <a:r>
+              <a:rPr lang="en-US" sz="2000" cap="none" dirty="0"/>
+              <a:t> data username</a:t>
+            </a:r>
+            <a:br>
+              <a:rPr lang="en-US" sz="2000" cap="none" dirty="0"/>
+            </a:br>
+            <a:r>
+              <a:rPr lang="en-US" sz="2000" cap="none" dirty="0"/>
+              <a:t>    - </a:t>
+            </a:r>
+            <a:r>
+              <a:rPr lang="en-US" sz="2000" cap="none" dirty="0" err="1"/>
+              <a:t>Memperbaharui</a:t>
+            </a:r>
+            <a:r>
+              <a:rPr lang="en-US" sz="2000" cap="none" dirty="0"/>
+              <a:t> data </a:t>
+            </a:r>
+            <a:r>
+              <a:rPr lang="en-US" sz="2000" cap="none" dirty="0" err="1"/>
+              <a:t>pengguna</a:t>
+            </a:r>
+            <a:br>
+              <a:rPr lang="en-US" sz="2000" cap="none" dirty="0"/>
+            </a:br>
+            <a:r>
+              <a:rPr lang="en-US" sz="2000" cap="none" dirty="0"/>
+              <a:t>    - </a:t>
+            </a:r>
+            <a:r>
+              <a:rPr lang="en-US" sz="2000" cap="none" dirty="0" err="1"/>
+              <a:t>Menghapus</a:t>
+            </a:r>
+            <a:r>
+              <a:rPr lang="en-US" sz="2000" cap="none" dirty="0"/>
+              <a:t> data </a:t>
+            </a:r>
+            <a:r>
+              <a:rPr lang="en-US" sz="2000" cap="none" dirty="0" err="1"/>
+              <a:t>pengguna</a:t>
+            </a:r>
+            <a:br>
+              <a:rPr lang="en-US" sz="2000" cap="none" dirty="0"/>
+            </a:br>
+            <a:r>
+              <a:rPr lang="en-US" sz="2000" cap="none" dirty="0"/>
+              <a:t>    - </a:t>
+            </a:r>
+            <a:r>
+              <a:rPr lang="en-US" sz="2000" cap="none" dirty="0" err="1"/>
+              <a:t>Mengambil</a:t>
+            </a:r>
+            <a:r>
+              <a:rPr lang="en-US" sz="2000" cap="none" dirty="0"/>
+              <a:t> detail data </a:t>
+            </a:r>
+            <a:r>
+              <a:rPr lang="en-US" sz="2000" cap="none" dirty="0" err="1"/>
+              <a:t>pengguna</a:t>
+            </a:r>
+            <a:br>
+              <a:rPr lang="en-US" sz="2000" cap="none" dirty="0"/>
+            </a:br>
+            <a:br>
+              <a:rPr lang="en-US" sz="2000" cap="none" dirty="0"/>
+            </a:br>
+            <a:r>
+              <a:rPr lang="en-US" sz="2000" cap="none" dirty="0"/>
+              <a:t>2. URL link trailer</a:t>
+            </a:r>
+            <a:br>
+              <a:rPr lang="en-US" sz="2000" cap="none" dirty="0"/>
+            </a:br>
+            <a:r>
+              <a:rPr lang="en-US" sz="2000" cap="none" dirty="0"/>
+              <a:t>    - </a:t>
+            </a:r>
+            <a:r>
+              <a:rPr lang="en-US" sz="2000" cap="none" dirty="0" err="1"/>
+              <a:t>Membuat</a:t>
+            </a:r>
+            <a:r>
+              <a:rPr lang="en-US" sz="2000" cap="none" dirty="0"/>
+              <a:t> </a:t>
+            </a:r>
+            <a:r>
+              <a:rPr lang="en-US" sz="2000" cap="none" dirty="0" err="1"/>
+              <a:t>tabel</a:t>
+            </a:r>
+            <a:r>
+              <a:rPr lang="en-US" sz="2000" cap="none" dirty="0"/>
+              <a:t> </a:t>
+            </a:r>
+            <a:r>
+              <a:rPr lang="en-US" sz="2000" cap="none" dirty="0" err="1"/>
+              <a:t>link_url</a:t>
+            </a:r>
+            <a:r>
+              <a:rPr lang="en-US" sz="2000" cap="none" dirty="0"/>
+              <a:t> </a:t>
+            </a:r>
+            <a:r>
+              <a:rPr lang="en-US" sz="2000" cap="none" dirty="0" err="1"/>
+              <a:t>didalam</a:t>
+            </a:r>
+            <a:r>
+              <a:rPr lang="en-US" sz="2000" cap="none" dirty="0"/>
+              <a:t> database</a:t>
+            </a:r>
+            <a:br>
+              <a:rPr lang="en-US" sz="2000" cap="none" dirty="0"/>
+            </a:br>
+            <a:r>
+              <a:rPr lang="en-US" sz="2000" cap="none" dirty="0"/>
+              <a:t>    - </a:t>
+            </a:r>
+            <a:r>
+              <a:rPr lang="en-US" sz="2000" cap="none" dirty="0" err="1"/>
+              <a:t>Registrasi</a:t>
+            </a:r>
+            <a:r>
+              <a:rPr lang="en-US" sz="2000" cap="none" dirty="0"/>
+              <a:t> link trailer</a:t>
+            </a:r>
+            <a:br>
+              <a:rPr lang="en-US" sz="2000" cap="none" dirty="0"/>
+            </a:br>
+            <a:r>
+              <a:rPr lang="en-US" sz="2000" cap="none" dirty="0"/>
+              <a:t>    - </a:t>
+            </a:r>
+            <a:r>
+              <a:rPr lang="en-US" sz="2000" cap="none" dirty="0" err="1"/>
+              <a:t>Memperbaharui</a:t>
+            </a:r>
+            <a:r>
+              <a:rPr lang="en-US" sz="2000" cap="none" dirty="0"/>
+              <a:t> data link trailer</a:t>
+            </a:r>
+            <a:br>
+              <a:rPr lang="en-US" sz="2000" cap="none" dirty="0"/>
+            </a:br>
+            <a:r>
+              <a:rPr lang="en-US" sz="2000" cap="none" dirty="0"/>
+              <a:t>    - </a:t>
+            </a:r>
+            <a:r>
+              <a:rPr lang="en-US" sz="2000" cap="none" dirty="0" err="1"/>
+              <a:t>Menghapus</a:t>
+            </a:r>
+            <a:r>
+              <a:rPr lang="en-US" sz="2000" cap="none" dirty="0"/>
+              <a:t> data link trailer</a:t>
+            </a:r>
+            <a:endParaRPr lang="en-US" sz="2700" dirty="0">
+              <a:solidFill>
+                <a:srgbClr val="FFFFFF"/>
+              </a:solidFill>
+            </a:endParaRPr>
+          </a:p>
+        </p:txBody>
+      </p:sp>
+      <p:sp>
+        <p:nvSpPr>
+          <p:cNvPr id="3" name="Subtitle 2">
+            <a:extLst>
+              <a:ext uri="{FF2B5EF4-FFF2-40B4-BE49-F238E27FC236}">
+                <a16:creationId xmlns:a16="http://schemas.microsoft.com/office/drawing/2014/main" id="{255E1F2F-E259-4EA8-9FFD-3A10AF541859}"/>
+              </a:ext>
+            </a:extLst>
+          </p:cNvPr>
+          <p:cNvSpPr>
+            <a:spLocks noGrp="1"/>
+          </p:cNvSpPr>
+          <p:nvPr>
+            <p:ph type="subTitle" idx="1"/>
+          </p:nvPr>
+        </p:nvSpPr>
+        <p:spPr>
+          <a:xfrm>
+            <a:off x="1100051" y="5225240"/>
+            <a:ext cx="10058400" cy="1143000"/>
+          </a:xfrm>
+        </p:spPr>
+        <p:txBody>
+          <a:bodyPr>
+            <a:normAutofit/>
+          </a:bodyPr>
+          <a:lstStyle/>
+          <a:p>
+            <a:r>
+              <a:rPr lang="en-US" sz="1400" dirty="0">
+                <a:solidFill>
+                  <a:srgbClr val="FFFFFF"/>
+                </a:solidFill>
+              </a:rPr>
+              <a:t>Movie - On Progress</a:t>
+            </a:r>
+          </a:p>
+        </p:txBody>
+      </p:sp>
+      <p:graphicFrame>
+        <p:nvGraphicFramePr>
+          <p:cNvPr id="7" name="Chart 6">
+            <a:extLst>
+              <a:ext uri="{FF2B5EF4-FFF2-40B4-BE49-F238E27FC236}">
+                <a16:creationId xmlns:a16="http://schemas.microsoft.com/office/drawing/2014/main" id="{3F869805-7C01-4EF8-A520-8BA083DF9F4E}"/>
+              </a:ext>
+            </a:extLst>
+          </p:cNvPr>
+          <p:cNvGraphicFramePr/>
+          <p:nvPr>
+            <p:extLst>
+              <p:ext uri="{D42A27DB-BD31-4B8C-83A1-F6EECF244321}">
+                <p14:modId xmlns:p14="http://schemas.microsoft.com/office/powerpoint/2010/main" val="32808829"/>
+              </p:ext>
+            </p:extLst>
+          </p:nvPr>
+        </p:nvGraphicFramePr>
+        <p:xfrm>
+          <a:off x="7255867" y="1660349"/>
+          <a:ext cx="4764946" cy="3274098"/>
+        </p:xfrm>
+        <a:graphic>
+          <a:graphicData uri="http://schemas.openxmlformats.org/drawingml/2006/chart">
+            <c:chart xmlns:c="http://schemas.openxmlformats.org/drawingml/2006/chart" xmlns:r="http://schemas.openxmlformats.org/officeDocument/2006/relationships" r:id="rId2"/>
+          </a:graphicData>
+        </a:graphic>
+      </p:graphicFrame>
+    </p:spTree>
+    <p:extLst>
+      <p:ext uri="{BB962C8B-B14F-4D97-AF65-F5344CB8AC3E}">
+        <p14:creationId xmlns:p14="http://schemas.microsoft.com/office/powerpoint/2010/main" val="4206578178"/>
+      </p:ext>
+    </p:extLst>
+  </p:cSld>
+  <p:clrMapOvr>
+    <a:masterClrMapping/>
+  </p:clrMapOvr>
+</p:sld>
+</file>
+
+<file path=ppt/slides/slide6.xml><?xml version="1.0" encoding="utf-8"?>
+<p:sld xmlns:a="http://schemas.openxmlformats.org/drawingml/2006/main" xmlns:r="http://schemas.openxmlformats.org/officeDocument/2006/relationships" xmlns:p="http://schemas.openxmlformats.org/presentationml/2006/main">
+  <p:cSld>
+    <p:bg>
+      <p:bgPr>
+        <a:solidFill>
+          <a:schemeClr val="bg1"/>
+        </a:solidFill>
+        <a:effectLst/>
+      </p:bgPr>
+    </p:bg>
+    <p:spTree>
+      <p:nvGrpSpPr>
+        <p:cNvPr id="1" name=""/>
+        <p:cNvGrpSpPr/>
+        <p:nvPr/>
+      </p:nvGrpSpPr>
+      <p:grpSpPr>
+        <a:xfrm>
+          <a:off x="0" y="0"/>
+          <a:ext cx="0" cy="0"/>
+          <a:chOff x="0" y="0"/>
+          <a:chExt cx="0" cy="0"/>
+        </a:xfrm>
+      </p:grpSpPr>
+      <p:sp>
+        <p:nvSpPr>
+          <p:cNvPr id="2" name="Title 1">
+            <a:extLst>
+              <a:ext uri="{FF2B5EF4-FFF2-40B4-BE49-F238E27FC236}">
+                <a16:creationId xmlns:a16="http://schemas.microsoft.com/office/drawing/2014/main" id="{9AB2EA78-AEB3-469B-9025-3B17201A457B}"/>
+              </a:ext>
+            </a:extLst>
+          </p:cNvPr>
+          <p:cNvSpPr>
+            <a:spLocks noGrp="1"/>
+          </p:cNvSpPr>
+          <p:nvPr>
+            <p:ph type="ctrTitle"/>
+          </p:nvPr>
+        </p:nvSpPr>
+        <p:spPr>
+          <a:xfrm>
+            <a:off x="1100051" y="806137"/>
+            <a:ext cx="6155816" cy="4647553"/>
+          </a:xfrm>
+        </p:spPr>
+        <p:txBody>
+          <a:bodyPr anchor="ctr">
+            <a:noAutofit/>
+          </a:bodyPr>
+          <a:lstStyle/>
+          <a:p>
+            <a:r>
+              <a:rPr lang="en-US" sz="2900" b="1" u="sng" dirty="0">
+                <a:solidFill>
+                  <a:srgbClr val="FFFFFF"/>
+                </a:solidFill>
+              </a:rPr>
+              <a:t>On Progress</a:t>
+            </a:r>
+            <a:br>
+              <a:rPr lang="en-US" sz="1400" b="1" u="sng" dirty="0">
+                <a:solidFill>
+                  <a:srgbClr val="FFFFFF"/>
+                </a:solidFill>
+              </a:rPr>
+            </a:br>
+            <a:br>
+              <a:rPr lang="en-US" sz="1400" cap="none" dirty="0">
+                <a:solidFill>
+                  <a:srgbClr val="FFFFFF"/>
+                </a:solidFill>
+              </a:rPr>
+            </a:br>
+            <a:r>
+              <a:rPr lang="en-US" sz="1600" cap="none" dirty="0">
+                <a:solidFill>
+                  <a:srgbClr val="FFFFFF"/>
+                </a:solidFill>
+              </a:rPr>
+              <a:t>Fitur yang </a:t>
+            </a:r>
+            <a:r>
+              <a:rPr lang="en-US" sz="1600" cap="none" dirty="0" err="1">
+                <a:solidFill>
+                  <a:srgbClr val="FFFFFF"/>
+                </a:solidFill>
+              </a:rPr>
+              <a:t>belum</a:t>
+            </a:r>
+            <a:r>
+              <a:rPr lang="en-US" sz="1600" cap="none" dirty="0">
+                <a:solidFill>
+                  <a:srgbClr val="FFFFFF"/>
+                </a:solidFill>
+              </a:rPr>
+              <a:t> </a:t>
+            </a:r>
+            <a:r>
+              <a:rPr lang="en-US" sz="1600" cap="none" dirty="0" err="1">
+                <a:solidFill>
+                  <a:srgbClr val="FFFFFF"/>
+                </a:solidFill>
+              </a:rPr>
+              <a:t>diselesaikan</a:t>
+            </a:r>
+            <a:r>
+              <a:rPr lang="en-US" sz="1600" cap="none" dirty="0">
+                <a:solidFill>
+                  <a:srgbClr val="FFFFFF"/>
+                </a:solidFill>
+              </a:rPr>
+              <a:t> :</a:t>
+            </a:r>
+            <a:br>
+              <a:rPr lang="en-US" sz="1600" cap="none" dirty="0"/>
+            </a:br>
+            <a:br>
+              <a:rPr lang="en-US" sz="1400" cap="none" dirty="0"/>
+            </a:br>
+            <a:r>
+              <a:rPr lang="en-US" sz="1400" cap="none" dirty="0"/>
+              <a:t>1. User information</a:t>
+            </a:r>
+            <a:br>
+              <a:rPr lang="en-US" sz="1400" cap="none" dirty="0"/>
+            </a:br>
+            <a:r>
+              <a:rPr lang="en-US" sz="1400" cap="none" dirty="0"/>
+              <a:t>    - Login </a:t>
+            </a:r>
+            <a:r>
+              <a:rPr lang="en-US" sz="1400" cap="none" dirty="0" err="1"/>
+              <a:t>pengguna</a:t>
+            </a:r>
+            <a:br>
+              <a:rPr lang="en-US" sz="1400" cap="none" dirty="0"/>
+            </a:br>
+            <a:r>
+              <a:rPr lang="en-US" sz="1400" cap="none" dirty="0"/>
+              <a:t>    - Generate token JWT</a:t>
+            </a:r>
+            <a:br>
+              <a:rPr lang="en-US" sz="1400" cap="none" dirty="0"/>
+            </a:br>
+            <a:r>
+              <a:rPr lang="en-US" sz="1400" cap="none" dirty="0"/>
+              <a:t>    - </a:t>
+            </a:r>
+            <a:r>
+              <a:rPr lang="en-US" sz="1400" cap="none" dirty="0" err="1"/>
+              <a:t>Implementasi</a:t>
+            </a:r>
+            <a:r>
+              <a:rPr lang="en-US" sz="1400" cap="none" dirty="0"/>
+              <a:t> token JWT</a:t>
+            </a:r>
+            <a:br>
+              <a:rPr lang="en-US" sz="1400" cap="none" dirty="0"/>
+            </a:br>
+            <a:br>
+              <a:rPr lang="en-US" sz="1400" cap="none" dirty="0"/>
+            </a:br>
+            <a:r>
+              <a:rPr lang="en-US" sz="1400" cap="none" dirty="0"/>
+              <a:t>2. </a:t>
+            </a:r>
+            <a:r>
+              <a:rPr lang="en-US" sz="1400" cap="none" dirty="0" err="1"/>
+              <a:t>Pencarian</a:t>
+            </a:r>
+            <a:r>
+              <a:rPr lang="en-US" sz="1400" cap="none" dirty="0"/>
+              <a:t> data film</a:t>
+            </a:r>
+            <a:br>
+              <a:rPr lang="en-US" sz="1400" cap="none" dirty="0"/>
+            </a:br>
+            <a:r>
+              <a:rPr lang="en-US" sz="1400" cap="none" dirty="0"/>
+              <a:t>    - </a:t>
+            </a:r>
+            <a:r>
+              <a:rPr lang="en-US" sz="1400" cap="none" dirty="0" err="1"/>
+              <a:t>Pencarian</a:t>
+            </a:r>
+            <a:r>
+              <a:rPr lang="en-US" sz="1400" cap="none" dirty="0"/>
+              <a:t> data film-film </a:t>
+            </a:r>
+            <a:r>
+              <a:rPr lang="en-US" sz="1400" cap="none" dirty="0" err="1"/>
+              <a:t>menggunakan</a:t>
+            </a:r>
+            <a:r>
+              <a:rPr lang="en-US" sz="1400" cap="none" dirty="0"/>
+              <a:t> </a:t>
+            </a:r>
+            <a:br>
+              <a:rPr lang="en-US" sz="1400" cap="none" dirty="0"/>
+            </a:br>
+            <a:r>
+              <a:rPr lang="en-US" sz="1400" cap="none" dirty="0"/>
+              <a:t>      Open API IMDB Movie List</a:t>
+            </a:r>
+            <a:br>
+              <a:rPr lang="en-US" sz="1400" cap="none" dirty="0"/>
+            </a:br>
+            <a:r>
+              <a:rPr lang="en-US" sz="1400" cap="none" dirty="0"/>
+              <a:t>    - </a:t>
+            </a:r>
+            <a:r>
+              <a:rPr lang="en-US" sz="1400" cap="none" dirty="0" err="1"/>
+              <a:t>Pencarian</a:t>
+            </a:r>
+            <a:r>
+              <a:rPr lang="en-US" sz="1400" cap="none" dirty="0"/>
+              <a:t> data film-film </a:t>
+            </a:r>
+            <a:r>
+              <a:rPr lang="en-US" sz="1400" cap="none" dirty="0" err="1"/>
+              <a:t>kedalam</a:t>
+            </a:r>
+            <a:r>
+              <a:rPr lang="en-US" sz="1400" cap="none" dirty="0"/>
+              <a:t> database</a:t>
+            </a:r>
+            <a:br>
+              <a:rPr lang="en-US" sz="1400" cap="none" dirty="0"/>
+            </a:br>
+            <a:r>
+              <a:rPr lang="en-US" sz="1400" cap="none" dirty="0"/>
+              <a:t>      </a:t>
+            </a:r>
+            <a:r>
+              <a:rPr lang="en-US" sz="1400" cap="none" dirty="0" err="1"/>
+              <a:t>lokal</a:t>
+            </a:r>
+            <a:r>
+              <a:rPr lang="en-US" sz="1400" cap="none" dirty="0"/>
+              <a:t> </a:t>
+            </a:r>
+            <a:r>
+              <a:rPr lang="en-US" sz="1400" cap="none" dirty="0" err="1"/>
+              <a:t>aplikasi</a:t>
+            </a:r>
+            <a:r>
+              <a:rPr lang="en-US" sz="1400" cap="none" dirty="0"/>
+              <a:t> </a:t>
+            </a:r>
+            <a:r>
+              <a:rPr lang="en-US" sz="1400" cap="none" dirty="0" err="1"/>
+              <a:t>terlebih</a:t>
+            </a:r>
+            <a:r>
+              <a:rPr lang="en-US" sz="1400" cap="none" dirty="0"/>
+              <a:t> </a:t>
+            </a:r>
+            <a:r>
+              <a:rPr lang="en-US" sz="1400" cap="none" dirty="0" err="1"/>
+              <a:t>dahulu</a:t>
+            </a:r>
+            <a:r>
+              <a:rPr lang="en-US" sz="1400" cap="none" dirty="0"/>
+              <a:t> </a:t>
+            </a:r>
+            <a:r>
+              <a:rPr lang="en-US" sz="1400" cap="none" dirty="0" err="1"/>
+              <a:t>sebelum</a:t>
+            </a:r>
+            <a:r>
+              <a:rPr lang="en-US" sz="1400" cap="none" dirty="0"/>
+              <a:t> </a:t>
+            </a:r>
+            <a:r>
+              <a:rPr lang="en-US" sz="1400" cap="none" dirty="0" err="1"/>
+              <a:t>melakukan</a:t>
+            </a:r>
+            <a:r>
+              <a:rPr lang="en-US" sz="1400" cap="none" dirty="0"/>
+              <a:t> request data </a:t>
+            </a:r>
+            <a:br>
+              <a:rPr lang="en-US" sz="1400" cap="none" dirty="0"/>
+            </a:br>
+            <a:r>
+              <a:rPr lang="en-US" sz="1400" cap="none" dirty="0"/>
+              <a:t>      </a:t>
+            </a:r>
+            <a:r>
+              <a:rPr lang="en-US" sz="1400" cap="none" dirty="0" err="1"/>
+              <a:t>ke</a:t>
+            </a:r>
+            <a:r>
+              <a:rPr lang="en-US" sz="1400" cap="none" dirty="0"/>
+              <a:t> Open API (agar </a:t>
+            </a:r>
+            <a:r>
+              <a:rPr lang="en-US" sz="1400" cap="none" dirty="0" err="1"/>
+              <a:t>tidak</a:t>
+            </a:r>
+            <a:r>
+              <a:rPr lang="en-US" sz="1400" cap="none" dirty="0"/>
+              <a:t> </a:t>
+            </a:r>
+            <a:r>
+              <a:rPr lang="en-US" sz="1400" cap="none" dirty="0" err="1"/>
+              <a:t>selalu</a:t>
+            </a:r>
+            <a:r>
+              <a:rPr lang="en-US" sz="1400" cap="none" dirty="0"/>
+              <a:t> </a:t>
+            </a:r>
+            <a:r>
+              <a:rPr lang="en-US" sz="1400" cap="none" dirty="0" err="1"/>
+              <a:t>melakukan</a:t>
+            </a:r>
+            <a:r>
+              <a:rPr lang="en-US" sz="1400" cap="none" dirty="0"/>
+              <a:t> request </a:t>
+            </a:r>
+            <a:r>
+              <a:rPr lang="en-US" sz="1400" cap="none" dirty="0" err="1"/>
+              <a:t>ke</a:t>
+            </a:r>
+            <a:r>
+              <a:rPr lang="en-US" sz="1400" cap="none" dirty="0"/>
+              <a:t> Open API)</a:t>
+            </a:r>
+            <a:br>
+              <a:rPr lang="en-US" sz="1400" cap="none" dirty="0"/>
+            </a:br>
+            <a:br>
+              <a:rPr lang="en-US" sz="1400" cap="none" dirty="0"/>
+            </a:br>
+            <a:r>
+              <a:rPr lang="en-US" sz="1400" cap="none" dirty="0"/>
+              <a:t>3. </a:t>
+            </a:r>
+            <a:r>
+              <a:rPr lang="en-US" sz="1400" cap="none" dirty="0" err="1"/>
+              <a:t>Penyimpanan</a:t>
+            </a:r>
+            <a:r>
+              <a:rPr lang="en-US" sz="1400" cap="none" dirty="0"/>
+              <a:t> data</a:t>
+            </a:r>
+            <a:br>
+              <a:rPr lang="en-US" sz="1400" cap="none" dirty="0"/>
+            </a:br>
+            <a:r>
+              <a:rPr lang="en-US" sz="1400" cap="none" dirty="0"/>
+              <a:t>    - </a:t>
+            </a:r>
+            <a:r>
+              <a:rPr lang="en-US" sz="1400" cap="none" dirty="0" err="1"/>
+              <a:t>Penyimpanan</a:t>
+            </a:r>
+            <a:r>
+              <a:rPr lang="en-US" sz="1400" cap="none" dirty="0"/>
+              <a:t> data </a:t>
+            </a:r>
+            <a:r>
+              <a:rPr lang="en-US" sz="1400" cap="none" dirty="0" err="1"/>
+              <a:t>ke</a:t>
+            </a:r>
+            <a:r>
+              <a:rPr lang="en-US" sz="1400" cap="none" dirty="0"/>
+              <a:t> </a:t>
+            </a:r>
+            <a:r>
+              <a:rPr lang="en-US" sz="1400" cap="none" dirty="0" err="1"/>
+              <a:t>dalam</a:t>
+            </a:r>
+            <a:r>
+              <a:rPr lang="en-US" sz="1400" cap="none" dirty="0"/>
+              <a:t> database </a:t>
+            </a:r>
+            <a:r>
+              <a:rPr lang="en-US" sz="1400" cap="none" dirty="0" err="1"/>
+              <a:t>lokal</a:t>
+            </a:r>
+            <a:r>
+              <a:rPr lang="en-US" sz="1400" cap="none" dirty="0"/>
+              <a:t> </a:t>
+            </a:r>
+            <a:br>
+              <a:rPr lang="en-US" sz="1400" cap="none" dirty="0"/>
+            </a:br>
+            <a:r>
+              <a:rPr lang="en-US" sz="1400" cap="none" dirty="0"/>
+              <a:t>      </a:t>
+            </a:r>
+            <a:r>
+              <a:rPr lang="en-US" sz="1400" cap="none" dirty="0" err="1"/>
+              <a:t>aplikasi</a:t>
+            </a:r>
+            <a:r>
+              <a:rPr lang="en-US" sz="1400" cap="none" dirty="0"/>
+              <a:t> </a:t>
+            </a:r>
+            <a:r>
+              <a:rPr lang="en-US" sz="1400" cap="none" dirty="0" err="1"/>
+              <a:t>secara</a:t>
+            </a:r>
+            <a:r>
+              <a:rPr lang="en-US" sz="1400" cap="none" dirty="0"/>
+              <a:t> </a:t>
+            </a:r>
+            <a:r>
+              <a:rPr lang="en-US" sz="1400" cap="none" dirty="0" err="1"/>
+              <a:t>otomatis</a:t>
+            </a:r>
+            <a:r>
+              <a:rPr lang="en-US" sz="1400" cap="none" dirty="0"/>
+              <a:t> </a:t>
+            </a:r>
+            <a:r>
+              <a:rPr lang="en-US" sz="1400" cap="none" dirty="0" err="1"/>
+              <a:t>ketika</a:t>
+            </a:r>
+            <a:r>
+              <a:rPr lang="en-US" sz="1400" cap="none" dirty="0"/>
+              <a:t> </a:t>
+            </a:r>
+            <a:r>
+              <a:rPr lang="en-US" sz="1400" cap="none" dirty="0" err="1"/>
+              <a:t>selesai</a:t>
+            </a:r>
+            <a:r>
+              <a:rPr lang="en-US" sz="1400" cap="none" dirty="0"/>
+              <a:t> </a:t>
+            </a:r>
+            <a:br>
+              <a:rPr lang="en-US" sz="1400" cap="none" dirty="0"/>
+            </a:br>
+            <a:r>
+              <a:rPr lang="en-US" sz="1400" cap="none" dirty="0"/>
+              <a:t>      </a:t>
+            </a:r>
+            <a:r>
+              <a:rPr lang="en-US" sz="1400" cap="none" dirty="0" err="1"/>
+              <a:t>melakukan</a:t>
+            </a:r>
+            <a:r>
+              <a:rPr lang="en-US" sz="1400" cap="none" dirty="0"/>
+              <a:t> </a:t>
+            </a:r>
+            <a:r>
+              <a:rPr lang="en-US" sz="1400" cap="none" dirty="0" err="1"/>
+              <a:t>pencarian</a:t>
+            </a:r>
+            <a:r>
+              <a:rPr lang="en-US" sz="1400" cap="none" dirty="0"/>
+              <a:t> </a:t>
+            </a:r>
+            <a:r>
+              <a:rPr lang="en-US" sz="1400" cap="none" dirty="0" err="1"/>
+              <a:t>menggunakan</a:t>
+            </a:r>
+            <a:br>
+              <a:rPr lang="en-US" sz="1400" cap="none" dirty="0"/>
+            </a:br>
+            <a:r>
+              <a:rPr lang="en-US" sz="1400" cap="none" dirty="0"/>
+              <a:t>      Open </a:t>
+            </a:r>
+            <a:r>
+              <a:rPr lang="en-US" sz="1400" cap="none" dirty="0" err="1"/>
+              <a:t>Api</a:t>
+            </a:r>
+            <a:r>
+              <a:rPr lang="en-US" sz="1400" cap="none" dirty="0"/>
+              <a:t> IMDB</a:t>
+            </a:r>
+            <a:br>
+              <a:rPr lang="en-US" sz="1400" cap="none" dirty="0"/>
+            </a:br>
+            <a:r>
+              <a:rPr lang="en-US" sz="1400" cap="none" dirty="0"/>
+              <a:t>    - </a:t>
+            </a:r>
+            <a:r>
+              <a:rPr lang="en-US" sz="1400" cap="none" dirty="0" err="1"/>
+              <a:t>Penyimpanan</a:t>
+            </a:r>
+            <a:r>
+              <a:rPr lang="en-US" sz="1400" cap="none" dirty="0"/>
+              <a:t> data film </a:t>
+            </a:r>
+            <a:r>
+              <a:rPr lang="en-US" sz="1400" cap="none" dirty="0" err="1"/>
+              <a:t>sebagai</a:t>
+            </a:r>
+            <a:r>
+              <a:rPr lang="en-US" sz="1400" cap="none" dirty="0"/>
+              <a:t> </a:t>
+            </a:r>
+            <a:r>
+              <a:rPr lang="en-US" sz="1400" cap="none" dirty="0" err="1"/>
+              <a:t>wishlist</a:t>
+            </a:r>
+            <a:r>
+              <a:rPr lang="en-US" sz="1400" cap="none" dirty="0"/>
+              <a:t> </a:t>
+            </a:r>
+            <a:r>
+              <a:rPr lang="en-US" sz="1400" cap="none" dirty="0" err="1"/>
+              <a:t>pengguna</a:t>
+            </a:r>
+            <a:br>
+              <a:rPr lang="en-US" sz="1400" cap="none" dirty="0"/>
+            </a:br>
+            <a:br>
+              <a:rPr lang="en-US" sz="1400" cap="none" dirty="0"/>
+            </a:br>
+            <a:r>
+              <a:rPr lang="en-US" sz="1400" cap="none" dirty="0"/>
+              <a:t> </a:t>
+            </a:r>
+            <a:br>
+              <a:rPr lang="en-US" sz="1400" cap="none" dirty="0"/>
+            </a:br>
+            <a:br>
+              <a:rPr lang="en-US" sz="1400" cap="none" dirty="0"/>
+            </a:br>
+            <a:endParaRPr lang="en-US" sz="1400" dirty="0">
+              <a:solidFill>
+                <a:srgbClr val="FFFFFF"/>
+              </a:solidFill>
+            </a:endParaRPr>
+          </a:p>
+        </p:txBody>
+      </p:sp>
+      <p:sp>
+        <p:nvSpPr>
+          <p:cNvPr id="3" name="Subtitle 2">
+            <a:extLst>
+              <a:ext uri="{FF2B5EF4-FFF2-40B4-BE49-F238E27FC236}">
+                <a16:creationId xmlns:a16="http://schemas.microsoft.com/office/drawing/2014/main" id="{255E1F2F-E259-4EA8-9FFD-3A10AF541859}"/>
+              </a:ext>
+            </a:extLst>
+          </p:cNvPr>
+          <p:cNvSpPr>
+            <a:spLocks noGrp="1"/>
+          </p:cNvSpPr>
+          <p:nvPr>
+            <p:ph type="subTitle" idx="1"/>
+          </p:nvPr>
+        </p:nvSpPr>
+        <p:spPr>
+          <a:xfrm>
+            <a:off x="1100051" y="5225240"/>
+            <a:ext cx="10058400" cy="1143000"/>
+          </a:xfrm>
+        </p:spPr>
+        <p:txBody>
+          <a:bodyPr>
+            <a:normAutofit/>
+          </a:bodyPr>
+          <a:lstStyle/>
+          <a:p>
+            <a:r>
+              <a:rPr lang="en-US" sz="1400" dirty="0">
+                <a:solidFill>
+                  <a:srgbClr val="FFFFFF"/>
+                </a:solidFill>
+              </a:rPr>
+              <a:t>Movie - On Progress</a:t>
+            </a:r>
+          </a:p>
+        </p:txBody>
+      </p:sp>
+      <p:graphicFrame>
+        <p:nvGraphicFramePr>
+          <p:cNvPr id="9" name="Chart 8">
+            <a:extLst>
+              <a:ext uri="{FF2B5EF4-FFF2-40B4-BE49-F238E27FC236}">
+                <a16:creationId xmlns:a16="http://schemas.microsoft.com/office/drawing/2014/main" id="{1D16ECA6-EE39-4E07-9A40-ED5F93D9DE48}"/>
+              </a:ext>
+            </a:extLst>
+          </p:cNvPr>
+          <p:cNvGraphicFramePr/>
+          <p:nvPr>
+            <p:extLst>
+              <p:ext uri="{D42A27DB-BD31-4B8C-83A1-F6EECF244321}">
+                <p14:modId xmlns:p14="http://schemas.microsoft.com/office/powerpoint/2010/main" val="4083881640"/>
+              </p:ext>
+            </p:extLst>
+          </p:nvPr>
+        </p:nvGraphicFramePr>
+        <p:xfrm>
+          <a:off x="7255867" y="1660349"/>
+          <a:ext cx="4764946" cy="3274098"/>
+        </p:xfrm>
+        <a:graphic>
+          <a:graphicData uri="http://schemas.openxmlformats.org/drawingml/2006/chart">
+            <c:chart xmlns:c="http://schemas.openxmlformats.org/drawingml/2006/chart" xmlns:r="http://schemas.openxmlformats.org/officeDocument/2006/relationships" r:id="rId2"/>
+          </a:graphicData>
+        </a:graphic>
+      </p:graphicFrame>
+    </p:spTree>
+    <p:extLst>
+      <p:ext uri="{BB962C8B-B14F-4D97-AF65-F5344CB8AC3E}">
+        <p14:creationId xmlns:p14="http://schemas.microsoft.com/office/powerpoint/2010/main" val="1328709048"/>
+      </p:ext>
+    </p:extLst>
+  </p:cSld>
+  <p:clrMapOvr>
+    <a:masterClrMapping/>
+  </p:clrMapOvr>
+</p:sld>
+</file>
+
+<file path=ppt/slides/slide7.xml><?xml version="1.0" encoding="utf-8"?>
+<p:sld xmlns:a="http://schemas.openxmlformats.org/drawingml/2006/main" xmlns:r="http://schemas.openxmlformats.org/officeDocument/2006/relationships" xmlns:p="http://schemas.openxmlformats.org/presentationml/2006/main">
+  <p:cSld>
+    <p:bg>
+      <p:bgPr>
+        <a:solidFill>
+          <a:schemeClr val="bg1"/>
+        </a:solidFill>
+        <a:effectLst/>
+      </p:bgPr>
+    </p:bg>
+    <p:spTree>
+      <p:nvGrpSpPr>
+        <p:cNvPr id="1" name=""/>
+        <p:cNvGrpSpPr/>
+        <p:nvPr/>
+      </p:nvGrpSpPr>
+      <p:grpSpPr>
+        <a:xfrm>
+          <a:off x="0" y="0"/>
+          <a:ext cx="0" cy="0"/>
+          <a:chOff x="0" y="0"/>
+          <a:chExt cx="0" cy="0"/>
+        </a:xfrm>
+      </p:grpSpPr>
+      <p:sp>
+        <p:nvSpPr>
+          <p:cNvPr id="2" name="Title 1">
+            <a:extLst>
+              <a:ext uri="{FF2B5EF4-FFF2-40B4-BE49-F238E27FC236}">
+                <a16:creationId xmlns:a16="http://schemas.microsoft.com/office/drawing/2014/main" id="{9AB2EA78-AEB3-469B-9025-3B17201A457B}"/>
+              </a:ext>
+            </a:extLst>
+          </p:cNvPr>
+          <p:cNvSpPr>
+            <a:spLocks noGrp="1"/>
+          </p:cNvSpPr>
+          <p:nvPr>
+            <p:ph type="ctrTitle"/>
+          </p:nvPr>
+        </p:nvSpPr>
+        <p:spPr>
+          <a:xfrm>
+            <a:off x="1100051" y="806137"/>
+            <a:ext cx="6155816" cy="4647553"/>
+          </a:xfrm>
+        </p:spPr>
+        <p:txBody>
+          <a:bodyPr anchor="ctr">
+            <a:noAutofit/>
+          </a:bodyPr>
+          <a:lstStyle/>
+          <a:p>
+            <a:r>
+              <a:rPr lang="en-US" sz="2900" b="1" u="sng" dirty="0">
+                <a:solidFill>
+                  <a:srgbClr val="FFFFFF"/>
+                </a:solidFill>
+              </a:rPr>
+              <a:t>SWAGGER</a:t>
+            </a:r>
+            <a:br>
+              <a:rPr lang="en-US" sz="2900" b="1" u="sng" dirty="0">
+                <a:solidFill>
+                  <a:srgbClr val="FFFFFF"/>
+                </a:solidFill>
+              </a:rPr>
+            </a:br>
+            <a:br>
+              <a:rPr lang="en-US" sz="1400" b="1" u="sng" dirty="0">
+                <a:solidFill>
+                  <a:srgbClr val="FFFFFF"/>
+                </a:solidFill>
+              </a:rPr>
+            </a:br>
+            <a:br>
+              <a:rPr lang="en-US" sz="1400" b="1" u="sng" dirty="0">
+                <a:solidFill>
+                  <a:srgbClr val="FFFFFF"/>
+                </a:solidFill>
+              </a:rPr>
+            </a:br>
+            <a:br>
+              <a:rPr lang="en-US" sz="1400" b="1" u="sng" dirty="0">
+                <a:solidFill>
+                  <a:srgbClr val="FFFFFF"/>
+                </a:solidFill>
+              </a:rPr>
+            </a:br>
+            <a:r>
+              <a:rPr lang="en-US" sz="1600" cap="none" dirty="0">
+                <a:hlinkClick r:id="rId2">
+                  <a:extLst>
+                    <a:ext uri="{A12FA001-AC4F-418D-AE19-62706E023703}">
+                      <ahyp:hlinkClr xmlns:ahyp="http://schemas.microsoft.com/office/drawing/2018/hyperlinkcolor" val="tx"/>
+                    </a:ext>
+                  </a:extLst>
+                </a:hlinkClick>
+              </a:rPr>
+              <a:t>https://editor.swagger.io</a:t>
+            </a:r>
+            <a:br>
+              <a:rPr lang="en-US" sz="1600" cap="none" dirty="0">
+                <a:solidFill>
+                  <a:srgbClr val="FFFFFF"/>
+                </a:solidFill>
+              </a:rPr>
+            </a:br>
+            <a:br>
+              <a:rPr lang="en-US" sz="1600" cap="none" dirty="0">
+                <a:solidFill>
+                  <a:srgbClr val="FFFFFF"/>
+                </a:solidFill>
+              </a:rPr>
+            </a:br>
+            <a:br>
+              <a:rPr lang="en-US" sz="1600" cap="none" dirty="0">
+                <a:solidFill>
+                  <a:srgbClr val="FFFFFF"/>
+                </a:solidFill>
+              </a:rPr>
+            </a:br>
+            <a:br>
+              <a:rPr lang="en-US" sz="1600" cap="none" dirty="0">
+                <a:solidFill>
+                  <a:srgbClr val="FFFFFF"/>
+                </a:solidFill>
+              </a:rPr>
+            </a:br>
+            <a:br>
+              <a:rPr lang="en-US" sz="1600" cap="none" dirty="0">
+                <a:solidFill>
+                  <a:srgbClr val="FFFFFF"/>
+                </a:solidFill>
+              </a:rPr>
+            </a:br>
+            <a:br>
+              <a:rPr lang="en-US" sz="1600" cap="none" dirty="0">
+                <a:solidFill>
+                  <a:srgbClr val="FFFFFF"/>
+                </a:solidFill>
+              </a:rPr>
+            </a:br>
+            <a:br>
+              <a:rPr lang="en-US" sz="1600" cap="none" dirty="0">
+                <a:solidFill>
+                  <a:srgbClr val="FFFFFF"/>
+                </a:solidFill>
+              </a:rPr>
+            </a:br>
+            <a:br>
+              <a:rPr lang="en-US" sz="1600" cap="none" dirty="0">
+                <a:solidFill>
+                  <a:srgbClr val="FFFFFF"/>
+                </a:solidFill>
+              </a:rPr>
+            </a:br>
+            <a:br>
+              <a:rPr lang="en-US" sz="1600" cap="none" dirty="0">
+                <a:solidFill>
+                  <a:srgbClr val="FFFFFF"/>
+                </a:solidFill>
+              </a:rPr>
+            </a:br>
+            <a:br>
+              <a:rPr lang="en-US" sz="1600" cap="none" dirty="0">
+                <a:solidFill>
+                  <a:srgbClr val="FFFFFF"/>
+                </a:solidFill>
+              </a:rPr>
+            </a:br>
+            <a:br>
+              <a:rPr lang="en-US" sz="1600" cap="none" dirty="0">
+                <a:solidFill>
+                  <a:srgbClr val="FFFFFF"/>
+                </a:solidFill>
+              </a:rPr>
+            </a:br>
+            <a:br>
+              <a:rPr lang="en-US" sz="1600" cap="none" dirty="0">
+                <a:solidFill>
+                  <a:srgbClr val="FFFFFF"/>
+                </a:solidFill>
+              </a:rPr>
+            </a:br>
+            <a:br>
+              <a:rPr lang="en-US" sz="1600" cap="none" dirty="0">
+                <a:solidFill>
+                  <a:srgbClr val="FFFFFF"/>
+                </a:solidFill>
+              </a:rPr>
+            </a:br>
+            <a:br>
+              <a:rPr lang="en-US" sz="1600" cap="none" dirty="0">
+                <a:solidFill>
+                  <a:srgbClr val="FFFFFF"/>
+                </a:solidFill>
+              </a:rPr>
+            </a:br>
+            <a:br>
+              <a:rPr lang="en-US" sz="1600" cap="none" dirty="0">
+                <a:solidFill>
+                  <a:srgbClr val="FFFFFF"/>
+                </a:solidFill>
+              </a:rPr>
+            </a:br>
+            <a:br>
+              <a:rPr lang="en-US" sz="1400" cap="none" dirty="0"/>
+            </a:br>
+            <a:br>
+              <a:rPr lang="en-US" sz="1400" cap="none" dirty="0"/>
+            </a:br>
+            <a:r>
+              <a:rPr lang="en-US" sz="1400" cap="none" dirty="0"/>
+              <a:t> </a:t>
+            </a:r>
+            <a:br>
+              <a:rPr lang="en-US" sz="1400" cap="none" dirty="0"/>
+            </a:br>
+            <a:br>
+              <a:rPr lang="en-US" sz="1400" cap="none" dirty="0"/>
+            </a:br>
+            <a:endParaRPr lang="en-US" sz="1400" dirty="0">
+              <a:solidFill>
+                <a:srgbClr val="FFFFFF"/>
+              </a:solidFill>
+            </a:endParaRPr>
+          </a:p>
+        </p:txBody>
+      </p:sp>
+      <p:sp>
+        <p:nvSpPr>
+          <p:cNvPr id="3" name="Subtitle 2">
+            <a:extLst>
+              <a:ext uri="{FF2B5EF4-FFF2-40B4-BE49-F238E27FC236}">
+                <a16:creationId xmlns:a16="http://schemas.microsoft.com/office/drawing/2014/main" id="{255E1F2F-E259-4EA8-9FFD-3A10AF541859}"/>
+              </a:ext>
+            </a:extLst>
+          </p:cNvPr>
+          <p:cNvSpPr>
+            <a:spLocks noGrp="1"/>
+          </p:cNvSpPr>
+          <p:nvPr>
+            <p:ph type="subTitle" idx="1"/>
+          </p:nvPr>
+        </p:nvSpPr>
+        <p:spPr>
+          <a:xfrm>
+            <a:off x="1100051" y="5225240"/>
+            <a:ext cx="10058400" cy="1143000"/>
+          </a:xfrm>
+        </p:spPr>
+        <p:txBody>
+          <a:bodyPr>
+            <a:normAutofit/>
+          </a:bodyPr>
+          <a:lstStyle/>
+          <a:p>
+            <a:r>
+              <a:rPr lang="en-US" sz="1400" dirty="0">
+                <a:solidFill>
+                  <a:srgbClr val="FFFFFF"/>
+                </a:solidFill>
+              </a:rPr>
+              <a:t>Movie - Swagger</a:t>
+            </a:r>
+          </a:p>
+        </p:txBody>
+      </p:sp>
+      <p:pic>
+        <p:nvPicPr>
+          <p:cNvPr id="10" name="Picture 9">
+            <a:extLst>
+              <a:ext uri="{FF2B5EF4-FFF2-40B4-BE49-F238E27FC236}">
+                <a16:creationId xmlns:a16="http://schemas.microsoft.com/office/drawing/2014/main" id="{66C3FDEF-2305-46A1-A43A-10E5AE522605}"/>
+              </a:ext>
+            </a:extLst>
+          </p:cNvPr>
+          <p:cNvPicPr>
+            <a:picLocks noChangeAspect="1"/>
+          </p:cNvPicPr>
+          <p:nvPr/>
+        </p:nvPicPr>
+        <p:blipFill rotWithShape="1">
+          <a:blip r:embed="rId3"/>
+          <a:srcRect r="19992"/>
+          <a:stretch/>
+        </p:blipFill>
+        <p:spPr>
+          <a:xfrm>
+            <a:off x="4101869" y="1490791"/>
+            <a:ext cx="6990080" cy="4420174"/>
+          </a:xfrm>
+          <a:prstGeom prst="rect">
+            <a:avLst/>
+          </a:prstGeom>
+        </p:spPr>
+      </p:pic>
+    </p:spTree>
+    <p:extLst>
+      <p:ext uri="{BB962C8B-B14F-4D97-AF65-F5344CB8AC3E}">
+        <p14:creationId xmlns:p14="http://schemas.microsoft.com/office/powerpoint/2010/main" val="166550473"/>
+      </p:ext>
+    </p:extLst>
+  </p:cSld>
+  <p:clrMapOvr>
+    <a:masterClrMapping/>
+  </p:clrMapOvr>
+</p:sld>
+</file>
+
+<file path=ppt/slides/slide8.xml><?xml version="1.0" encoding="utf-8"?>
+<p:sld xmlns:a="http://schemas.openxmlformats.org/drawingml/2006/main" xmlns:r="http://schemas.openxmlformats.org/officeDocument/2006/relationships" xmlns:p="http://schemas.openxmlformats.org/presentationml/2006/main">
+  <p:cSld>
+    <p:bg>
+      <p:bgPr>
+        <a:solidFill>
+          <a:schemeClr val="bg1"/>
+        </a:solidFill>
+        <a:effectLst/>
+      </p:bgPr>
+    </p:bg>
+    <p:spTree>
+      <p:nvGrpSpPr>
+        <p:cNvPr id="1" name=""/>
+        <p:cNvGrpSpPr/>
+        <p:nvPr/>
+      </p:nvGrpSpPr>
+      <p:grpSpPr>
+        <a:xfrm>
+          <a:off x="0" y="0"/>
+          <a:ext cx="0" cy="0"/>
+          <a:chOff x="0" y="0"/>
+          <a:chExt cx="0" cy="0"/>
+        </a:xfrm>
+      </p:grpSpPr>
+      <p:sp>
+        <p:nvSpPr>
+          <p:cNvPr id="2" name="Title 1">
+            <a:extLst>
+              <a:ext uri="{FF2B5EF4-FFF2-40B4-BE49-F238E27FC236}">
+                <a16:creationId xmlns:a16="http://schemas.microsoft.com/office/drawing/2014/main" id="{9AB2EA78-AEB3-469B-9025-3B17201A457B}"/>
+              </a:ext>
+            </a:extLst>
+          </p:cNvPr>
+          <p:cNvSpPr>
+            <a:spLocks noGrp="1"/>
+          </p:cNvSpPr>
+          <p:nvPr>
+            <p:ph type="ctrTitle"/>
+          </p:nvPr>
+        </p:nvSpPr>
+        <p:spPr>
+          <a:xfrm>
+            <a:off x="1100051" y="806137"/>
+            <a:ext cx="6155816" cy="4647553"/>
+          </a:xfrm>
+        </p:spPr>
+        <p:txBody>
+          <a:bodyPr anchor="ctr">
+            <a:noAutofit/>
+          </a:bodyPr>
+          <a:lstStyle/>
+          <a:p>
+            <a:r>
+              <a:rPr lang="en-US" sz="2900" b="1" u="sng" dirty="0">
+                <a:solidFill>
+                  <a:srgbClr val="FFFFFF"/>
+                </a:solidFill>
+              </a:rPr>
+              <a:t>README</a:t>
+            </a:r>
+            <a:br>
+              <a:rPr lang="en-US" sz="2900" b="1" u="sng" dirty="0">
+                <a:solidFill>
+                  <a:srgbClr val="FFFFFF"/>
+                </a:solidFill>
+              </a:rPr>
+            </a:br>
+            <a:br>
+              <a:rPr lang="en-US" sz="1400" b="1" u="sng" dirty="0">
+                <a:solidFill>
+                  <a:srgbClr val="FFFFFF"/>
+                </a:solidFill>
+              </a:rPr>
+            </a:br>
+            <a:br>
+              <a:rPr lang="en-US" sz="1600" cap="none" dirty="0">
+                <a:solidFill>
+                  <a:srgbClr val="FFFFFF"/>
+                </a:solidFill>
+              </a:rPr>
+            </a:br>
+            <a:r>
+              <a:rPr lang="en-US" sz="1600" cap="none" dirty="0">
+                <a:solidFill>
+                  <a:srgbClr val="FFFFFF"/>
+                </a:solidFill>
+              </a:rPr>
+              <a:t>- </a:t>
+            </a:r>
+            <a:r>
+              <a:rPr lang="en-US" sz="1600" cap="none" dirty="0" err="1">
+                <a:solidFill>
+                  <a:srgbClr val="FFFFFF"/>
+                </a:solidFill>
+              </a:rPr>
+              <a:t>Landasan</a:t>
+            </a:r>
+            <a:r>
+              <a:rPr lang="en-US" sz="1600" cap="none" dirty="0">
+                <a:solidFill>
+                  <a:srgbClr val="FFFFFF"/>
+                </a:solidFill>
+              </a:rPr>
+              <a:t> </a:t>
+            </a:r>
+            <a:r>
+              <a:rPr lang="en-US" sz="1600" cap="none" dirty="0" err="1">
+                <a:solidFill>
+                  <a:srgbClr val="FFFFFF"/>
+                </a:solidFill>
+              </a:rPr>
+              <a:t>Aplikasi</a:t>
+            </a:r>
+            <a:r>
+              <a:rPr lang="en-US" sz="1600" cap="none" dirty="0">
+                <a:solidFill>
+                  <a:srgbClr val="FFFFFF"/>
+                </a:solidFill>
+              </a:rPr>
+              <a:t> </a:t>
+            </a:r>
+            <a:r>
+              <a:rPr lang="en-US" sz="1600" cap="none" dirty="0" err="1">
+                <a:solidFill>
+                  <a:srgbClr val="FFFFFF"/>
+                </a:solidFill>
+              </a:rPr>
+              <a:t>dibuat</a:t>
+            </a:r>
+            <a:br>
+              <a:rPr lang="en-US" sz="1600" cap="none" dirty="0">
+                <a:solidFill>
+                  <a:srgbClr val="FFFFFF"/>
+                </a:solidFill>
+              </a:rPr>
+            </a:br>
+            <a:r>
+              <a:rPr lang="en-US" sz="1600" cap="none" dirty="0">
+                <a:solidFill>
+                  <a:srgbClr val="FFFFFF"/>
+                </a:solidFill>
+              </a:rPr>
+              <a:t>- Note </a:t>
+            </a:r>
+            <a:r>
+              <a:rPr lang="en-US" sz="1600" cap="none" dirty="0" err="1">
+                <a:solidFill>
+                  <a:srgbClr val="FFFFFF"/>
+                </a:solidFill>
+              </a:rPr>
+              <a:t>mengenai</a:t>
+            </a:r>
+            <a:r>
+              <a:rPr lang="en-US" sz="1600" cap="none" dirty="0">
+                <a:solidFill>
+                  <a:srgbClr val="FFFFFF"/>
+                </a:solidFill>
+              </a:rPr>
+              <a:t> </a:t>
+            </a:r>
+            <a:r>
+              <a:rPr lang="en-US" sz="1600" cap="none" dirty="0" err="1">
+                <a:solidFill>
+                  <a:srgbClr val="FFFFFF"/>
+                </a:solidFill>
+              </a:rPr>
+              <a:t>pengembangan</a:t>
+            </a:r>
+            <a:br>
+              <a:rPr lang="en-US" sz="1600" cap="none" dirty="0">
+                <a:solidFill>
+                  <a:srgbClr val="FFFFFF"/>
+                </a:solidFill>
+              </a:rPr>
+            </a:br>
+            <a:r>
+              <a:rPr lang="en-US" sz="1600" cap="none" dirty="0">
+                <a:solidFill>
+                  <a:srgbClr val="FFFFFF"/>
+                </a:solidFill>
+              </a:rPr>
+              <a:t>- Change logs</a:t>
+            </a:r>
+            <a:br>
+              <a:rPr lang="en-US" sz="1600" cap="none" dirty="0">
+                <a:solidFill>
+                  <a:srgbClr val="FFFFFF"/>
+                </a:solidFill>
+              </a:rPr>
+            </a:br>
+            <a:r>
+              <a:rPr lang="en-US" sz="1600" cap="none" dirty="0">
+                <a:solidFill>
+                  <a:srgbClr val="FFFFFF"/>
+                </a:solidFill>
+              </a:rPr>
+              <a:t>- </a:t>
+            </a:r>
+            <a:r>
+              <a:rPr lang="en-US" sz="1600" cap="none" dirty="0" err="1">
+                <a:solidFill>
+                  <a:srgbClr val="FFFFFF"/>
+                </a:solidFill>
+              </a:rPr>
+              <a:t>Versi</a:t>
+            </a:r>
+            <a:r>
+              <a:rPr lang="en-US" sz="1600" cap="none" dirty="0">
+                <a:solidFill>
+                  <a:srgbClr val="FFFFFF"/>
+                </a:solidFill>
+              </a:rPr>
+              <a:t> </a:t>
+            </a:r>
+            <a:r>
+              <a:rPr lang="en-US" sz="1600" cap="none" dirty="0" err="1">
+                <a:solidFill>
+                  <a:srgbClr val="FFFFFF"/>
+                </a:solidFill>
+              </a:rPr>
+              <a:t>aplikasi</a:t>
+            </a:r>
+            <a:br>
+              <a:rPr lang="en-US" sz="1600" cap="none" dirty="0">
+                <a:solidFill>
+                  <a:srgbClr val="FFFFFF"/>
+                </a:solidFill>
+              </a:rPr>
+            </a:br>
+            <a:br>
+              <a:rPr lang="en-US" sz="1600" cap="none" dirty="0">
+                <a:solidFill>
+                  <a:srgbClr val="FFFFFF"/>
+                </a:solidFill>
+              </a:rPr>
+            </a:br>
+            <a:br>
+              <a:rPr lang="en-US" sz="1600" cap="none" dirty="0">
+                <a:solidFill>
+                  <a:srgbClr val="FFFFFF"/>
+                </a:solidFill>
+              </a:rPr>
+            </a:br>
+            <a:br>
+              <a:rPr lang="en-US" sz="1600" cap="none" dirty="0">
+                <a:solidFill>
+                  <a:srgbClr val="FFFFFF"/>
+                </a:solidFill>
+              </a:rPr>
+            </a:br>
+            <a:br>
+              <a:rPr lang="en-US" sz="1600" cap="none" dirty="0">
+                <a:solidFill>
+                  <a:srgbClr val="FFFFFF"/>
+                </a:solidFill>
+              </a:rPr>
+            </a:br>
+            <a:br>
+              <a:rPr lang="en-US" sz="1600" cap="none" dirty="0">
+                <a:solidFill>
+                  <a:srgbClr val="FFFFFF"/>
+                </a:solidFill>
+              </a:rPr>
+            </a:br>
+            <a:br>
+              <a:rPr lang="en-US" sz="1600" cap="none" dirty="0">
+                <a:solidFill>
+                  <a:srgbClr val="FFFFFF"/>
+                </a:solidFill>
+              </a:rPr>
+            </a:br>
+            <a:br>
+              <a:rPr lang="en-US" sz="1600" cap="none" dirty="0">
+                <a:solidFill>
+                  <a:srgbClr val="FFFFFF"/>
+                </a:solidFill>
+              </a:rPr>
+            </a:br>
+            <a:br>
+              <a:rPr lang="en-US" sz="1600" cap="none" dirty="0">
+                <a:solidFill>
+                  <a:srgbClr val="FFFFFF"/>
+                </a:solidFill>
+              </a:rPr>
+            </a:br>
+            <a:br>
+              <a:rPr lang="en-US" sz="1600" cap="none" dirty="0">
+                <a:solidFill>
+                  <a:srgbClr val="FFFFFF"/>
+                </a:solidFill>
+              </a:rPr>
+            </a:br>
+            <a:br>
+              <a:rPr lang="en-US" sz="1600" cap="none" dirty="0">
+                <a:solidFill>
+                  <a:srgbClr val="FFFFFF"/>
+                </a:solidFill>
+              </a:rPr>
+            </a:br>
+            <a:br>
+              <a:rPr lang="en-US" sz="1600" cap="none" dirty="0">
+                <a:solidFill>
+                  <a:srgbClr val="FFFFFF"/>
+                </a:solidFill>
+              </a:rPr>
+            </a:br>
+            <a:br>
+              <a:rPr lang="en-US" sz="1600" cap="none" dirty="0">
+                <a:solidFill>
+                  <a:srgbClr val="FFFFFF"/>
+                </a:solidFill>
+              </a:rPr>
+            </a:br>
+            <a:br>
+              <a:rPr lang="en-US" sz="1400" cap="none" dirty="0"/>
+            </a:br>
+            <a:br>
+              <a:rPr lang="en-US" sz="1400" cap="none" dirty="0"/>
+            </a:br>
+            <a:r>
+              <a:rPr lang="en-US" sz="1400" cap="none" dirty="0"/>
+              <a:t> </a:t>
+            </a:r>
+            <a:br>
+              <a:rPr lang="en-US" sz="1400" cap="none" dirty="0"/>
+            </a:br>
+            <a:br>
+              <a:rPr lang="en-US" sz="1400" cap="none" dirty="0"/>
+            </a:br>
+            <a:endParaRPr lang="en-US" sz="1400" dirty="0">
+              <a:solidFill>
+                <a:srgbClr val="FFFFFF"/>
+              </a:solidFill>
+            </a:endParaRPr>
+          </a:p>
+        </p:txBody>
+      </p:sp>
+      <p:sp>
+        <p:nvSpPr>
+          <p:cNvPr id="3" name="Subtitle 2">
+            <a:extLst>
+              <a:ext uri="{FF2B5EF4-FFF2-40B4-BE49-F238E27FC236}">
+                <a16:creationId xmlns:a16="http://schemas.microsoft.com/office/drawing/2014/main" id="{255E1F2F-E259-4EA8-9FFD-3A10AF541859}"/>
+              </a:ext>
+            </a:extLst>
+          </p:cNvPr>
+          <p:cNvSpPr>
+            <a:spLocks noGrp="1"/>
+          </p:cNvSpPr>
+          <p:nvPr>
+            <p:ph type="subTitle" idx="1"/>
+          </p:nvPr>
+        </p:nvSpPr>
+        <p:spPr>
+          <a:xfrm>
+            <a:off x="1100051" y="5225240"/>
+            <a:ext cx="10058400" cy="1143000"/>
+          </a:xfrm>
+        </p:spPr>
+        <p:txBody>
+          <a:bodyPr>
+            <a:normAutofit/>
+          </a:bodyPr>
+          <a:lstStyle/>
+          <a:p>
+            <a:r>
+              <a:rPr lang="en-US" sz="1400" dirty="0">
+                <a:solidFill>
+                  <a:srgbClr val="FFFFFF"/>
+                </a:solidFill>
+              </a:rPr>
+              <a:t>Movie - Readme</a:t>
+            </a:r>
+          </a:p>
+        </p:txBody>
+      </p:sp>
+      <p:pic>
+        <p:nvPicPr>
+          <p:cNvPr id="5" name="Picture 4">
+            <a:extLst>
+              <a:ext uri="{FF2B5EF4-FFF2-40B4-BE49-F238E27FC236}">
+                <a16:creationId xmlns:a16="http://schemas.microsoft.com/office/drawing/2014/main" id="{2BEC4262-D74C-4802-9B6B-C40B40432484}"/>
+              </a:ext>
+            </a:extLst>
+          </p:cNvPr>
+          <p:cNvPicPr>
+            <a:picLocks noChangeAspect="1"/>
+          </p:cNvPicPr>
+          <p:nvPr/>
+        </p:nvPicPr>
+        <p:blipFill>
+          <a:blip r:embed="rId2"/>
+          <a:stretch>
+            <a:fillRect/>
+          </a:stretch>
+        </p:blipFill>
+        <p:spPr>
+          <a:xfrm>
+            <a:off x="5227783" y="1279676"/>
+            <a:ext cx="6138498" cy="4772187"/>
+          </a:xfrm>
+          <a:prstGeom prst="rect">
+            <a:avLst/>
+          </a:prstGeom>
+        </p:spPr>
+      </p:pic>
+    </p:spTree>
+    <p:extLst>
+      <p:ext uri="{BB962C8B-B14F-4D97-AF65-F5344CB8AC3E}">
+        <p14:creationId xmlns:p14="http://schemas.microsoft.com/office/powerpoint/2010/main" val="965991458"/>
+      </p:ext>
+    </p:extLst>
+  </p:cSld>
+  <p:clrMapOvr>
+    <a:masterClrMapping/>
+  </p:clrMapOvr>
+</p:sld>
+</file>
+
+<file path=ppt/slides/slide9.xml><?xml version="1.0" encoding="utf-8"?>
+<p:sld xmlns:a="http://schemas.openxmlformats.org/drawingml/2006/main" xmlns:r="http://schemas.openxmlformats.org/officeDocument/2006/relationships" xmlns:p="http://schemas.openxmlformats.org/presentationml/2006/main">
+  <p:cSld>
+    <p:bg>
+      <p:bgPr>
+        <a:solidFill>
+          <a:schemeClr val="bg1"/>
+        </a:solidFill>
+        <a:effectLst/>
+      </p:bgPr>
+    </p:bg>
+    <p:spTree>
+      <p:nvGrpSpPr>
+        <p:cNvPr id="1" name=""/>
+        <p:cNvGrpSpPr/>
+        <p:nvPr/>
+      </p:nvGrpSpPr>
+      <p:grpSpPr>
+        <a:xfrm>
+          <a:off x="0" y="0"/>
+          <a:ext cx="0" cy="0"/>
+          <a:chOff x="0" y="0"/>
+          <a:chExt cx="0" cy="0"/>
+        </a:xfrm>
+      </p:grpSpPr>
+      <p:sp>
+        <p:nvSpPr>
+          <p:cNvPr id="2" name="Title 1">
+            <a:extLst>
+              <a:ext uri="{FF2B5EF4-FFF2-40B4-BE49-F238E27FC236}">
+                <a16:creationId xmlns:a16="http://schemas.microsoft.com/office/drawing/2014/main" id="{9AB2EA78-AEB3-469B-9025-3B17201A457B}"/>
+              </a:ext>
+            </a:extLst>
+          </p:cNvPr>
+          <p:cNvSpPr>
+            <a:spLocks noGrp="1"/>
+          </p:cNvSpPr>
+          <p:nvPr>
+            <p:ph type="ctrTitle"/>
+          </p:nvPr>
+        </p:nvSpPr>
+        <p:spPr>
+          <a:xfrm>
+            <a:off x="1100051" y="806137"/>
+            <a:ext cx="6155816" cy="4647553"/>
+          </a:xfrm>
+        </p:spPr>
+        <p:txBody>
+          <a:bodyPr anchor="ctr">
+            <a:noAutofit/>
+          </a:bodyPr>
+          <a:lstStyle/>
+          <a:p>
+            <a:r>
+              <a:rPr lang="en-US" sz="2900" b="1" u="sng" dirty="0">
+                <a:solidFill>
+                  <a:srgbClr val="FFFFFF"/>
+                </a:solidFill>
+              </a:rPr>
+              <a:t>Git</a:t>
+            </a:r>
+            <a:br>
+              <a:rPr lang="en-US" sz="2900" b="1" u="sng" dirty="0">
+                <a:solidFill>
+                  <a:srgbClr val="FFFFFF"/>
+                </a:solidFill>
+              </a:rPr>
+            </a:br>
+            <a:br>
+              <a:rPr lang="en-US" sz="1400" b="1" u="sng" dirty="0">
+                <a:solidFill>
+                  <a:srgbClr val="FFFFFF"/>
+                </a:solidFill>
+              </a:rPr>
+            </a:br>
+            <a:br>
+              <a:rPr lang="en-US" sz="1600" cap="none" dirty="0">
+                <a:solidFill>
+                  <a:srgbClr val="FFFFFF"/>
+                </a:solidFill>
+              </a:rPr>
+            </a:br>
+            <a:r>
+              <a:rPr lang="en-US" sz="1600" cap="none" dirty="0">
+                <a:solidFill>
+                  <a:srgbClr val="FFFFFF"/>
+                </a:solidFill>
+              </a:rPr>
+              <a:t>https://github.com/bk88collab/be-project</a:t>
+            </a:r>
+            <a:br>
+              <a:rPr lang="en-US" sz="1600" cap="none" dirty="0">
+                <a:solidFill>
+                  <a:srgbClr val="FFFFFF"/>
+                </a:solidFill>
+              </a:rPr>
+            </a:br>
+            <a:br>
+              <a:rPr lang="en-US" sz="1600" cap="none" dirty="0">
+                <a:solidFill>
+                  <a:srgbClr val="FFFFFF"/>
+                </a:solidFill>
+              </a:rPr>
+            </a:br>
+            <a:br>
+              <a:rPr lang="en-US" sz="1600" cap="none" dirty="0">
+                <a:solidFill>
+                  <a:srgbClr val="FFFFFF"/>
+                </a:solidFill>
+              </a:rPr>
+            </a:br>
+            <a:br>
+              <a:rPr lang="en-US" sz="1600" cap="none" dirty="0">
+                <a:solidFill>
+                  <a:srgbClr val="FFFFFF"/>
+                </a:solidFill>
+              </a:rPr>
+            </a:br>
+            <a:br>
+              <a:rPr lang="en-US" sz="1600" cap="none" dirty="0">
+                <a:solidFill>
+                  <a:srgbClr val="FFFFFF"/>
+                </a:solidFill>
+              </a:rPr>
+            </a:br>
+            <a:br>
+              <a:rPr lang="en-US" sz="1600" cap="none" dirty="0">
+                <a:solidFill>
+                  <a:srgbClr val="FFFFFF"/>
+                </a:solidFill>
+              </a:rPr>
+            </a:br>
+            <a:br>
+              <a:rPr lang="en-US" sz="1600" cap="none" dirty="0">
+                <a:solidFill>
+                  <a:srgbClr val="FFFFFF"/>
+                </a:solidFill>
+              </a:rPr>
+            </a:br>
+            <a:br>
+              <a:rPr lang="en-US" sz="1600" cap="none" dirty="0">
+                <a:solidFill>
+                  <a:srgbClr val="FFFFFF"/>
+                </a:solidFill>
+              </a:rPr>
+            </a:br>
+            <a:br>
+              <a:rPr lang="en-US" sz="1600" cap="none" dirty="0">
+                <a:solidFill>
+                  <a:srgbClr val="FFFFFF"/>
+                </a:solidFill>
+              </a:rPr>
+            </a:br>
+            <a:br>
+              <a:rPr lang="en-US" sz="1600" cap="none" dirty="0">
+                <a:solidFill>
+                  <a:srgbClr val="FFFFFF"/>
+                </a:solidFill>
+              </a:rPr>
+            </a:br>
+            <a:br>
+              <a:rPr lang="en-US" sz="1600" cap="none" dirty="0">
+                <a:solidFill>
+                  <a:srgbClr val="FFFFFF"/>
+                </a:solidFill>
+              </a:rPr>
+            </a:br>
+            <a:br>
+              <a:rPr lang="en-US" sz="1600" cap="none" dirty="0">
+                <a:solidFill>
+                  <a:srgbClr val="FFFFFF"/>
+                </a:solidFill>
+              </a:rPr>
+            </a:br>
+            <a:br>
+              <a:rPr lang="en-US" sz="1600" cap="none" dirty="0">
+                <a:solidFill>
+                  <a:srgbClr val="FFFFFF"/>
+                </a:solidFill>
+              </a:rPr>
+            </a:br>
+            <a:br>
+              <a:rPr lang="en-US" sz="1600" cap="none" dirty="0">
+                <a:solidFill>
+                  <a:srgbClr val="FFFFFF"/>
+                </a:solidFill>
+              </a:rPr>
+            </a:br>
+            <a:br>
+              <a:rPr lang="en-US" sz="1600" cap="none" dirty="0">
+                <a:solidFill>
+                  <a:srgbClr val="FFFFFF"/>
+                </a:solidFill>
+              </a:rPr>
+            </a:br>
+            <a:br>
+              <a:rPr lang="en-US" sz="1600" cap="none" dirty="0">
+                <a:solidFill>
+                  <a:srgbClr val="FFFFFF"/>
+                </a:solidFill>
+              </a:rPr>
+            </a:br>
+            <a:br>
+              <a:rPr lang="en-US" sz="1400" cap="none" dirty="0"/>
+            </a:br>
+            <a:br>
+              <a:rPr lang="en-US" sz="1400" cap="none" dirty="0"/>
+            </a:br>
+            <a:r>
+              <a:rPr lang="en-US" sz="1400" cap="none" dirty="0"/>
+              <a:t> </a:t>
+            </a:r>
+            <a:br>
+              <a:rPr lang="en-US" sz="1400" cap="none" dirty="0"/>
+            </a:br>
+            <a:br>
+              <a:rPr lang="en-US" sz="1400" cap="none" dirty="0"/>
+            </a:br>
+            <a:endParaRPr lang="en-US" sz="1400" dirty="0">
+              <a:solidFill>
+                <a:srgbClr val="FFFFFF"/>
+              </a:solidFill>
+            </a:endParaRPr>
+          </a:p>
+        </p:txBody>
+      </p:sp>
+      <p:sp>
+        <p:nvSpPr>
+          <p:cNvPr id="3" name="Subtitle 2">
+            <a:extLst>
+              <a:ext uri="{FF2B5EF4-FFF2-40B4-BE49-F238E27FC236}">
+                <a16:creationId xmlns:a16="http://schemas.microsoft.com/office/drawing/2014/main" id="{255E1F2F-E259-4EA8-9FFD-3A10AF541859}"/>
+              </a:ext>
+            </a:extLst>
+          </p:cNvPr>
+          <p:cNvSpPr>
+            <a:spLocks noGrp="1"/>
+          </p:cNvSpPr>
+          <p:nvPr>
+            <p:ph type="subTitle" idx="1"/>
+          </p:nvPr>
+        </p:nvSpPr>
+        <p:spPr>
+          <a:xfrm>
+            <a:off x="1100051" y="5225240"/>
+            <a:ext cx="10058400" cy="1143000"/>
+          </a:xfrm>
+        </p:spPr>
+        <p:txBody>
+          <a:bodyPr>
+            <a:normAutofit/>
+          </a:bodyPr>
+          <a:lstStyle/>
+          <a:p>
+            <a:r>
+              <a:rPr lang="en-US" sz="1400" dirty="0">
+                <a:solidFill>
+                  <a:srgbClr val="FFFFFF"/>
+                </a:solidFill>
+              </a:rPr>
+              <a:t>Movie - Readme</a:t>
+            </a:r>
+          </a:p>
+        </p:txBody>
+      </p:sp>
+      <p:pic>
+        <p:nvPicPr>
+          <p:cNvPr id="6" name="Picture 5">
+            <a:extLst>
+              <a:ext uri="{FF2B5EF4-FFF2-40B4-BE49-F238E27FC236}">
+                <a16:creationId xmlns:a16="http://schemas.microsoft.com/office/drawing/2014/main" id="{320F2BA0-8546-409A-BEED-897528A2C992}"/>
+              </a:ext>
+            </a:extLst>
+          </p:cNvPr>
+          <p:cNvPicPr>
+            <a:picLocks noChangeAspect="1"/>
+          </p:cNvPicPr>
+          <p:nvPr/>
+        </p:nvPicPr>
+        <p:blipFill>
+          <a:blip r:embed="rId2"/>
+          <a:stretch>
+            <a:fillRect/>
+          </a:stretch>
+        </p:blipFill>
+        <p:spPr>
+          <a:xfrm>
+            <a:off x="1192415" y="1704792"/>
+            <a:ext cx="5503949" cy="3040451"/>
+          </a:xfrm>
+          <a:prstGeom prst="rect">
+            <a:avLst/>
+          </a:prstGeom>
+        </p:spPr>
+      </p:pic>
+      <p:pic>
+        <p:nvPicPr>
+          <p:cNvPr id="8" name="Picture 7">
+            <a:extLst>
+              <a:ext uri="{FF2B5EF4-FFF2-40B4-BE49-F238E27FC236}">
+                <a16:creationId xmlns:a16="http://schemas.microsoft.com/office/drawing/2014/main" id="{DB912AE2-D734-4735-904D-524EB899D3F0}"/>
+              </a:ext>
+            </a:extLst>
+          </p:cNvPr>
+          <p:cNvPicPr>
+            <a:picLocks noChangeAspect="1"/>
+          </p:cNvPicPr>
+          <p:nvPr/>
+        </p:nvPicPr>
+        <p:blipFill>
+          <a:blip r:embed="rId3"/>
+          <a:stretch>
+            <a:fillRect/>
+          </a:stretch>
+        </p:blipFill>
+        <p:spPr>
+          <a:xfrm>
+            <a:off x="6788728" y="2076825"/>
+            <a:ext cx="5036116" cy="2667405"/>
+          </a:xfrm>
+          <a:prstGeom prst="rect">
+            <a:avLst/>
+          </a:prstGeom>
+        </p:spPr>
+      </p:pic>
+    </p:spTree>
+    <p:extLst>
+      <p:ext uri="{BB962C8B-B14F-4D97-AF65-F5344CB8AC3E}">
+        <p14:creationId xmlns:p14="http://schemas.microsoft.com/office/powerpoint/2010/main" val="532015916"/>
       </p:ext>
     </p:extLst>
   </p:cSld>

--- a/Presentasi/Movie Wishlist.pptx
+++ b/Presentasi/Movie Wishlist.pptx
@@ -2253,7 +2253,7 @@
           <a:p>
             <a:fld id="{9184DA70-C731-4C70-880D-CCD4705E623C}" type="datetime1">
               <a:rPr lang="en-US" smtClean="0"/>
-              <a:t>8/18/2021</a:t>
+              <a:t>8/19/2021</a:t>
             </a:fld>
             <a:endParaRPr lang="en-US" dirty="0"/>
           </a:p>
@@ -2520,7 +2520,7 @@
           <a:p>
             <a:fld id="{62D6E202-B606-4609-B914-27C9371A1F6D}" type="datetime1">
               <a:rPr lang="en-US" smtClean="0"/>
-              <a:t>8/18/2021</a:t>
+              <a:t>8/19/2021</a:t>
             </a:fld>
             <a:endParaRPr lang="en-US" dirty="0"/>
           </a:p>
@@ -2752,7 +2752,7 @@
           <a:p>
             <a:fld id="{62D6E202-B606-4609-B914-27C9371A1F6D}" type="datetime1">
               <a:rPr lang="en-US" smtClean="0"/>
-              <a:t>8/18/2021</a:t>
+              <a:t>8/19/2021</a:t>
             </a:fld>
             <a:endParaRPr lang="en-US" dirty="0"/>
           </a:p>
@@ -3063,7 +3063,7 @@
           <a:p>
             <a:fld id="{62D6E202-B606-4609-B914-27C9371A1F6D}" type="datetime1">
               <a:rPr lang="en-US" smtClean="0"/>
-              <a:t>8/18/2021</a:t>
+              <a:t>8/19/2021</a:t>
             </a:fld>
             <a:endParaRPr lang="en-US" dirty="0"/>
           </a:p>
@@ -3537,7 +3537,7 @@
           <a:p>
             <a:fld id="{62D6E202-B606-4609-B914-27C9371A1F6D}" type="datetime1">
               <a:rPr lang="en-US" smtClean="0"/>
-              <a:t>8/18/2021</a:t>
+              <a:t>8/19/2021</a:t>
             </a:fld>
             <a:endParaRPr lang="en-US" dirty="0"/>
           </a:p>
@@ -4085,7 +4085,7 @@
           <a:p>
             <a:fld id="{62D6E202-B606-4609-B914-27C9371A1F6D}" type="datetime1">
               <a:rPr lang="en-US" smtClean="0"/>
-              <a:t>8/18/2021</a:t>
+              <a:t>8/19/2021</a:t>
             </a:fld>
             <a:endParaRPr lang="en-US" dirty="0"/>
           </a:p>
@@ -4860,7 +4860,7 @@
           <a:p>
             <a:fld id="{62D6E202-B606-4609-B914-27C9371A1F6D}" type="datetime1">
               <a:rPr lang="en-US" smtClean="0"/>
-              <a:t>8/18/2021</a:t>
+              <a:t>8/19/2021</a:t>
             </a:fld>
             <a:endParaRPr lang="en-US" dirty="0"/>
           </a:p>
@@ -5036,7 +5036,7 @@
           <a:p>
             <a:fld id="{B612A279-0833-481D-8C56-F67FD0AC6C50}" type="datetime1">
               <a:rPr lang="en-US" smtClean="0"/>
-              <a:t>8/18/2021</a:t>
+              <a:t>8/19/2021</a:t>
             </a:fld>
             <a:endParaRPr lang="en-US" dirty="0"/>
           </a:p>
@@ -5259,7 +5259,7 @@
           <a:p>
             <a:fld id="{6587DA83-5663-4C9C-B9AA-0B40A3DAFF81}" type="datetime1">
               <a:rPr lang="en-US" smtClean="0"/>
-              <a:t>8/18/2021</a:t>
+              <a:t>8/19/2021</a:t>
             </a:fld>
             <a:endParaRPr lang="en-US" dirty="0"/>
           </a:p>
@@ -5439,7 +5439,7 @@
           <a:p>
             <a:fld id="{4BE1D723-8F53-4F53-90B0-1982A396982E}" type="datetime1">
               <a:rPr lang="en-US" smtClean="0"/>
-              <a:t>8/18/2021</a:t>
+              <a:t>8/19/2021</a:t>
             </a:fld>
             <a:endParaRPr lang="en-US" dirty="0"/>
           </a:p>
@@ -5728,7 +5728,7 @@
           <a:p>
             <a:fld id="{97669AF7-7BEB-44E4-9852-375E34362B5B}" type="datetime1">
               <a:rPr lang="en-US" smtClean="0"/>
-              <a:t>8/18/2021</a:t>
+              <a:t>8/19/2021</a:t>
             </a:fld>
             <a:endParaRPr lang="en-US" dirty="0"/>
           </a:p>
@@ -5970,7 +5970,7 @@
           <a:p>
             <a:fld id="{BAAAC38D-0552-4C82-B593-E6124DFADBE2}" type="datetime1">
               <a:rPr lang="en-US" smtClean="0"/>
-              <a:t>8/18/2021</a:t>
+              <a:t>8/19/2021</a:t>
             </a:fld>
             <a:endParaRPr lang="en-US" dirty="0"/>
           </a:p>
@@ -6349,7 +6349,7 @@
           <a:p>
             <a:fld id="{D9DF0F1C-5577-4ACB-BB62-DF8F3C494C7E}" type="datetime1">
               <a:rPr lang="en-US" smtClean="0"/>
-              <a:t>8/18/2021</a:t>
+              <a:t>8/19/2021</a:t>
             </a:fld>
             <a:endParaRPr lang="en-US" dirty="0"/>
           </a:p>
@@ -6467,7 +6467,7 @@
           <a:p>
             <a:fld id="{1775B394-D9F9-4F0C-B15D-605F45CB9E9F}" type="datetime1">
               <a:rPr lang="en-US" smtClean="0"/>
-              <a:t>8/18/2021</a:t>
+              <a:t>8/19/2021</a:t>
             </a:fld>
             <a:endParaRPr lang="en-US" dirty="0"/>
           </a:p>
@@ -6562,7 +6562,7 @@
           <a:p>
             <a:fld id="{39667345-2558-425A-8533-9BFDBCE15005}" type="datetime1">
               <a:rPr lang="en-US" smtClean="0"/>
-              <a:t>8/18/2021</a:t>
+              <a:t>8/19/2021</a:t>
             </a:fld>
             <a:endParaRPr lang="en-US" dirty="0"/>
           </a:p>
@@ -6811,7 +6811,7 @@
           <a:p>
             <a:fld id="{92BEA474-078D-4E9B-9B14-09A87B19DC46}" type="datetime1">
               <a:rPr lang="en-US" smtClean="0"/>
-              <a:t>8/18/2021</a:t>
+              <a:t>8/19/2021</a:t>
             </a:fld>
             <a:endParaRPr lang="en-US" dirty="0"/>
           </a:p>
@@ -7069,7 +7069,7 @@
           <a:p>
             <a:fld id="{4907D986-8816-4272-A432-0437A28A9828}" type="datetime1">
               <a:rPr lang="en-US" smtClean="0"/>
-              <a:t>8/18/2021</a:t>
+              <a:t>8/19/2021</a:t>
             </a:fld>
             <a:endParaRPr lang="en-US" dirty="0"/>
           </a:p>
@@ -7313,7 +7313,7 @@
           <a:p>
             <a:fld id="{62D6E202-B606-4609-B914-27C9371A1F6D}" type="datetime1">
               <a:rPr lang="en-US" smtClean="0"/>
-              <a:t>8/18/2021</a:t>
+              <a:t>8/19/2021</a:t>
             </a:fld>
             <a:endParaRPr lang="en-US" dirty="0"/>
           </a:p>
@@ -13034,9 +13034,13 @@
             </a:br>
             <a:r>
               <a:rPr lang="en-US" sz="1600" cap="none" dirty="0">
-                <a:solidFill>
-                  <a:srgbClr val="FFFFFF"/>
-                </a:solidFill>
+                <a:hlinkClick r:id="rId2">
+                  <a:extLst>
+                    <a:ext uri="{A12FA001-AC4F-418D-AE19-62706E023703}">
+                      <ahyp:hlinkClr xmlns:ahyp="http://schemas.microsoft.com/office/drawing/2018/hyperlinkcolor" val="tx"/>
+                    </a:ext>
+                  </a:extLst>
+                </a:hlinkClick>
               </a:rPr>
               <a:t>https://github.com/bk88collab/be-project</a:t>
             </a:r>
@@ -13230,7 +13234,7 @@
           <p:nvPr/>
         </p:nvPicPr>
         <p:blipFill>
-          <a:blip r:embed="rId2"/>
+          <a:blip r:embed="rId3"/>
           <a:stretch>
             <a:fillRect/>
           </a:stretch>
@@ -13260,7 +13264,7 @@
           <p:nvPr/>
         </p:nvPicPr>
         <p:blipFill>
-          <a:blip r:embed="rId3"/>
+          <a:blip r:embed="rId4"/>
           <a:stretch>
             <a:fillRect/>
           </a:stretch>
